--- a/model_set.pptx
+++ b/model_set.pptx
@@ -21,6 +21,8 @@
     <p:sldId id="270" r:id="rId15"/>
     <p:sldId id="271" r:id="rId16"/>
     <p:sldId id="272" r:id="rId17"/>
+    <p:sldId id="273" r:id="rId18"/>
+    <p:sldId id="274" r:id="rId19"/>
   </p:sldIdLst>
   <p:sldSz cx="12192000" cy="6858000"/>
   <p:notesSz cx="6858000" cy="9144000"/>
@@ -127,6 +129,122 @@
 </p:presentation>
 </file>
 
+<file path=ppt/revisionInfo.xml><?xml version="1.0" encoding="utf-8"?>
+<p1510:revInfo xmlns:a="http://schemas.openxmlformats.org/drawingml/2006/main" xmlns:r="http://schemas.openxmlformats.org/officeDocument/2006/relationships" xmlns:p1510="http://schemas.microsoft.com/office/powerpoint/2015/10/main">
+  <p1510:revLst>
+    <p1510:client id="{924900A8-6C73-479D-8A98-EA5307B6B318}" v="2" dt="2023-05-31T03:23:59.416"/>
+  </p1510:revLst>
+</p1510:revInfo>
+</file>
+
+<file path=ppt/changesInfos/changesInfo1.xml><?xml version="1.0" encoding="utf-8"?>
+<pc:chgInfo xmlns:a="http://schemas.openxmlformats.org/drawingml/2006/main" xmlns:r="http://schemas.openxmlformats.org/officeDocument/2006/relationships" xmlns:ac="http://schemas.microsoft.com/office/drawing/2013/main/command" xmlns:pc="http://schemas.microsoft.com/office/powerpoint/2013/main/command">
+  <pc:docChgLst>
+    <pc:chgData name="林楷勝" userId="071ddd01-1d14-4bc6-a245-a259b80318ef" providerId="ADAL" clId="{924900A8-6C73-479D-8A98-EA5307B6B318}"/>
+    <pc:docChg chg="undo custSel addSld modSld">
+      <pc:chgData name="林楷勝" userId="071ddd01-1d14-4bc6-a245-a259b80318ef" providerId="ADAL" clId="{924900A8-6C73-479D-8A98-EA5307B6B318}" dt="2023-05-31T03:25:22.267" v="42" actId="20577"/>
+      <pc:docMkLst>
+        <pc:docMk/>
+      </pc:docMkLst>
+      <pc:sldChg chg="delSp modSp add mod">
+        <pc:chgData name="林楷勝" userId="071ddd01-1d14-4bc6-a245-a259b80318ef" providerId="ADAL" clId="{924900A8-6C73-479D-8A98-EA5307B6B318}" dt="2023-05-31T03:23:56.842" v="9" actId="1076"/>
+        <pc:sldMkLst>
+          <pc:docMk/>
+          <pc:sldMk cId="4277347039" sldId="273"/>
+        </pc:sldMkLst>
+        <pc:spChg chg="mod">
+          <ac:chgData name="林楷勝" userId="071ddd01-1d14-4bc6-a245-a259b80318ef" providerId="ADAL" clId="{924900A8-6C73-479D-8A98-EA5307B6B318}" dt="2023-05-31T03:23:23.825" v="1"/>
+          <ac:spMkLst>
+            <pc:docMk/>
+            <pc:sldMk cId="4277347039" sldId="273"/>
+            <ac:spMk id="2" creationId="{F2D6D40B-1220-434E-8FE3-4AA15AD6E402}"/>
+          </ac:spMkLst>
+        </pc:spChg>
+        <pc:spChg chg="del mod">
+          <ac:chgData name="林楷勝" userId="071ddd01-1d14-4bc6-a245-a259b80318ef" providerId="ADAL" clId="{924900A8-6C73-479D-8A98-EA5307B6B318}" dt="2023-05-31T03:23:41.862" v="5" actId="478"/>
+          <ac:spMkLst>
+            <pc:docMk/>
+            <pc:sldMk cId="4277347039" sldId="273"/>
+            <ac:spMk id="3" creationId="{52ACEB4F-725D-4207-A024-9544614AA802}"/>
+          </ac:spMkLst>
+        </pc:spChg>
+        <pc:spChg chg="mod">
+          <ac:chgData name="林楷勝" userId="071ddd01-1d14-4bc6-a245-a259b80318ef" providerId="ADAL" clId="{924900A8-6C73-479D-8A98-EA5307B6B318}" dt="2023-05-31T03:23:56.842" v="9" actId="1076"/>
+          <ac:spMkLst>
+            <pc:docMk/>
+            <pc:sldMk cId="4277347039" sldId="273"/>
+            <ac:spMk id="5" creationId="{208105CF-3EB5-4CA0-9E05-33612C9BD3F7}"/>
+          </ac:spMkLst>
+        </pc:spChg>
+        <pc:spChg chg="del">
+          <ac:chgData name="林楷勝" userId="071ddd01-1d14-4bc6-a245-a259b80318ef" providerId="ADAL" clId="{924900A8-6C73-479D-8A98-EA5307B6B318}" dt="2023-05-31T03:23:42.978" v="6" actId="478"/>
+          <ac:spMkLst>
+            <pc:docMk/>
+            <pc:sldMk cId="4277347039" sldId="273"/>
+            <ac:spMk id="7" creationId="{48AB7FCE-9F46-4D7C-89F6-44FE5B33CC1E}"/>
+          </ac:spMkLst>
+        </pc:spChg>
+        <pc:cxnChg chg="del mod">
+          <ac:chgData name="林楷勝" userId="071ddd01-1d14-4bc6-a245-a259b80318ef" providerId="ADAL" clId="{924900A8-6C73-479D-8A98-EA5307B6B318}" dt="2023-05-31T03:23:40.753" v="4" actId="478"/>
+          <ac:cxnSpMkLst>
+            <pc:docMk/>
+            <pc:sldMk cId="4277347039" sldId="273"/>
+            <ac:cxnSpMk id="9" creationId="{12A0D24B-3445-4CEB-BD64-E1CBC1E77CC8}"/>
+          </ac:cxnSpMkLst>
+        </pc:cxnChg>
+        <pc:cxnChg chg="mod">
+          <ac:chgData name="林楷勝" userId="071ddd01-1d14-4bc6-a245-a259b80318ef" providerId="ADAL" clId="{924900A8-6C73-479D-8A98-EA5307B6B318}" dt="2023-05-31T03:23:56.842" v="9" actId="1076"/>
+          <ac:cxnSpMkLst>
+            <pc:docMk/>
+            <pc:sldMk cId="4277347039" sldId="273"/>
+            <ac:cxnSpMk id="13" creationId="{CDB50DE0-6F33-4C25-9198-49F8E907590D}"/>
+          </ac:cxnSpMkLst>
+        </pc:cxnChg>
+        <pc:cxnChg chg="del mod">
+          <ac:chgData name="林楷勝" userId="071ddd01-1d14-4bc6-a245-a259b80318ef" providerId="ADAL" clId="{924900A8-6C73-479D-8A98-EA5307B6B318}" dt="2023-05-31T03:23:43.952" v="7" actId="478"/>
+          <ac:cxnSpMkLst>
+            <pc:docMk/>
+            <pc:sldMk cId="4277347039" sldId="273"/>
+            <ac:cxnSpMk id="17" creationId="{953411DC-CBD7-4A73-897E-FCDD1EB47C5B}"/>
+          </ac:cxnSpMkLst>
+        </pc:cxnChg>
+      </pc:sldChg>
+      <pc:sldChg chg="delSp modSp add mod">
+        <pc:chgData name="林楷勝" userId="071ddd01-1d14-4bc6-a245-a259b80318ef" providerId="ADAL" clId="{924900A8-6C73-479D-8A98-EA5307B6B318}" dt="2023-05-31T03:25:22.267" v="42" actId="20577"/>
+        <pc:sldMkLst>
+          <pc:docMk/>
+          <pc:sldMk cId="52049047" sldId="274"/>
+        </pc:sldMkLst>
+        <pc:spChg chg="mod">
+          <ac:chgData name="林楷勝" userId="071ddd01-1d14-4bc6-a245-a259b80318ef" providerId="ADAL" clId="{924900A8-6C73-479D-8A98-EA5307B6B318}" dt="2023-05-31T03:25:22.267" v="42" actId="20577"/>
+          <ac:spMkLst>
+            <pc:docMk/>
+            <pc:sldMk cId="52049047" sldId="274"/>
+            <ac:spMk id="3" creationId="{101505C3-4B6E-4C2C-9385-6D1A467EC7C6}"/>
+          </ac:spMkLst>
+        </pc:spChg>
+        <pc:spChg chg="del">
+          <ac:chgData name="林楷勝" userId="071ddd01-1d14-4bc6-a245-a259b80318ef" providerId="ADAL" clId="{924900A8-6C73-479D-8A98-EA5307B6B318}" dt="2023-05-31T03:24:02.992" v="12" actId="478"/>
+          <ac:spMkLst>
+            <pc:docMk/>
+            <pc:sldMk cId="52049047" sldId="274"/>
+            <ac:spMk id="7" creationId="{C7F1947A-7B85-4D8C-BF67-90F76EAFCE9A}"/>
+          </ac:spMkLst>
+        </pc:spChg>
+        <pc:spChg chg="del">
+          <ac:chgData name="林楷勝" userId="071ddd01-1d14-4bc6-a245-a259b80318ef" providerId="ADAL" clId="{924900A8-6C73-479D-8A98-EA5307B6B318}" dt="2023-05-31T03:24:01.598" v="11" actId="478"/>
+          <ac:spMkLst>
+            <pc:docMk/>
+            <pc:sldMk cId="52049047" sldId="274"/>
+            <ac:spMk id="10" creationId="{7A5E92F5-01B1-4F5B-83A0-0438B28C8ACB}"/>
+          </ac:spMkLst>
+        </pc:spChg>
+      </pc:sldChg>
+    </pc:docChg>
+  </pc:docChgLst>
+</pc:chgInfo>
+</file>
+
 <file path=ppt/slideLayouts/slideLayout1.xml><?xml version="1.0" encoding="utf-8"?>
 <p:sldLayout xmlns:a="http://schemas.openxmlformats.org/drawingml/2006/main" xmlns:r="http://schemas.openxmlformats.org/officeDocument/2006/relationships" xmlns:p="http://schemas.openxmlformats.org/presentationml/2006/main" type="title" preserve="1">
   <p:cSld name="標題投影片">
@@ -274,7 +392,7 @@
           <a:p>
             <a:fld id="{B5F920FD-B546-4E00-8928-56BE159FFB99}" type="datetimeFigureOut">
               <a:rPr lang="zh-TW" altLang="en-US" smtClean="0"/>
-              <a:t>2023/5/24</a:t>
+              <a:t>2023/5/31</a:t>
             </a:fld>
             <a:endParaRPr lang="zh-TW" altLang="en-US"/>
           </a:p>
@@ -472,7 +590,7 @@
           <a:p>
             <a:fld id="{B5F920FD-B546-4E00-8928-56BE159FFB99}" type="datetimeFigureOut">
               <a:rPr lang="zh-TW" altLang="en-US" smtClean="0"/>
-              <a:t>2023/5/24</a:t>
+              <a:t>2023/5/31</a:t>
             </a:fld>
             <a:endParaRPr lang="zh-TW" altLang="en-US"/>
           </a:p>
@@ -680,7 +798,7 @@
           <a:p>
             <a:fld id="{B5F920FD-B546-4E00-8928-56BE159FFB99}" type="datetimeFigureOut">
               <a:rPr lang="zh-TW" altLang="en-US" smtClean="0"/>
-              <a:t>2023/5/24</a:t>
+              <a:t>2023/5/31</a:t>
             </a:fld>
             <a:endParaRPr lang="zh-TW" altLang="en-US"/>
           </a:p>
@@ -878,7 +996,7 @@
           <a:p>
             <a:fld id="{B5F920FD-B546-4E00-8928-56BE159FFB99}" type="datetimeFigureOut">
               <a:rPr lang="zh-TW" altLang="en-US" smtClean="0"/>
-              <a:t>2023/5/24</a:t>
+              <a:t>2023/5/31</a:t>
             </a:fld>
             <a:endParaRPr lang="zh-TW" altLang="en-US"/>
           </a:p>
@@ -1153,7 +1271,7 @@
           <a:p>
             <a:fld id="{B5F920FD-B546-4E00-8928-56BE159FFB99}" type="datetimeFigureOut">
               <a:rPr lang="zh-TW" altLang="en-US" smtClean="0"/>
-              <a:t>2023/5/24</a:t>
+              <a:t>2023/5/31</a:t>
             </a:fld>
             <a:endParaRPr lang="zh-TW" altLang="en-US"/>
           </a:p>
@@ -1418,7 +1536,7 @@
           <a:p>
             <a:fld id="{B5F920FD-B546-4E00-8928-56BE159FFB99}" type="datetimeFigureOut">
               <a:rPr lang="zh-TW" altLang="en-US" smtClean="0"/>
-              <a:t>2023/5/24</a:t>
+              <a:t>2023/5/31</a:t>
             </a:fld>
             <a:endParaRPr lang="zh-TW" altLang="en-US"/>
           </a:p>
@@ -1830,7 +1948,7 @@
           <a:p>
             <a:fld id="{B5F920FD-B546-4E00-8928-56BE159FFB99}" type="datetimeFigureOut">
               <a:rPr lang="zh-TW" altLang="en-US" smtClean="0"/>
-              <a:t>2023/5/24</a:t>
+              <a:t>2023/5/31</a:t>
             </a:fld>
             <a:endParaRPr lang="zh-TW" altLang="en-US"/>
           </a:p>
@@ -1971,7 +2089,7 @@
           <a:p>
             <a:fld id="{B5F920FD-B546-4E00-8928-56BE159FFB99}" type="datetimeFigureOut">
               <a:rPr lang="zh-TW" altLang="en-US" smtClean="0"/>
-              <a:t>2023/5/24</a:t>
+              <a:t>2023/5/31</a:t>
             </a:fld>
             <a:endParaRPr lang="zh-TW" altLang="en-US"/>
           </a:p>
@@ -2084,7 +2202,7 @@
           <a:p>
             <a:fld id="{B5F920FD-B546-4E00-8928-56BE159FFB99}" type="datetimeFigureOut">
               <a:rPr lang="zh-TW" altLang="en-US" smtClean="0"/>
-              <a:t>2023/5/24</a:t>
+              <a:t>2023/5/31</a:t>
             </a:fld>
             <a:endParaRPr lang="zh-TW" altLang="en-US"/>
           </a:p>
@@ -2395,7 +2513,7 @@
           <a:p>
             <a:fld id="{B5F920FD-B546-4E00-8928-56BE159FFB99}" type="datetimeFigureOut">
               <a:rPr lang="zh-TW" altLang="en-US" smtClean="0"/>
-              <a:t>2023/5/24</a:t>
+              <a:t>2023/5/31</a:t>
             </a:fld>
             <a:endParaRPr lang="zh-TW" altLang="en-US"/>
           </a:p>
@@ -2683,7 +2801,7 @@
           <a:p>
             <a:fld id="{B5F920FD-B546-4E00-8928-56BE159FFB99}" type="datetimeFigureOut">
               <a:rPr lang="zh-TW" altLang="en-US" smtClean="0"/>
-              <a:t>2023/5/24</a:t>
+              <a:t>2023/5/31</a:t>
             </a:fld>
             <a:endParaRPr lang="zh-TW" altLang="en-US"/>
           </a:p>
@@ -2924,7 +3042,7 @@
           <a:p>
             <a:fld id="{B5F920FD-B546-4E00-8928-56BE159FFB99}" type="datetimeFigureOut">
               <a:rPr lang="zh-TW" altLang="en-US" smtClean="0"/>
-              <a:t>2023/5/24</a:t>
+              <a:t>2023/5/31</a:t>
             </a:fld>
             <a:endParaRPr lang="zh-TW" altLang="en-US"/>
           </a:p>
@@ -7396,6 +7514,283 @@
 </p:sld>
 </file>
 
+<file path=ppt/slides/slide17.xml><?xml version="1.0" encoding="utf-8"?>
+<p:sld xmlns:a="http://schemas.openxmlformats.org/drawingml/2006/main" xmlns:r="http://schemas.openxmlformats.org/officeDocument/2006/relationships" xmlns:p="http://schemas.openxmlformats.org/presentationml/2006/main">
+  <p:cSld>
+    <p:spTree>
+      <p:nvGrpSpPr>
+        <p:cNvPr id="1" name=""/>
+        <p:cNvGrpSpPr/>
+        <p:nvPr/>
+      </p:nvGrpSpPr>
+      <p:grpSpPr>
+        <a:xfrm>
+          <a:off x="0" y="0"/>
+          <a:ext cx="0" cy="0"/>
+          <a:chOff x="0" y="0"/>
+          <a:chExt cx="0" cy="0"/>
+        </a:xfrm>
+      </p:grpSpPr>
+      <p:sp>
+        <p:nvSpPr>
+          <p:cNvPr id="2" name="矩形 1">
+            <a:extLst>
+              <a:ext uri="{FF2B5EF4-FFF2-40B4-BE49-F238E27FC236}">
+                <a16:creationId xmlns:a16="http://schemas.microsoft.com/office/drawing/2014/main" id="{F2D6D40B-1220-434E-8FE3-4AA15AD6E402}"/>
+              </a:ext>
+            </a:extLst>
+          </p:cNvPr>
+          <p:cNvSpPr/>
+          <p:nvPr/>
+        </p:nvSpPr>
+        <p:spPr>
+          <a:xfrm>
+            <a:off x="4648201" y="4275221"/>
+            <a:ext cx="1945106" cy="689811"/>
+          </a:xfrm>
+          <a:prstGeom prst="rect">
+            <a:avLst/>
+          </a:prstGeom>
+        </p:spPr>
+        <p:style>
+          <a:lnRef idx="2">
+            <a:schemeClr val="accent1">
+              <a:shade val="50000"/>
+            </a:schemeClr>
+          </a:lnRef>
+          <a:fillRef idx="1">
+            <a:schemeClr val="accent1"/>
+          </a:fillRef>
+          <a:effectRef idx="0">
+            <a:schemeClr val="accent1"/>
+          </a:effectRef>
+          <a:fontRef idx="minor">
+            <a:schemeClr val="lt1"/>
+          </a:fontRef>
+        </p:style>
+        <p:txBody>
+          <a:bodyPr rtlCol="0" anchor="ctr"/>
+          <a:lstStyle/>
+          <a:p>
+            <a:pPr algn="ctr"/>
+            <a:r>
+              <a:rPr lang="en-US" altLang="zh-TW" dirty="0" err="1"/>
+              <a:t>EPaperEmail</a:t>
+            </a:r>
+            <a:endParaRPr lang="zh-TW" altLang="en-US" dirty="0"/>
+          </a:p>
+        </p:txBody>
+      </p:sp>
+      <p:sp>
+        <p:nvSpPr>
+          <p:cNvPr id="5" name="橢圓 4">
+            <a:extLst>
+              <a:ext uri="{FF2B5EF4-FFF2-40B4-BE49-F238E27FC236}">
+                <a16:creationId xmlns:a16="http://schemas.microsoft.com/office/drawing/2014/main" id="{208105CF-3EB5-4CA0-9E05-33612C9BD3F7}"/>
+              </a:ext>
+            </a:extLst>
+          </p:cNvPr>
+          <p:cNvSpPr/>
+          <p:nvPr/>
+        </p:nvSpPr>
+        <p:spPr>
+          <a:xfrm>
+            <a:off x="4816643" y="1509760"/>
+            <a:ext cx="1608222" cy="900361"/>
+          </a:xfrm>
+          <a:prstGeom prst="ellipse">
+            <a:avLst/>
+          </a:prstGeom>
+        </p:spPr>
+        <p:style>
+          <a:lnRef idx="2">
+            <a:schemeClr val="accent1">
+              <a:shade val="50000"/>
+            </a:schemeClr>
+          </a:lnRef>
+          <a:fillRef idx="1">
+            <a:schemeClr val="accent1"/>
+          </a:fillRef>
+          <a:effectRef idx="0">
+            <a:schemeClr val="accent1"/>
+          </a:effectRef>
+          <a:fontRef idx="minor">
+            <a:schemeClr val="lt1"/>
+          </a:fontRef>
+        </p:style>
+        <p:txBody>
+          <a:bodyPr rtlCol="0" anchor="ctr"/>
+          <a:lstStyle/>
+          <a:p>
+            <a:pPr algn="ctr"/>
+            <a:r>
+              <a:rPr lang="en-US" altLang="zh-TW" dirty="0"/>
+              <a:t>email</a:t>
+            </a:r>
+          </a:p>
+          <a:p>
+            <a:pPr algn="ctr"/>
+            <a:r>
+              <a:rPr lang="en-US" altLang="zh-TW" sz="1200" dirty="0" err="1"/>
+              <a:t>EmailField</a:t>
+            </a:r>
+            <a:endParaRPr lang="zh-TW" altLang="en-US" sz="1200" dirty="0"/>
+          </a:p>
+        </p:txBody>
+      </p:sp>
+      <p:cxnSp>
+        <p:nvCxnSpPr>
+          <p:cNvPr id="13" name="直線接點 12">
+            <a:extLst>
+              <a:ext uri="{FF2B5EF4-FFF2-40B4-BE49-F238E27FC236}">
+                <a16:creationId xmlns:a16="http://schemas.microsoft.com/office/drawing/2014/main" id="{CDB50DE0-6F33-4C25-9198-49F8E907590D}"/>
+              </a:ext>
+            </a:extLst>
+          </p:cNvPr>
+          <p:cNvCxnSpPr>
+            <a:cxnSpLocks/>
+            <a:stCxn id="5" idx="4"/>
+            <a:endCxn id="2" idx="0"/>
+          </p:cNvCxnSpPr>
+          <p:nvPr/>
+        </p:nvCxnSpPr>
+        <p:spPr>
+          <a:xfrm>
+            <a:off x="5620754" y="2410121"/>
+            <a:ext cx="0" cy="1865100"/>
+          </a:xfrm>
+          <a:prstGeom prst="line">
+            <a:avLst/>
+          </a:prstGeom>
+        </p:spPr>
+        <p:style>
+          <a:lnRef idx="1">
+            <a:schemeClr val="accent1"/>
+          </a:lnRef>
+          <a:fillRef idx="0">
+            <a:schemeClr val="accent1"/>
+          </a:fillRef>
+          <a:effectRef idx="0">
+            <a:schemeClr val="accent1"/>
+          </a:effectRef>
+          <a:fontRef idx="minor">
+            <a:schemeClr val="tx1"/>
+          </a:fontRef>
+        </p:style>
+      </p:cxnSp>
+    </p:spTree>
+    <p:extLst>
+      <p:ext uri="{BB962C8B-B14F-4D97-AF65-F5344CB8AC3E}">
+        <p14:creationId xmlns:p14="http://schemas.microsoft.com/office/powerpoint/2010/main" val="4277347039"/>
+      </p:ext>
+    </p:extLst>
+  </p:cSld>
+  <p:clrMapOvr>
+    <a:masterClrMapping/>
+  </p:clrMapOvr>
+</p:sld>
+</file>
+
+<file path=ppt/slides/slide18.xml><?xml version="1.0" encoding="utf-8"?>
+<p:sld xmlns:a="http://schemas.openxmlformats.org/drawingml/2006/main" xmlns:r="http://schemas.openxmlformats.org/officeDocument/2006/relationships" xmlns:p="http://schemas.openxmlformats.org/presentationml/2006/main">
+  <p:cSld>
+    <p:spTree>
+      <p:nvGrpSpPr>
+        <p:cNvPr id="1" name=""/>
+        <p:cNvGrpSpPr/>
+        <p:nvPr/>
+      </p:nvGrpSpPr>
+      <p:grpSpPr>
+        <a:xfrm>
+          <a:off x="0" y="0"/>
+          <a:ext cx="0" cy="0"/>
+          <a:chOff x="0" y="0"/>
+          <a:chExt cx="0" cy="0"/>
+        </a:xfrm>
+      </p:grpSpPr>
+      <p:sp>
+        <p:nvSpPr>
+          <p:cNvPr id="3" name="文字方塊 2">
+            <a:extLst>
+              <a:ext uri="{FF2B5EF4-FFF2-40B4-BE49-F238E27FC236}">
+                <a16:creationId xmlns:a16="http://schemas.microsoft.com/office/drawing/2014/main" id="{101505C3-4B6E-4C2C-9385-6D1A467EC7C6}"/>
+              </a:ext>
+            </a:extLst>
+          </p:cNvPr>
+          <p:cNvSpPr txBox="1"/>
+          <p:nvPr/>
+        </p:nvSpPr>
+        <p:spPr>
+          <a:xfrm>
+            <a:off x="469231" y="139169"/>
+            <a:ext cx="11253538" cy="954107"/>
+          </a:xfrm>
+          <a:prstGeom prst="rect">
+            <a:avLst/>
+          </a:prstGeom>
+          <a:noFill/>
+        </p:spPr>
+        <p:txBody>
+          <a:bodyPr wrap="square">
+            <a:spAutoFit/>
+          </a:bodyPr>
+          <a:lstStyle/>
+          <a:p>
+            <a:r>
+              <a:rPr lang="en-US" altLang="zh-TW" sz="3200" dirty="0"/>
+              <a:t>email </a:t>
+            </a:r>
+          </a:p>
+          <a:p>
+            <a:r>
+              <a:rPr lang="en-US" altLang="zh-TW" sz="2400" dirty="0" err="1"/>
+              <a:t>EmailField</a:t>
+            </a:r>
+            <a:r>
+              <a:rPr lang="en-US" altLang="zh-TW" sz="2400" dirty="0"/>
+              <a:t>(</a:t>
+            </a:r>
+            <a:r>
+              <a:rPr lang="en-US" altLang="zh-TW" sz="2400" dirty="0" err="1"/>
+              <a:t>verbose_name</a:t>
+            </a:r>
+            <a:r>
+              <a:rPr lang="en-US" altLang="zh-TW" sz="2400" dirty="0"/>
+              <a:t>='</a:t>
+            </a:r>
+            <a:r>
+              <a:rPr lang="zh-TW" altLang="en-US" sz="2400" dirty="0"/>
+              <a:t>信箱</a:t>
+            </a:r>
+            <a:r>
+              <a:rPr lang="en-US" altLang="zh-TW" sz="2400" dirty="0"/>
+              <a:t>', </a:t>
+            </a:r>
+            <a:r>
+              <a:rPr lang="en-US" altLang="zh-TW" sz="2400" dirty="0" err="1"/>
+              <a:t>max_length</a:t>
+            </a:r>
+            <a:r>
+              <a:rPr lang="en-US" altLang="zh-TW" sz="2400" dirty="0"/>
+              <a:t>=255)</a:t>
+            </a:r>
+            <a:endParaRPr lang="zh-TW" altLang="en-US" sz="1200" dirty="0"/>
+          </a:p>
+        </p:txBody>
+      </p:sp>
+    </p:spTree>
+    <p:extLst>
+      <p:ext uri="{BB962C8B-B14F-4D97-AF65-F5344CB8AC3E}">
+        <p14:creationId xmlns:p14="http://schemas.microsoft.com/office/powerpoint/2010/main" val="52049047"/>
+      </p:ext>
+    </p:extLst>
+  </p:cSld>
+  <p:clrMapOvr>
+    <a:masterClrMapping/>
+  </p:clrMapOvr>
+</p:sld>
+</file>
+
 <file path=ppt/slides/slide2.xml><?xml version="1.0" encoding="utf-8"?>
 <p:sld xmlns:a="http://schemas.openxmlformats.org/drawingml/2006/main" xmlns:r="http://schemas.openxmlformats.org/officeDocument/2006/relationships" xmlns:p="http://schemas.openxmlformats.org/presentationml/2006/main">
   <p:cSld>

--- a/model_set.pptx
+++ b/model_set.pptx
@@ -23,6 +23,13 @@
     <p:sldId id="272" r:id="rId17"/>
     <p:sldId id="273" r:id="rId18"/>
     <p:sldId id="274" r:id="rId19"/>
+    <p:sldId id="275" r:id="rId20"/>
+    <p:sldId id="276" r:id="rId21"/>
+    <p:sldId id="277" r:id="rId22"/>
+    <p:sldId id="278" r:id="rId23"/>
+    <p:sldId id="279" r:id="rId24"/>
+    <p:sldId id="280" r:id="rId25"/>
+    <p:sldId id="281" r:id="rId26"/>
   </p:sldIdLst>
   <p:sldSz cx="12192000" cy="6858000"/>
   <p:notesSz cx="6858000" cy="9144000"/>
@@ -132,7 +139,7 @@
 <file path=ppt/revisionInfo.xml><?xml version="1.0" encoding="utf-8"?>
 <p1510:revInfo xmlns:a="http://schemas.openxmlformats.org/drawingml/2006/main" xmlns:r="http://schemas.openxmlformats.org/officeDocument/2006/relationships" xmlns:p1510="http://schemas.microsoft.com/office/powerpoint/2015/10/main">
   <p1510:revLst>
-    <p1510:client id="{924900A8-6C73-479D-8A98-EA5307B6B318}" v="2" dt="2023-05-31T03:23:59.416"/>
+    <p1510:client id="{924900A8-6C73-479D-8A98-EA5307B6B318}" v="44" dt="2023-06-03T02:53:28.146"/>
   </p1510:revLst>
 </p1510:revInfo>
 </file>
@@ -141,11 +148,330 @@
 <pc:chgInfo xmlns:a="http://schemas.openxmlformats.org/drawingml/2006/main" xmlns:r="http://schemas.openxmlformats.org/officeDocument/2006/relationships" xmlns:ac="http://schemas.microsoft.com/office/drawing/2013/main/command" xmlns:pc="http://schemas.microsoft.com/office/powerpoint/2013/main/command">
   <pc:docChgLst>
     <pc:chgData name="林楷勝" userId="071ddd01-1d14-4bc6-a245-a259b80318ef" providerId="ADAL" clId="{924900A8-6C73-479D-8A98-EA5307B6B318}"/>
-    <pc:docChg chg="undo custSel addSld modSld">
-      <pc:chgData name="林楷勝" userId="071ddd01-1d14-4bc6-a245-a259b80318ef" providerId="ADAL" clId="{924900A8-6C73-479D-8A98-EA5307B6B318}" dt="2023-05-31T03:25:22.267" v="42" actId="20577"/>
+    <pc:docChg chg="undo redo custSel addSld modSld">
+      <pc:chgData name="林楷勝" userId="071ddd01-1d14-4bc6-a245-a259b80318ef" providerId="ADAL" clId="{924900A8-6C73-479D-8A98-EA5307B6B318}" dt="2023-06-03T03:01:43.256" v="457"/>
       <pc:docMkLst>
         <pc:docMk/>
       </pc:docMkLst>
+      <pc:sldChg chg="modSp">
+        <pc:chgData name="林楷勝" userId="071ddd01-1d14-4bc6-a245-a259b80318ef" providerId="ADAL" clId="{924900A8-6C73-479D-8A98-EA5307B6B318}" dt="2023-06-03T02:52:49.918" v="452"/>
+        <pc:sldMkLst>
+          <pc:docMk/>
+          <pc:sldMk cId="3728436730" sldId="258"/>
+        </pc:sldMkLst>
+        <pc:spChg chg="mod">
+          <ac:chgData name="林楷勝" userId="071ddd01-1d14-4bc6-a245-a259b80318ef" providerId="ADAL" clId="{924900A8-6C73-479D-8A98-EA5307B6B318}" dt="2023-06-03T02:52:49.918" v="452"/>
+          <ac:spMkLst>
+            <pc:docMk/>
+            <pc:sldMk cId="3728436730" sldId="258"/>
+            <ac:spMk id="3" creationId="{101505C3-4B6E-4C2C-9385-6D1A467EC7C6}"/>
+          </ac:spMkLst>
+        </pc:spChg>
+        <pc:spChg chg="mod">
+          <ac:chgData name="林楷勝" userId="071ddd01-1d14-4bc6-a245-a259b80318ef" providerId="ADAL" clId="{924900A8-6C73-479D-8A98-EA5307B6B318}" dt="2023-06-03T02:52:49.918" v="452"/>
+          <ac:spMkLst>
+            <pc:docMk/>
+            <pc:sldMk cId="3728436730" sldId="258"/>
+            <ac:spMk id="4" creationId="{00DA346E-4BBF-4269-B59B-B7FB1F533DFB}"/>
+          </ac:spMkLst>
+        </pc:spChg>
+        <pc:spChg chg="mod">
+          <ac:chgData name="林楷勝" userId="071ddd01-1d14-4bc6-a245-a259b80318ef" providerId="ADAL" clId="{924900A8-6C73-479D-8A98-EA5307B6B318}" dt="2023-06-03T02:52:49.918" v="452"/>
+          <ac:spMkLst>
+            <pc:docMk/>
+            <pc:sldMk cId="3728436730" sldId="258"/>
+            <ac:spMk id="6" creationId="{CB3DE963-62C8-425D-94E0-815588270CBE}"/>
+          </ac:spMkLst>
+        </pc:spChg>
+        <pc:spChg chg="mod">
+          <ac:chgData name="林楷勝" userId="071ddd01-1d14-4bc6-a245-a259b80318ef" providerId="ADAL" clId="{924900A8-6C73-479D-8A98-EA5307B6B318}" dt="2023-06-03T02:52:49.918" v="452"/>
+          <ac:spMkLst>
+            <pc:docMk/>
+            <pc:sldMk cId="3728436730" sldId="258"/>
+            <ac:spMk id="7" creationId="{9AC365DB-E8CE-4722-847E-55DF0832657C}"/>
+          </ac:spMkLst>
+        </pc:spChg>
+        <pc:spChg chg="mod">
+          <ac:chgData name="林楷勝" userId="071ddd01-1d14-4bc6-a245-a259b80318ef" providerId="ADAL" clId="{924900A8-6C73-479D-8A98-EA5307B6B318}" dt="2023-06-03T02:52:49.918" v="452"/>
+          <ac:spMkLst>
+            <pc:docMk/>
+            <pc:sldMk cId="3728436730" sldId="258"/>
+            <ac:spMk id="8" creationId="{DA20CF74-33BF-4ADB-8006-45A551E9830C}"/>
+          </ac:spMkLst>
+        </pc:spChg>
+      </pc:sldChg>
+      <pc:sldChg chg="modSp">
+        <pc:chgData name="林楷勝" userId="071ddd01-1d14-4bc6-a245-a259b80318ef" providerId="ADAL" clId="{924900A8-6C73-479D-8A98-EA5307B6B318}" dt="2023-06-03T02:52:49.918" v="452"/>
+        <pc:sldMkLst>
+          <pc:docMk/>
+          <pc:sldMk cId="1017047767" sldId="259"/>
+        </pc:sldMkLst>
+        <pc:spChg chg="mod">
+          <ac:chgData name="林楷勝" userId="071ddd01-1d14-4bc6-a245-a259b80318ef" providerId="ADAL" clId="{924900A8-6C73-479D-8A98-EA5307B6B318}" dt="2023-06-03T02:52:49.918" v="452"/>
+          <ac:spMkLst>
+            <pc:docMk/>
+            <pc:sldMk cId="1017047767" sldId="259"/>
+            <ac:spMk id="3" creationId="{101505C3-4B6E-4C2C-9385-6D1A467EC7C6}"/>
+          </ac:spMkLst>
+        </pc:spChg>
+        <pc:spChg chg="mod">
+          <ac:chgData name="林楷勝" userId="071ddd01-1d14-4bc6-a245-a259b80318ef" providerId="ADAL" clId="{924900A8-6C73-479D-8A98-EA5307B6B318}" dt="2023-06-03T02:52:49.918" v="452"/>
+          <ac:spMkLst>
+            <pc:docMk/>
+            <pc:sldMk cId="1017047767" sldId="259"/>
+            <ac:spMk id="4" creationId="{00DA346E-4BBF-4269-B59B-B7FB1F533DFB}"/>
+          </ac:spMkLst>
+        </pc:spChg>
+        <pc:spChg chg="mod">
+          <ac:chgData name="林楷勝" userId="071ddd01-1d14-4bc6-a245-a259b80318ef" providerId="ADAL" clId="{924900A8-6C73-479D-8A98-EA5307B6B318}" dt="2023-06-03T02:52:49.918" v="452"/>
+          <ac:spMkLst>
+            <pc:docMk/>
+            <pc:sldMk cId="1017047767" sldId="259"/>
+            <ac:spMk id="6" creationId="{CB3DE963-62C8-425D-94E0-815588270CBE}"/>
+          </ac:spMkLst>
+        </pc:spChg>
+        <pc:spChg chg="mod">
+          <ac:chgData name="林楷勝" userId="071ddd01-1d14-4bc6-a245-a259b80318ef" providerId="ADAL" clId="{924900A8-6C73-479D-8A98-EA5307B6B318}" dt="2023-06-03T02:52:49.918" v="452"/>
+          <ac:spMkLst>
+            <pc:docMk/>
+            <pc:sldMk cId="1017047767" sldId="259"/>
+            <ac:spMk id="7" creationId="{9AC365DB-E8CE-4722-847E-55DF0832657C}"/>
+          </ac:spMkLst>
+        </pc:spChg>
+        <pc:spChg chg="mod">
+          <ac:chgData name="林楷勝" userId="071ddd01-1d14-4bc6-a245-a259b80318ef" providerId="ADAL" clId="{924900A8-6C73-479D-8A98-EA5307B6B318}" dt="2023-06-03T02:52:49.918" v="452"/>
+          <ac:spMkLst>
+            <pc:docMk/>
+            <pc:sldMk cId="1017047767" sldId="259"/>
+            <ac:spMk id="8" creationId="{DA20CF74-33BF-4ADB-8006-45A551E9830C}"/>
+          </ac:spMkLst>
+        </pc:spChg>
+      </pc:sldChg>
+      <pc:sldChg chg="modSp">
+        <pc:chgData name="林楷勝" userId="071ddd01-1d14-4bc6-a245-a259b80318ef" providerId="ADAL" clId="{924900A8-6C73-479D-8A98-EA5307B6B318}" dt="2023-06-03T02:52:49.918" v="452"/>
+        <pc:sldMkLst>
+          <pc:docMk/>
+          <pc:sldMk cId="534338200" sldId="261"/>
+        </pc:sldMkLst>
+        <pc:spChg chg="mod">
+          <ac:chgData name="林楷勝" userId="071ddd01-1d14-4bc6-a245-a259b80318ef" providerId="ADAL" clId="{924900A8-6C73-479D-8A98-EA5307B6B318}" dt="2023-06-03T02:52:49.918" v="452"/>
+          <ac:spMkLst>
+            <pc:docMk/>
+            <pc:sldMk cId="534338200" sldId="261"/>
+            <ac:spMk id="4" creationId="{00DA346E-4BBF-4269-B59B-B7FB1F533DFB}"/>
+          </ac:spMkLst>
+        </pc:spChg>
+        <pc:spChg chg="mod">
+          <ac:chgData name="林楷勝" userId="071ddd01-1d14-4bc6-a245-a259b80318ef" providerId="ADAL" clId="{924900A8-6C73-479D-8A98-EA5307B6B318}" dt="2023-06-03T02:52:49.918" v="452"/>
+          <ac:spMkLst>
+            <pc:docMk/>
+            <pc:sldMk cId="534338200" sldId="261"/>
+            <ac:spMk id="6" creationId="{CB3DE963-62C8-425D-94E0-815588270CBE}"/>
+          </ac:spMkLst>
+        </pc:spChg>
+        <pc:spChg chg="mod">
+          <ac:chgData name="林楷勝" userId="071ddd01-1d14-4bc6-a245-a259b80318ef" providerId="ADAL" clId="{924900A8-6C73-479D-8A98-EA5307B6B318}" dt="2023-06-03T02:52:49.918" v="452"/>
+          <ac:spMkLst>
+            <pc:docMk/>
+            <pc:sldMk cId="534338200" sldId="261"/>
+            <ac:spMk id="9" creationId="{956492D7-B904-4C3F-A1DD-B300FD408937}"/>
+          </ac:spMkLst>
+        </pc:spChg>
+        <pc:spChg chg="mod">
+          <ac:chgData name="林楷勝" userId="071ddd01-1d14-4bc6-a245-a259b80318ef" providerId="ADAL" clId="{924900A8-6C73-479D-8A98-EA5307B6B318}" dt="2023-06-03T02:52:49.918" v="452"/>
+          <ac:spMkLst>
+            <pc:docMk/>
+            <pc:sldMk cId="534338200" sldId="261"/>
+            <ac:spMk id="10" creationId="{836CB391-AA23-464C-89B1-361C2859EE99}"/>
+          </ac:spMkLst>
+        </pc:spChg>
+        <pc:spChg chg="mod">
+          <ac:chgData name="林楷勝" userId="071ddd01-1d14-4bc6-a245-a259b80318ef" providerId="ADAL" clId="{924900A8-6C73-479D-8A98-EA5307B6B318}" dt="2023-06-03T02:52:49.918" v="452"/>
+          <ac:spMkLst>
+            <pc:docMk/>
+            <pc:sldMk cId="534338200" sldId="261"/>
+            <ac:spMk id="11" creationId="{214F00B8-1B2F-4E58-BDBB-E56E0D3A3B8A}"/>
+          </ac:spMkLst>
+        </pc:spChg>
+      </pc:sldChg>
+      <pc:sldChg chg="modSp">
+        <pc:chgData name="林楷勝" userId="071ddd01-1d14-4bc6-a245-a259b80318ef" providerId="ADAL" clId="{924900A8-6C73-479D-8A98-EA5307B6B318}" dt="2023-06-03T02:52:49.918" v="452"/>
+        <pc:sldMkLst>
+          <pc:docMk/>
+          <pc:sldMk cId="1780735100" sldId="263"/>
+        </pc:sldMkLst>
+        <pc:spChg chg="mod">
+          <ac:chgData name="林楷勝" userId="071ddd01-1d14-4bc6-a245-a259b80318ef" providerId="ADAL" clId="{924900A8-6C73-479D-8A98-EA5307B6B318}" dt="2023-06-03T02:52:49.918" v="452"/>
+          <ac:spMkLst>
+            <pc:docMk/>
+            <pc:sldMk cId="1780735100" sldId="263"/>
+            <ac:spMk id="4" creationId="{00DA346E-4BBF-4269-B59B-B7FB1F533DFB}"/>
+          </ac:spMkLst>
+        </pc:spChg>
+        <pc:spChg chg="mod">
+          <ac:chgData name="林楷勝" userId="071ddd01-1d14-4bc6-a245-a259b80318ef" providerId="ADAL" clId="{924900A8-6C73-479D-8A98-EA5307B6B318}" dt="2023-06-03T02:52:49.918" v="452"/>
+          <ac:spMkLst>
+            <pc:docMk/>
+            <pc:sldMk cId="1780735100" sldId="263"/>
+            <ac:spMk id="7" creationId="{7B90DCC9-35F2-4DCE-8D09-85CEB45C30A4}"/>
+          </ac:spMkLst>
+        </pc:spChg>
+        <pc:spChg chg="mod">
+          <ac:chgData name="林楷勝" userId="071ddd01-1d14-4bc6-a245-a259b80318ef" providerId="ADAL" clId="{924900A8-6C73-479D-8A98-EA5307B6B318}" dt="2023-06-03T02:52:49.918" v="452"/>
+          <ac:spMkLst>
+            <pc:docMk/>
+            <pc:sldMk cId="1780735100" sldId="263"/>
+            <ac:spMk id="9" creationId="{956492D7-B904-4C3F-A1DD-B300FD408937}"/>
+          </ac:spMkLst>
+        </pc:spChg>
+        <pc:spChg chg="mod">
+          <ac:chgData name="林楷勝" userId="071ddd01-1d14-4bc6-a245-a259b80318ef" providerId="ADAL" clId="{924900A8-6C73-479D-8A98-EA5307B6B318}" dt="2023-06-03T02:52:49.918" v="452"/>
+          <ac:spMkLst>
+            <pc:docMk/>
+            <pc:sldMk cId="1780735100" sldId="263"/>
+            <ac:spMk id="11" creationId="{214F00B8-1B2F-4E58-BDBB-E56E0D3A3B8A}"/>
+          </ac:spMkLst>
+        </pc:spChg>
+      </pc:sldChg>
+      <pc:sldChg chg="modSp">
+        <pc:chgData name="林楷勝" userId="071ddd01-1d14-4bc6-a245-a259b80318ef" providerId="ADAL" clId="{924900A8-6C73-479D-8A98-EA5307B6B318}" dt="2023-06-03T02:52:49.918" v="452"/>
+        <pc:sldMkLst>
+          <pc:docMk/>
+          <pc:sldMk cId="1654612953" sldId="265"/>
+        </pc:sldMkLst>
+        <pc:spChg chg="mod">
+          <ac:chgData name="林楷勝" userId="071ddd01-1d14-4bc6-a245-a259b80318ef" providerId="ADAL" clId="{924900A8-6C73-479D-8A98-EA5307B6B318}" dt="2023-06-03T02:52:49.918" v="452"/>
+          <ac:spMkLst>
+            <pc:docMk/>
+            <pc:sldMk cId="1654612953" sldId="265"/>
+            <ac:spMk id="7" creationId="{7B90DCC9-35F2-4DCE-8D09-85CEB45C30A4}"/>
+          </ac:spMkLst>
+        </pc:spChg>
+        <pc:spChg chg="mod">
+          <ac:chgData name="林楷勝" userId="071ddd01-1d14-4bc6-a245-a259b80318ef" providerId="ADAL" clId="{924900A8-6C73-479D-8A98-EA5307B6B318}" dt="2023-06-03T02:52:49.918" v="452"/>
+          <ac:spMkLst>
+            <pc:docMk/>
+            <pc:sldMk cId="1654612953" sldId="265"/>
+            <ac:spMk id="9" creationId="{956492D7-B904-4C3F-A1DD-B300FD408937}"/>
+          </ac:spMkLst>
+        </pc:spChg>
+        <pc:spChg chg="mod">
+          <ac:chgData name="林楷勝" userId="071ddd01-1d14-4bc6-a245-a259b80318ef" providerId="ADAL" clId="{924900A8-6C73-479D-8A98-EA5307B6B318}" dt="2023-06-03T02:52:49.918" v="452"/>
+          <ac:spMkLst>
+            <pc:docMk/>
+            <pc:sldMk cId="1654612953" sldId="265"/>
+            <ac:spMk id="11" creationId="{214F00B8-1B2F-4E58-BDBB-E56E0D3A3B8A}"/>
+          </ac:spMkLst>
+        </pc:spChg>
+      </pc:sldChg>
+      <pc:sldChg chg="modSp">
+        <pc:chgData name="林楷勝" userId="071ddd01-1d14-4bc6-a245-a259b80318ef" providerId="ADAL" clId="{924900A8-6C73-479D-8A98-EA5307B6B318}" dt="2023-06-03T02:52:49.918" v="452"/>
+        <pc:sldMkLst>
+          <pc:docMk/>
+          <pc:sldMk cId="915278205" sldId="268"/>
+        </pc:sldMkLst>
+        <pc:spChg chg="mod">
+          <ac:chgData name="林楷勝" userId="071ddd01-1d14-4bc6-a245-a259b80318ef" providerId="ADAL" clId="{924900A8-6C73-479D-8A98-EA5307B6B318}" dt="2023-06-03T02:52:49.918" v="452"/>
+          <ac:spMkLst>
+            <pc:docMk/>
+            <pc:sldMk cId="915278205" sldId="268"/>
+            <ac:spMk id="3" creationId="{101505C3-4B6E-4C2C-9385-6D1A467EC7C6}"/>
+          </ac:spMkLst>
+        </pc:spChg>
+        <pc:spChg chg="mod">
+          <ac:chgData name="林楷勝" userId="071ddd01-1d14-4bc6-a245-a259b80318ef" providerId="ADAL" clId="{924900A8-6C73-479D-8A98-EA5307B6B318}" dt="2023-06-03T02:52:49.918" v="452"/>
+          <ac:spMkLst>
+            <pc:docMk/>
+            <pc:sldMk cId="915278205" sldId="268"/>
+            <ac:spMk id="4" creationId="{00DA346E-4BBF-4269-B59B-B7FB1F533DFB}"/>
+          </ac:spMkLst>
+        </pc:spChg>
+        <pc:spChg chg="mod">
+          <ac:chgData name="林楷勝" userId="071ddd01-1d14-4bc6-a245-a259b80318ef" providerId="ADAL" clId="{924900A8-6C73-479D-8A98-EA5307B6B318}" dt="2023-06-03T02:52:49.918" v="452"/>
+          <ac:spMkLst>
+            <pc:docMk/>
+            <pc:sldMk cId="915278205" sldId="268"/>
+            <ac:spMk id="6" creationId="{CB3DE963-62C8-425D-94E0-815588270CBE}"/>
+          </ac:spMkLst>
+        </pc:spChg>
+        <pc:spChg chg="mod">
+          <ac:chgData name="林楷勝" userId="071ddd01-1d14-4bc6-a245-a259b80318ef" providerId="ADAL" clId="{924900A8-6C73-479D-8A98-EA5307B6B318}" dt="2023-06-03T02:52:49.918" v="452"/>
+          <ac:spMkLst>
+            <pc:docMk/>
+            <pc:sldMk cId="915278205" sldId="268"/>
+            <ac:spMk id="7" creationId="{9AC365DB-E8CE-4722-847E-55DF0832657C}"/>
+          </ac:spMkLst>
+        </pc:spChg>
+      </pc:sldChg>
+      <pc:sldChg chg="addSp mod">
+        <pc:chgData name="林楷勝" userId="071ddd01-1d14-4bc6-a245-a259b80318ef" providerId="ADAL" clId="{924900A8-6C73-479D-8A98-EA5307B6B318}" dt="2023-06-03T02:18:40.538" v="68" actId="11529"/>
+        <pc:sldMkLst>
+          <pc:docMk/>
+          <pc:sldMk cId="698455881" sldId="269"/>
+        </pc:sldMkLst>
+        <pc:cxnChg chg="add">
+          <ac:chgData name="林楷勝" userId="071ddd01-1d14-4bc6-a245-a259b80318ef" providerId="ADAL" clId="{924900A8-6C73-479D-8A98-EA5307B6B318}" dt="2023-06-03T02:18:40.538" v="68" actId="11529"/>
+          <ac:cxnSpMkLst>
+            <pc:docMk/>
+            <pc:sldMk cId="698455881" sldId="269"/>
+            <ac:cxnSpMk id="3" creationId="{292F8FE0-A33F-7CE7-7A94-C1872F3A04F0}"/>
+          </ac:cxnSpMkLst>
+        </pc:cxnChg>
+      </pc:sldChg>
+      <pc:sldChg chg="modSp">
+        <pc:chgData name="林楷勝" userId="071ddd01-1d14-4bc6-a245-a259b80318ef" providerId="ADAL" clId="{924900A8-6C73-479D-8A98-EA5307B6B318}" dt="2023-06-03T02:52:49.918" v="452"/>
+        <pc:sldMkLst>
+          <pc:docMk/>
+          <pc:sldMk cId="633036225" sldId="270"/>
+        </pc:sldMkLst>
+        <pc:spChg chg="mod">
+          <ac:chgData name="林楷勝" userId="071ddd01-1d14-4bc6-a245-a259b80318ef" providerId="ADAL" clId="{924900A8-6C73-479D-8A98-EA5307B6B318}" dt="2023-06-03T02:52:49.918" v="452"/>
+          <ac:spMkLst>
+            <pc:docMk/>
+            <pc:sldMk cId="633036225" sldId="270"/>
+            <ac:spMk id="3" creationId="{101505C3-4B6E-4C2C-9385-6D1A467EC7C6}"/>
+          </ac:spMkLst>
+        </pc:spChg>
+        <pc:spChg chg="mod">
+          <ac:chgData name="林楷勝" userId="071ddd01-1d14-4bc6-a245-a259b80318ef" providerId="ADAL" clId="{924900A8-6C73-479D-8A98-EA5307B6B318}" dt="2023-06-03T02:52:49.918" v="452"/>
+          <ac:spMkLst>
+            <pc:docMk/>
+            <pc:sldMk cId="633036225" sldId="270"/>
+            <ac:spMk id="4" creationId="{00DA346E-4BBF-4269-B59B-B7FB1F533DFB}"/>
+          </ac:spMkLst>
+        </pc:spChg>
+        <pc:spChg chg="mod">
+          <ac:chgData name="林楷勝" userId="071ddd01-1d14-4bc6-a245-a259b80318ef" providerId="ADAL" clId="{924900A8-6C73-479D-8A98-EA5307B6B318}" dt="2023-06-03T02:52:49.918" v="452"/>
+          <ac:spMkLst>
+            <pc:docMk/>
+            <pc:sldMk cId="633036225" sldId="270"/>
+            <ac:spMk id="6" creationId="{CB3DE963-62C8-425D-94E0-815588270CBE}"/>
+          </ac:spMkLst>
+        </pc:spChg>
+        <pc:spChg chg="mod">
+          <ac:chgData name="林楷勝" userId="071ddd01-1d14-4bc6-a245-a259b80318ef" providerId="ADAL" clId="{924900A8-6C73-479D-8A98-EA5307B6B318}" dt="2023-06-03T02:52:49.918" v="452"/>
+          <ac:spMkLst>
+            <pc:docMk/>
+            <pc:sldMk cId="633036225" sldId="270"/>
+            <ac:spMk id="7" creationId="{9AC365DB-E8CE-4722-847E-55DF0832657C}"/>
+          </ac:spMkLst>
+        </pc:spChg>
+      </pc:sldChg>
+      <pc:sldChg chg="modSp">
+        <pc:chgData name="林楷勝" userId="071ddd01-1d14-4bc6-a245-a259b80318ef" providerId="ADAL" clId="{924900A8-6C73-479D-8A98-EA5307B6B318}" dt="2023-06-03T02:52:49.918" v="452"/>
+        <pc:sldMkLst>
+          <pc:docMk/>
+          <pc:sldMk cId="2948710304" sldId="271"/>
+        </pc:sldMkLst>
+        <pc:spChg chg="mod">
+          <ac:chgData name="林楷勝" userId="071ddd01-1d14-4bc6-a245-a259b80318ef" providerId="ADAL" clId="{924900A8-6C73-479D-8A98-EA5307B6B318}" dt="2023-06-03T02:52:49.918" v="452"/>
+          <ac:spMkLst>
+            <pc:docMk/>
+            <pc:sldMk cId="2948710304" sldId="271"/>
+            <ac:spMk id="6" creationId="{CB3DE963-62C8-425D-94E0-815588270CBE}"/>
+          </ac:spMkLst>
+        </pc:spChg>
+      </pc:sldChg>
       <pc:sldChg chg="delSp modSp add mod">
         <pc:chgData name="林楷勝" userId="071ddd01-1d14-4bc6-a245-a259b80318ef" providerId="ADAL" clId="{924900A8-6C73-479D-8A98-EA5307B6B318}" dt="2023-05-31T03:23:56.842" v="9" actId="1076"/>
         <pc:sldMkLst>
@@ -240,6 +566,599 @@
           </ac:spMkLst>
         </pc:spChg>
       </pc:sldChg>
+      <pc:sldChg chg="addSp modSp add mod">
+        <pc:chgData name="林楷勝" userId="071ddd01-1d14-4bc6-a245-a259b80318ef" providerId="ADAL" clId="{924900A8-6C73-479D-8A98-EA5307B6B318}" dt="2023-06-03T02:20:38.984" v="81" actId="14100"/>
+        <pc:sldMkLst>
+          <pc:docMk/>
+          <pc:sldMk cId="3727670066" sldId="275"/>
+        </pc:sldMkLst>
+        <pc:spChg chg="mod">
+          <ac:chgData name="林楷勝" userId="071ddd01-1d14-4bc6-a245-a259b80318ef" providerId="ADAL" clId="{924900A8-6C73-479D-8A98-EA5307B6B318}" dt="2023-06-03T02:15:01.967" v="44"/>
+          <ac:spMkLst>
+            <pc:docMk/>
+            <pc:sldMk cId="3727670066" sldId="275"/>
+            <ac:spMk id="4" creationId="{D2877F51-5400-444B-A4A7-FD14DD270CE2}"/>
+          </ac:spMkLst>
+        </pc:spChg>
+        <pc:spChg chg="mod">
+          <ac:chgData name="林楷勝" userId="071ddd01-1d14-4bc6-a245-a259b80318ef" providerId="ADAL" clId="{924900A8-6C73-479D-8A98-EA5307B6B318}" dt="2023-06-03T02:15:10.296" v="45"/>
+          <ac:spMkLst>
+            <pc:docMk/>
+            <pc:sldMk cId="3727670066" sldId="275"/>
+            <ac:spMk id="5" creationId="{5C327E68-6C17-4BD4-A7D3-D85BDA4DB2DC}"/>
+          </ac:spMkLst>
+        </pc:spChg>
+        <pc:spChg chg="add mod">
+          <ac:chgData name="林楷勝" userId="071ddd01-1d14-4bc6-a245-a259b80318ef" providerId="ADAL" clId="{924900A8-6C73-479D-8A98-EA5307B6B318}" dt="2023-06-03T02:20:00.930" v="77" actId="1076"/>
+          <ac:spMkLst>
+            <pc:docMk/>
+            <pc:sldMk cId="3727670066" sldId="275"/>
+            <ac:spMk id="6" creationId="{970A68AE-E6F9-E6F3-C9FC-95B704FF8E8B}"/>
+          </ac:spMkLst>
+        </pc:spChg>
+        <pc:spChg chg="mod">
+          <ac:chgData name="林楷勝" userId="071ddd01-1d14-4bc6-a245-a259b80318ef" providerId="ADAL" clId="{924900A8-6C73-479D-8A98-EA5307B6B318}" dt="2023-06-03T02:15:33.833" v="49"/>
+          <ac:spMkLst>
+            <pc:docMk/>
+            <pc:sldMk cId="3727670066" sldId="275"/>
+            <ac:spMk id="10" creationId="{0221EB73-717D-4BF4-A05C-AC3AC057B2A6}"/>
+          </ac:spMkLst>
+        </pc:spChg>
+        <pc:spChg chg="mod">
+          <ac:chgData name="林楷勝" userId="071ddd01-1d14-4bc6-a245-a259b80318ef" providerId="ADAL" clId="{924900A8-6C73-479D-8A98-EA5307B6B318}" dt="2023-06-03T02:15:49.880" v="52" actId="14100"/>
+          <ac:spMkLst>
+            <pc:docMk/>
+            <pc:sldMk cId="3727670066" sldId="275"/>
+            <ac:spMk id="15" creationId="{6DF5F8C4-745E-4446-9021-1C0CA4CF52F5}"/>
+          </ac:spMkLst>
+        </pc:spChg>
+        <pc:spChg chg="mod">
+          <ac:chgData name="林楷勝" userId="071ddd01-1d14-4bc6-a245-a259b80318ef" providerId="ADAL" clId="{924900A8-6C73-479D-8A98-EA5307B6B318}" dt="2023-06-03T02:16:18.601" v="54"/>
+          <ac:spMkLst>
+            <pc:docMk/>
+            <pc:sldMk cId="3727670066" sldId="275"/>
+            <ac:spMk id="21" creationId="{BBAB8BCE-53F0-4225-B111-0FFC4DEAB231}"/>
+          </ac:spMkLst>
+        </pc:spChg>
+        <pc:spChg chg="mod">
+          <ac:chgData name="林楷勝" userId="071ddd01-1d14-4bc6-a245-a259b80318ef" providerId="ADAL" clId="{924900A8-6C73-479D-8A98-EA5307B6B318}" dt="2023-06-03T02:17:59.932" v="66"/>
+          <ac:spMkLst>
+            <pc:docMk/>
+            <pc:sldMk cId="3727670066" sldId="275"/>
+            <ac:spMk id="24" creationId="{4AC3D863-9C13-4DC5-B2E5-BDE35B1D29B8}"/>
+          </ac:spMkLst>
+        </pc:spChg>
+        <pc:spChg chg="mod">
+          <ac:chgData name="林楷勝" userId="071ddd01-1d14-4bc6-a245-a259b80318ef" providerId="ADAL" clId="{924900A8-6C73-479D-8A98-EA5307B6B318}" dt="2023-06-03T02:18:09.517" v="67"/>
+          <ac:spMkLst>
+            <pc:docMk/>
+            <pc:sldMk cId="3727670066" sldId="275"/>
+            <ac:spMk id="25" creationId="{8777BEB8-2E32-48EF-B01B-522FDF350711}"/>
+          </ac:spMkLst>
+        </pc:spChg>
+        <pc:spChg chg="mod">
+          <ac:chgData name="林楷勝" userId="071ddd01-1d14-4bc6-a245-a259b80318ef" providerId="ADAL" clId="{924900A8-6C73-479D-8A98-EA5307B6B318}" dt="2023-06-03T02:16:35.105" v="56"/>
+          <ac:spMkLst>
+            <pc:docMk/>
+            <pc:sldMk cId="3727670066" sldId="275"/>
+            <ac:spMk id="28" creationId="{7D6C734E-7696-44AB-9D58-57992405BE30}"/>
+          </ac:spMkLst>
+        </pc:spChg>
+        <pc:spChg chg="mod">
+          <ac:chgData name="林楷勝" userId="071ddd01-1d14-4bc6-a245-a259b80318ef" providerId="ADAL" clId="{924900A8-6C73-479D-8A98-EA5307B6B318}" dt="2023-06-03T02:16:54.800" v="58"/>
+          <ac:spMkLst>
+            <pc:docMk/>
+            <pc:sldMk cId="3727670066" sldId="275"/>
+            <ac:spMk id="32" creationId="{C6DC0708-852C-4C25-AF5C-F2D9DE231D36}"/>
+          </ac:spMkLst>
+        </pc:spChg>
+        <pc:spChg chg="mod">
+          <ac:chgData name="林楷勝" userId="071ddd01-1d14-4bc6-a245-a259b80318ef" providerId="ADAL" clId="{924900A8-6C73-479D-8A98-EA5307B6B318}" dt="2023-06-03T02:17:09.368" v="60"/>
+          <ac:spMkLst>
+            <pc:docMk/>
+            <pc:sldMk cId="3727670066" sldId="275"/>
+            <ac:spMk id="37" creationId="{55AA9198-C0D1-47DD-8A67-5DA77E8381AB}"/>
+          </ac:spMkLst>
+        </pc:spChg>
+        <pc:spChg chg="mod">
+          <ac:chgData name="林楷勝" userId="071ddd01-1d14-4bc6-a245-a259b80318ef" providerId="ADAL" clId="{924900A8-6C73-479D-8A98-EA5307B6B318}" dt="2023-06-03T02:17:20.384" v="61"/>
+          <ac:spMkLst>
+            <pc:docMk/>
+            <pc:sldMk cId="3727670066" sldId="275"/>
+            <ac:spMk id="41" creationId="{467A1B13-B003-4AC0-B6E1-5E4A86223B7D}"/>
+          </ac:spMkLst>
+        </pc:spChg>
+        <pc:spChg chg="mod">
+          <ac:chgData name="林楷勝" userId="071ddd01-1d14-4bc6-a245-a259b80318ef" providerId="ADAL" clId="{924900A8-6C73-479D-8A98-EA5307B6B318}" dt="2023-06-03T02:17:43.156" v="64" actId="14100"/>
+          <ac:spMkLst>
+            <pc:docMk/>
+            <pc:sldMk cId="3727670066" sldId="275"/>
+            <ac:spMk id="45" creationId="{77D32630-229F-4BB4-8081-7525B8D8ECB5}"/>
+          </ac:spMkLst>
+        </pc:spChg>
+        <pc:cxnChg chg="add">
+          <ac:chgData name="林楷勝" userId="071ddd01-1d14-4bc6-a245-a259b80318ef" providerId="ADAL" clId="{924900A8-6C73-479D-8A98-EA5307B6B318}" dt="2023-06-03T02:19:42.495" v="73" actId="11529"/>
+          <ac:cxnSpMkLst>
+            <pc:docMk/>
+            <pc:sldMk cId="3727670066" sldId="275"/>
+            <ac:cxnSpMk id="8" creationId="{C5FE073F-1952-E79D-3BF1-57C3E25A556D}"/>
+          </ac:cxnSpMkLst>
+        </pc:cxnChg>
+        <pc:cxnChg chg="add mod">
+          <ac:chgData name="林楷勝" userId="071ddd01-1d14-4bc6-a245-a259b80318ef" providerId="ADAL" clId="{924900A8-6C73-479D-8A98-EA5307B6B318}" dt="2023-06-03T02:20:00.930" v="77" actId="1076"/>
+          <ac:cxnSpMkLst>
+            <pc:docMk/>
+            <pc:sldMk cId="3727670066" sldId="275"/>
+            <ac:cxnSpMk id="13" creationId="{036D2B7F-B2D1-9356-394F-618EACE34BDA}"/>
+          </ac:cxnSpMkLst>
+        </pc:cxnChg>
+        <pc:cxnChg chg="mod">
+          <ac:chgData name="林楷勝" userId="071ddd01-1d14-4bc6-a245-a259b80318ef" providerId="ADAL" clId="{924900A8-6C73-479D-8A98-EA5307B6B318}" dt="2023-06-03T02:15:49.880" v="52" actId="14100"/>
+          <ac:cxnSpMkLst>
+            <pc:docMk/>
+            <pc:sldMk cId="3727670066" sldId="275"/>
+            <ac:cxnSpMk id="19" creationId="{7BA13637-4B72-493B-901F-91A9BC9B528E}"/>
+          </ac:cxnSpMkLst>
+        </pc:cxnChg>
+        <pc:cxnChg chg="add mod">
+          <ac:chgData name="林楷勝" userId="071ddd01-1d14-4bc6-a245-a259b80318ef" providerId="ADAL" clId="{924900A8-6C73-479D-8A98-EA5307B6B318}" dt="2023-06-03T02:20:38.984" v="81" actId="14100"/>
+          <ac:cxnSpMkLst>
+            <pc:docMk/>
+            <pc:sldMk cId="3727670066" sldId="275"/>
+            <ac:cxnSpMk id="20" creationId="{5EF93652-6A0E-0F01-FC9A-6834EEFF9664}"/>
+          </ac:cxnSpMkLst>
+        </pc:cxnChg>
+        <pc:cxnChg chg="mod">
+          <ac:chgData name="林楷勝" userId="071ddd01-1d14-4bc6-a245-a259b80318ef" providerId="ADAL" clId="{924900A8-6C73-479D-8A98-EA5307B6B318}" dt="2023-06-03T02:17:43.156" v="64" actId="14100"/>
+          <ac:cxnSpMkLst>
+            <pc:docMk/>
+            <pc:sldMk cId="3727670066" sldId="275"/>
+            <ac:cxnSpMk id="47" creationId="{0177404D-965D-4034-9682-2B9E340A52CA}"/>
+          </ac:cxnSpMkLst>
+        </pc:cxnChg>
+      </pc:sldChg>
+      <pc:sldChg chg="addSp modSp add mod">
+        <pc:chgData name="林楷勝" userId="071ddd01-1d14-4bc6-a245-a259b80318ef" providerId="ADAL" clId="{924900A8-6C73-479D-8A98-EA5307B6B318}" dt="2023-06-03T02:22:53.525" v="98" actId="11529"/>
+        <pc:sldMkLst>
+          <pc:docMk/>
+          <pc:sldMk cId="915062913" sldId="276"/>
+        </pc:sldMkLst>
+        <pc:spChg chg="mod">
+          <ac:chgData name="林楷勝" userId="071ddd01-1d14-4bc6-a245-a259b80318ef" providerId="ADAL" clId="{924900A8-6C73-479D-8A98-EA5307B6B318}" dt="2023-06-03T02:20:49.799" v="82"/>
+          <ac:spMkLst>
+            <pc:docMk/>
+            <pc:sldMk cId="915062913" sldId="276"/>
+            <ac:spMk id="2" creationId="{F2D6D40B-1220-434E-8FE3-4AA15AD6E402}"/>
+          </ac:spMkLst>
+        </pc:spChg>
+        <pc:spChg chg="mod">
+          <ac:chgData name="林楷勝" userId="071ddd01-1d14-4bc6-a245-a259b80318ef" providerId="ADAL" clId="{924900A8-6C73-479D-8A98-EA5307B6B318}" dt="2023-06-03T02:21:20.059" v="83"/>
+          <ac:spMkLst>
+            <pc:docMk/>
+            <pc:sldMk cId="915062913" sldId="276"/>
+            <ac:spMk id="3" creationId="{52ACEB4F-725D-4207-A024-9544614AA802}"/>
+          </ac:spMkLst>
+        </pc:spChg>
+        <pc:spChg chg="mod">
+          <ac:chgData name="林楷勝" userId="071ddd01-1d14-4bc6-a245-a259b80318ef" providerId="ADAL" clId="{924900A8-6C73-479D-8A98-EA5307B6B318}" dt="2023-06-03T02:21:29.534" v="85" actId="14100"/>
+          <ac:spMkLst>
+            <pc:docMk/>
+            <pc:sldMk cId="915062913" sldId="276"/>
+            <ac:spMk id="5" creationId="{208105CF-3EB5-4CA0-9E05-33612C9BD3F7}"/>
+          </ac:spMkLst>
+        </pc:spChg>
+        <pc:spChg chg="mod">
+          <ac:chgData name="林楷勝" userId="071ddd01-1d14-4bc6-a245-a259b80318ef" providerId="ADAL" clId="{924900A8-6C73-479D-8A98-EA5307B6B318}" dt="2023-06-03T02:21:50.631" v="87" actId="14100"/>
+          <ac:spMkLst>
+            <pc:docMk/>
+            <pc:sldMk cId="915062913" sldId="276"/>
+            <ac:spMk id="7" creationId="{48AB7FCE-9F46-4D7C-89F6-44FE5B33CC1E}"/>
+          </ac:spMkLst>
+        </pc:spChg>
+        <pc:spChg chg="mod">
+          <ac:chgData name="林楷勝" userId="071ddd01-1d14-4bc6-a245-a259b80318ef" providerId="ADAL" clId="{924900A8-6C73-479D-8A98-EA5307B6B318}" dt="2023-06-03T02:22:09.111" v="89" actId="14100"/>
+          <ac:spMkLst>
+            <pc:docMk/>
+            <pc:sldMk cId="915062913" sldId="276"/>
+            <ac:spMk id="12" creationId="{CC42B511-0288-4533-9804-F0DE22DB7474}"/>
+          </ac:spMkLst>
+        </pc:spChg>
+        <pc:spChg chg="mod">
+          <ac:chgData name="林楷勝" userId="071ddd01-1d14-4bc6-a245-a259b80318ef" providerId="ADAL" clId="{924900A8-6C73-479D-8A98-EA5307B6B318}" dt="2023-06-03T02:22:16.914" v="90"/>
+          <ac:spMkLst>
+            <pc:docMk/>
+            <pc:sldMk cId="915062913" sldId="276"/>
+            <ac:spMk id="14" creationId="{704B4263-A1A4-4604-AD21-54233E755580}"/>
+          </ac:spMkLst>
+        </pc:spChg>
+        <pc:spChg chg="add mod">
+          <ac:chgData name="林楷勝" userId="071ddd01-1d14-4bc6-a245-a259b80318ef" providerId="ADAL" clId="{924900A8-6C73-479D-8A98-EA5307B6B318}" dt="2023-06-03T02:22:45.294" v="97"/>
+          <ac:spMkLst>
+            <pc:docMk/>
+            <pc:sldMk cId="915062913" sldId="276"/>
+            <ac:spMk id="20" creationId="{783627EA-7B2E-1E52-84C9-B9F6CC8B1340}"/>
+          </ac:spMkLst>
+        </pc:spChg>
+        <pc:cxnChg chg="mod">
+          <ac:chgData name="林楷勝" userId="071ddd01-1d14-4bc6-a245-a259b80318ef" providerId="ADAL" clId="{924900A8-6C73-479D-8A98-EA5307B6B318}" dt="2023-06-03T02:22:34.520" v="94" actId="14100"/>
+          <ac:cxnSpMkLst>
+            <pc:docMk/>
+            <pc:sldMk cId="915062913" sldId="276"/>
+            <ac:cxnSpMk id="9" creationId="{12A0D24B-3445-4CEB-BD64-E1CBC1E77CC8}"/>
+          </ac:cxnSpMkLst>
+        </pc:cxnChg>
+        <pc:cxnChg chg="mod">
+          <ac:chgData name="林楷勝" userId="071ddd01-1d14-4bc6-a245-a259b80318ef" providerId="ADAL" clId="{924900A8-6C73-479D-8A98-EA5307B6B318}" dt="2023-06-03T02:22:31.598" v="93" actId="14100"/>
+          <ac:cxnSpMkLst>
+            <pc:docMk/>
+            <pc:sldMk cId="915062913" sldId="276"/>
+            <ac:cxnSpMk id="13" creationId="{CDB50DE0-6F33-4C25-9198-49F8E907590D}"/>
+          </ac:cxnSpMkLst>
+        </pc:cxnChg>
+        <pc:cxnChg chg="mod">
+          <ac:chgData name="林楷勝" userId="071ddd01-1d14-4bc6-a245-a259b80318ef" providerId="ADAL" clId="{924900A8-6C73-479D-8A98-EA5307B6B318}" dt="2023-06-03T02:22:23.809" v="91" actId="14100"/>
+          <ac:cxnSpMkLst>
+            <pc:docMk/>
+            <pc:sldMk cId="915062913" sldId="276"/>
+            <ac:cxnSpMk id="15" creationId="{69A6663A-667D-4DD9-B263-D1953BC2DD68}"/>
+          </ac:cxnSpMkLst>
+        </pc:cxnChg>
+        <pc:cxnChg chg="mod">
+          <ac:chgData name="林楷勝" userId="071ddd01-1d14-4bc6-a245-a259b80318ef" providerId="ADAL" clId="{924900A8-6C73-479D-8A98-EA5307B6B318}" dt="2023-06-03T02:22:26.391" v="92" actId="14100"/>
+          <ac:cxnSpMkLst>
+            <pc:docMk/>
+            <pc:sldMk cId="915062913" sldId="276"/>
+            <ac:cxnSpMk id="16" creationId="{FB38B66B-94A2-4ACA-8504-5FC3C6FB050C}"/>
+          </ac:cxnSpMkLst>
+        </pc:cxnChg>
+        <pc:cxnChg chg="mod">
+          <ac:chgData name="林楷勝" userId="071ddd01-1d14-4bc6-a245-a259b80318ef" providerId="ADAL" clId="{924900A8-6C73-479D-8A98-EA5307B6B318}" dt="2023-06-03T02:21:50.631" v="87" actId="14100"/>
+          <ac:cxnSpMkLst>
+            <pc:docMk/>
+            <pc:sldMk cId="915062913" sldId="276"/>
+            <ac:cxnSpMk id="17" creationId="{953411DC-CBD7-4A73-897E-FCDD1EB47C5B}"/>
+          </ac:cxnSpMkLst>
+        </pc:cxnChg>
+        <pc:cxnChg chg="add">
+          <ac:chgData name="林楷勝" userId="071ddd01-1d14-4bc6-a245-a259b80318ef" providerId="ADAL" clId="{924900A8-6C73-479D-8A98-EA5307B6B318}" dt="2023-06-03T02:22:53.525" v="98" actId="11529"/>
+          <ac:cxnSpMkLst>
+            <pc:docMk/>
+            <pc:sldMk cId="915062913" sldId="276"/>
+            <ac:cxnSpMk id="22" creationId="{40F24FA2-B2E0-F632-A75C-29E4798B2B8C}"/>
+          </ac:cxnSpMkLst>
+        </pc:cxnChg>
+      </pc:sldChg>
+      <pc:sldChg chg="modSp add mod">
+        <pc:chgData name="林楷勝" userId="071ddd01-1d14-4bc6-a245-a259b80318ef" providerId="ADAL" clId="{924900A8-6C73-479D-8A98-EA5307B6B318}" dt="2023-06-03T02:53:32.130" v="455" actId="20577"/>
+        <pc:sldMkLst>
+          <pc:docMk/>
+          <pc:sldMk cId="3052498576" sldId="277"/>
+        </pc:sldMkLst>
+        <pc:spChg chg="mod">
+          <ac:chgData name="林楷勝" userId="071ddd01-1d14-4bc6-a245-a259b80318ef" providerId="ADAL" clId="{924900A8-6C73-479D-8A98-EA5307B6B318}" dt="2023-06-03T02:53:32.130" v="455" actId="20577"/>
+          <ac:spMkLst>
+            <pc:docMk/>
+            <pc:sldMk cId="3052498576" sldId="277"/>
+            <ac:spMk id="3" creationId="{101505C3-4B6E-4C2C-9385-6D1A467EC7C6}"/>
+          </ac:spMkLst>
+        </pc:spChg>
+        <pc:spChg chg="mod">
+          <ac:chgData name="林楷勝" userId="071ddd01-1d14-4bc6-a245-a259b80318ef" providerId="ADAL" clId="{924900A8-6C73-479D-8A98-EA5307B6B318}" dt="2023-06-03T02:52:49.918" v="452"/>
+          <ac:spMkLst>
+            <pc:docMk/>
+            <pc:sldMk cId="3052498576" sldId="277"/>
+            <ac:spMk id="4" creationId="{00DA346E-4BBF-4269-B59B-B7FB1F533DFB}"/>
+          </ac:spMkLst>
+        </pc:spChg>
+        <pc:spChg chg="mod">
+          <ac:chgData name="林楷勝" userId="071ddd01-1d14-4bc6-a245-a259b80318ef" providerId="ADAL" clId="{924900A8-6C73-479D-8A98-EA5307B6B318}" dt="2023-06-03T02:52:49.918" v="452"/>
+          <ac:spMkLst>
+            <pc:docMk/>
+            <pc:sldMk cId="3052498576" sldId="277"/>
+            <ac:spMk id="6" creationId="{CB3DE963-62C8-425D-94E0-815588270CBE}"/>
+          </ac:spMkLst>
+        </pc:spChg>
+        <pc:spChg chg="mod">
+          <ac:chgData name="林楷勝" userId="071ddd01-1d14-4bc6-a245-a259b80318ef" providerId="ADAL" clId="{924900A8-6C73-479D-8A98-EA5307B6B318}" dt="2023-06-03T02:52:49.918" v="452"/>
+          <ac:spMkLst>
+            <pc:docMk/>
+            <pc:sldMk cId="3052498576" sldId="277"/>
+            <ac:spMk id="7" creationId="{9AC365DB-E8CE-4722-847E-55DF0832657C}"/>
+          </ac:spMkLst>
+        </pc:spChg>
+        <pc:spChg chg="mod">
+          <ac:chgData name="林楷勝" userId="071ddd01-1d14-4bc6-a245-a259b80318ef" providerId="ADAL" clId="{924900A8-6C73-479D-8A98-EA5307B6B318}" dt="2023-06-03T02:52:49.918" v="452"/>
+          <ac:spMkLst>
+            <pc:docMk/>
+            <pc:sldMk cId="3052498576" sldId="277"/>
+            <ac:spMk id="8" creationId="{DA20CF74-33BF-4ADB-8006-45A551E9830C}"/>
+          </ac:spMkLst>
+        </pc:spChg>
+      </pc:sldChg>
+      <pc:sldChg chg="addSp modSp add mod">
+        <pc:chgData name="林楷勝" userId="071ddd01-1d14-4bc6-a245-a259b80318ef" providerId="ADAL" clId="{924900A8-6C73-479D-8A98-EA5307B6B318}" dt="2023-06-03T02:52:49.918" v="452"/>
+        <pc:sldMkLst>
+          <pc:docMk/>
+          <pc:sldMk cId="1711656283" sldId="278"/>
+        </pc:sldMkLst>
+        <pc:spChg chg="add mod">
+          <ac:chgData name="林楷勝" userId="071ddd01-1d14-4bc6-a245-a259b80318ef" providerId="ADAL" clId="{924900A8-6C73-479D-8A98-EA5307B6B318}" dt="2023-06-03T02:52:49.918" v="452"/>
+          <ac:spMkLst>
+            <pc:docMk/>
+            <pc:sldMk cId="1711656283" sldId="278"/>
+            <ac:spMk id="2" creationId="{33DF81BF-31A8-BBA7-0B57-F5CCEB435E8A}"/>
+          </ac:spMkLst>
+        </pc:spChg>
+        <pc:spChg chg="mod">
+          <ac:chgData name="林楷勝" userId="071ddd01-1d14-4bc6-a245-a259b80318ef" providerId="ADAL" clId="{924900A8-6C73-479D-8A98-EA5307B6B318}" dt="2023-06-03T02:52:49.918" v="452"/>
+          <ac:spMkLst>
+            <pc:docMk/>
+            <pc:sldMk cId="1711656283" sldId="278"/>
+            <ac:spMk id="3" creationId="{101505C3-4B6E-4C2C-9385-6D1A467EC7C6}"/>
+          </ac:spMkLst>
+        </pc:spChg>
+        <pc:spChg chg="mod">
+          <ac:chgData name="林楷勝" userId="071ddd01-1d14-4bc6-a245-a259b80318ef" providerId="ADAL" clId="{924900A8-6C73-479D-8A98-EA5307B6B318}" dt="2023-06-03T02:52:49.918" v="452"/>
+          <ac:spMkLst>
+            <pc:docMk/>
+            <pc:sldMk cId="1711656283" sldId="278"/>
+            <ac:spMk id="4" creationId="{00DA346E-4BBF-4269-B59B-B7FB1F533DFB}"/>
+          </ac:spMkLst>
+        </pc:spChg>
+        <pc:spChg chg="mod">
+          <ac:chgData name="林楷勝" userId="071ddd01-1d14-4bc6-a245-a259b80318ef" providerId="ADAL" clId="{924900A8-6C73-479D-8A98-EA5307B6B318}" dt="2023-06-03T02:52:49.918" v="452"/>
+          <ac:spMkLst>
+            <pc:docMk/>
+            <pc:sldMk cId="1711656283" sldId="278"/>
+            <ac:spMk id="6" creationId="{CB3DE963-62C8-425D-94E0-815588270CBE}"/>
+          </ac:spMkLst>
+        </pc:spChg>
+        <pc:spChg chg="mod">
+          <ac:chgData name="林楷勝" userId="071ddd01-1d14-4bc6-a245-a259b80318ef" providerId="ADAL" clId="{924900A8-6C73-479D-8A98-EA5307B6B318}" dt="2023-06-03T02:52:49.918" v="452"/>
+          <ac:spMkLst>
+            <pc:docMk/>
+            <pc:sldMk cId="1711656283" sldId="278"/>
+            <ac:spMk id="7" creationId="{9AC365DB-E8CE-4722-847E-55DF0832657C}"/>
+          </ac:spMkLst>
+        </pc:spChg>
+        <pc:spChg chg="mod">
+          <ac:chgData name="林楷勝" userId="071ddd01-1d14-4bc6-a245-a259b80318ef" providerId="ADAL" clId="{924900A8-6C73-479D-8A98-EA5307B6B318}" dt="2023-06-03T02:52:49.918" v="452"/>
+          <ac:spMkLst>
+            <pc:docMk/>
+            <pc:sldMk cId="1711656283" sldId="278"/>
+            <ac:spMk id="8" creationId="{DA20CF74-33BF-4ADB-8006-45A551E9830C}"/>
+          </ac:spMkLst>
+        </pc:spChg>
+      </pc:sldChg>
+      <pc:sldChg chg="addSp delSp modSp add mod">
+        <pc:chgData name="林楷勝" userId="071ddd01-1d14-4bc6-a245-a259b80318ef" providerId="ADAL" clId="{924900A8-6C73-479D-8A98-EA5307B6B318}" dt="2023-06-03T02:52:49.918" v="452"/>
+        <pc:sldMkLst>
+          <pc:docMk/>
+          <pc:sldMk cId="1569315436" sldId="279"/>
+        </pc:sldMkLst>
+        <pc:spChg chg="add mod">
+          <ac:chgData name="林楷勝" userId="071ddd01-1d14-4bc6-a245-a259b80318ef" providerId="ADAL" clId="{924900A8-6C73-479D-8A98-EA5307B6B318}" dt="2023-06-03T02:52:49.918" v="452"/>
+          <ac:spMkLst>
+            <pc:docMk/>
+            <pc:sldMk cId="1569315436" sldId="279"/>
+            <ac:spMk id="2" creationId="{BA8E6752-239B-F47E-5C17-412F53F6C94B}"/>
+          </ac:spMkLst>
+        </pc:spChg>
+        <pc:spChg chg="mod">
+          <ac:chgData name="林楷勝" userId="071ddd01-1d14-4bc6-a245-a259b80318ef" providerId="ADAL" clId="{924900A8-6C73-479D-8A98-EA5307B6B318}" dt="2023-06-03T02:52:49.918" v="452"/>
+          <ac:spMkLst>
+            <pc:docMk/>
+            <pc:sldMk cId="1569315436" sldId="279"/>
+            <ac:spMk id="3" creationId="{101505C3-4B6E-4C2C-9385-6D1A467EC7C6}"/>
+          </ac:spMkLst>
+        </pc:spChg>
+        <pc:spChg chg="del">
+          <ac:chgData name="林楷勝" userId="071ddd01-1d14-4bc6-a245-a259b80318ef" providerId="ADAL" clId="{924900A8-6C73-479D-8A98-EA5307B6B318}" dt="2023-06-03T02:40:31.116" v="354" actId="478"/>
+          <ac:spMkLst>
+            <pc:docMk/>
+            <pc:sldMk cId="1569315436" sldId="279"/>
+            <ac:spMk id="4" creationId="{00DA346E-4BBF-4269-B59B-B7FB1F533DFB}"/>
+          </ac:spMkLst>
+        </pc:spChg>
+        <pc:spChg chg="add mod">
+          <ac:chgData name="林楷勝" userId="071ddd01-1d14-4bc6-a245-a259b80318ef" providerId="ADAL" clId="{924900A8-6C73-479D-8A98-EA5307B6B318}" dt="2023-06-03T02:52:49.918" v="452"/>
+          <ac:spMkLst>
+            <pc:docMk/>
+            <pc:sldMk cId="1569315436" sldId="279"/>
+            <ac:spMk id="5" creationId="{733CA91C-D117-0398-6D5B-2EEC10DB4B94}"/>
+          </ac:spMkLst>
+        </pc:spChg>
+        <pc:spChg chg="del">
+          <ac:chgData name="林楷勝" userId="071ddd01-1d14-4bc6-a245-a259b80318ef" providerId="ADAL" clId="{924900A8-6C73-479D-8A98-EA5307B6B318}" dt="2023-06-03T02:40:32.226" v="355" actId="478"/>
+          <ac:spMkLst>
+            <pc:docMk/>
+            <pc:sldMk cId="1569315436" sldId="279"/>
+            <ac:spMk id="6" creationId="{CB3DE963-62C8-425D-94E0-815588270CBE}"/>
+          </ac:spMkLst>
+        </pc:spChg>
+        <pc:spChg chg="del">
+          <ac:chgData name="林楷勝" userId="071ddd01-1d14-4bc6-a245-a259b80318ef" providerId="ADAL" clId="{924900A8-6C73-479D-8A98-EA5307B6B318}" dt="2023-06-03T02:40:33.040" v="356" actId="478"/>
+          <ac:spMkLst>
+            <pc:docMk/>
+            <pc:sldMk cId="1569315436" sldId="279"/>
+            <ac:spMk id="7" creationId="{9AC365DB-E8CE-4722-847E-55DF0832657C}"/>
+          </ac:spMkLst>
+        </pc:spChg>
+        <pc:spChg chg="del mod">
+          <ac:chgData name="林楷勝" userId="071ddd01-1d14-4bc6-a245-a259b80318ef" providerId="ADAL" clId="{924900A8-6C73-479D-8A98-EA5307B6B318}" dt="2023-06-03T02:40:34.262" v="358" actId="478"/>
+          <ac:spMkLst>
+            <pc:docMk/>
+            <pc:sldMk cId="1569315436" sldId="279"/>
+            <ac:spMk id="8" creationId="{DA20CF74-33BF-4ADB-8006-45A551E9830C}"/>
+          </ac:spMkLst>
+        </pc:spChg>
+        <pc:spChg chg="add mod">
+          <ac:chgData name="林楷勝" userId="071ddd01-1d14-4bc6-a245-a259b80318ef" providerId="ADAL" clId="{924900A8-6C73-479D-8A98-EA5307B6B318}" dt="2023-06-03T02:52:49.918" v="452"/>
+          <ac:spMkLst>
+            <pc:docMk/>
+            <pc:sldMk cId="1569315436" sldId="279"/>
+            <ac:spMk id="9" creationId="{8FD508D1-AD98-7407-09A3-07E50CD1D839}"/>
+          </ac:spMkLst>
+        </pc:spChg>
+        <pc:spChg chg="add mod">
+          <ac:chgData name="林楷勝" userId="071ddd01-1d14-4bc6-a245-a259b80318ef" providerId="ADAL" clId="{924900A8-6C73-479D-8A98-EA5307B6B318}" dt="2023-06-03T02:52:49.918" v="452"/>
+          <ac:spMkLst>
+            <pc:docMk/>
+            <pc:sldMk cId="1569315436" sldId="279"/>
+            <ac:spMk id="10" creationId="{7BC89823-D8B5-2C02-9031-160FA99928D5}"/>
+          </ac:spMkLst>
+        </pc:spChg>
+        <pc:spChg chg="add mod">
+          <ac:chgData name="林楷勝" userId="071ddd01-1d14-4bc6-a245-a259b80318ef" providerId="ADAL" clId="{924900A8-6C73-479D-8A98-EA5307B6B318}" dt="2023-06-03T02:52:49.918" v="452"/>
+          <ac:spMkLst>
+            <pc:docMk/>
+            <pc:sldMk cId="1569315436" sldId="279"/>
+            <ac:spMk id="11" creationId="{54FA0197-EFD6-8929-E116-33B74301732D}"/>
+          </ac:spMkLst>
+        </pc:spChg>
+      </pc:sldChg>
+      <pc:sldChg chg="delSp modSp add mod">
+        <pc:chgData name="林楷勝" userId="071ddd01-1d14-4bc6-a245-a259b80318ef" providerId="ADAL" clId="{924900A8-6C73-479D-8A98-EA5307B6B318}" dt="2023-06-03T02:48:18.118" v="405" actId="1076"/>
+        <pc:sldMkLst>
+          <pc:docMk/>
+          <pc:sldMk cId="2568704174" sldId="280"/>
+        </pc:sldMkLst>
+        <pc:spChg chg="mod">
+          <ac:chgData name="林楷勝" userId="071ddd01-1d14-4bc6-a245-a259b80318ef" providerId="ADAL" clId="{924900A8-6C73-479D-8A98-EA5307B6B318}" dt="2023-06-03T02:47:14.497" v="388"/>
+          <ac:spMkLst>
+            <pc:docMk/>
+            <pc:sldMk cId="2568704174" sldId="280"/>
+            <ac:spMk id="2" creationId="{F2D6D40B-1220-434E-8FE3-4AA15AD6E402}"/>
+          </ac:spMkLst>
+        </pc:spChg>
+        <pc:spChg chg="mod">
+          <ac:chgData name="林楷勝" userId="071ddd01-1d14-4bc6-a245-a259b80318ef" providerId="ADAL" clId="{924900A8-6C73-479D-8A98-EA5307B6B318}" dt="2023-06-03T02:48:18.118" v="405" actId="1076"/>
+          <ac:spMkLst>
+            <pc:docMk/>
+            <pc:sldMk cId="2568704174" sldId="280"/>
+            <ac:spMk id="3" creationId="{52ACEB4F-725D-4207-A024-9544614AA802}"/>
+          </ac:spMkLst>
+        </pc:spChg>
+        <pc:spChg chg="mod">
+          <ac:chgData name="林楷勝" userId="071ddd01-1d14-4bc6-a245-a259b80318ef" providerId="ADAL" clId="{924900A8-6C73-479D-8A98-EA5307B6B318}" dt="2023-06-03T02:48:13.856" v="403" actId="1076"/>
+          <ac:spMkLst>
+            <pc:docMk/>
+            <pc:sldMk cId="2568704174" sldId="280"/>
+            <ac:spMk id="5" creationId="{208105CF-3EB5-4CA0-9E05-33612C9BD3F7}"/>
+          </ac:spMkLst>
+        </pc:spChg>
+        <pc:spChg chg="mod">
+          <ac:chgData name="林楷勝" userId="071ddd01-1d14-4bc6-a245-a259b80318ef" providerId="ADAL" clId="{924900A8-6C73-479D-8A98-EA5307B6B318}" dt="2023-06-03T02:48:00.600" v="401" actId="1076"/>
+          <ac:spMkLst>
+            <pc:docMk/>
+            <pc:sldMk cId="2568704174" sldId="280"/>
+            <ac:spMk id="7" creationId="{48AB7FCE-9F46-4D7C-89F6-44FE5B33CC1E}"/>
+          </ac:spMkLst>
+        </pc:spChg>
+        <pc:spChg chg="del">
+          <ac:chgData name="林楷勝" userId="071ddd01-1d14-4bc6-a245-a259b80318ef" providerId="ADAL" clId="{924900A8-6C73-479D-8A98-EA5307B6B318}" dt="2023-06-03T02:47:53.509" v="395" actId="478"/>
+          <ac:spMkLst>
+            <pc:docMk/>
+            <pc:sldMk cId="2568704174" sldId="280"/>
+            <ac:spMk id="12" creationId="{CC42B511-0288-4533-9804-F0DE22DB7474}"/>
+          </ac:spMkLst>
+        </pc:spChg>
+        <pc:spChg chg="del">
+          <ac:chgData name="林楷勝" userId="071ddd01-1d14-4bc6-a245-a259b80318ef" providerId="ADAL" clId="{924900A8-6C73-479D-8A98-EA5307B6B318}" dt="2023-06-03T02:47:55.596" v="396" actId="478"/>
+          <ac:spMkLst>
+            <pc:docMk/>
+            <pc:sldMk cId="2568704174" sldId="280"/>
+            <ac:spMk id="14" creationId="{704B4263-A1A4-4604-AD21-54233E755580}"/>
+          </ac:spMkLst>
+        </pc:spChg>
+        <pc:spChg chg="del">
+          <ac:chgData name="林楷勝" userId="071ddd01-1d14-4bc6-a245-a259b80318ef" providerId="ADAL" clId="{924900A8-6C73-479D-8A98-EA5307B6B318}" dt="2023-06-03T02:47:56.135" v="397" actId="478"/>
+          <ac:spMkLst>
+            <pc:docMk/>
+            <pc:sldMk cId="2568704174" sldId="280"/>
+            <ac:spMk id="20" creationId="{783627EA-7B2E-1E52-84C9-B9F6CC8B1340}"/>
+          </ac:spMkLst>
+        </pc:spChg>
+        <pc:cxnChg chg="mod">
+          <ac:chgData name="林楷勝" userId="071ddd01-1d14-4bc6-a245-a259b80318ef" providerId="ADAL" clId="{924900A8-6C73-479D-8A98-EA5307B6B318}" dt="2023-06-03T02:48:18.118" v="405" actId="1076"/>
+          <ac:cxnSpMkLst>
+            <pc:docMk/>
+            <pc:sldMk cId="2568704174" sldId="280"/>
+            <ac:cxnSpMk id="9" creationId="{12A0D24B-3445-4CEB-BD64-E1CBC1E77CC8}"/>
+          </ac:cxnSpMkLst>
+        </pc:cxnChg>
+        <pc:cxnChg chg="mod">
+          <ac:chgData name="林楷勝" userId="071ddd01-1d14-4bc6-a245-a259b80318ef" providerId="ADAL" clId="{924900A8-6C73-479D-8A98-EA5307B6B318}" dt="2023-06-03T02:48:16.062" v="404" actId="14100"/>
+          <ac:cxnSpMkLst>
+            <pc:docMk/>
+            <pc:sldMk cId="2568704174" sldId="280"/>
+            <ac:cxnSpMk id="13" creationId="{CDB50DE0-6F33-4C25-9198-49F8E907590D}"/>
+          </ac:cxnSpMkLst>
+        </pc:cxnChg>
+        <pc:cxnChg chg="del mod">
+          <ac:chgData name="林楷勝" userId="071ddd01-1d14-4bc6-a245-a259b80318ef" providerId="ADAL" clId="{924900A8-6C73-479D-8A98-EA5307B6B318}" dt="2023-06-03T02:47:57.731" v="399" actId="478"/>
+          <ac:cxnSpMkLst>
+            <pc:docMk/>
+            <pc:sldMk cId="2568704174" sldId="280"/>
+            <ac:cxnSpMk id="15" creationId="{69A6663A-667D-4DD9-B263-D1953BC2DD68}"/>
+          </ac:cxnSpMkLst>
+        </pc:cxnChg>
+        <pc:cxnChg chg="del mod">
+          <ac:chgData name="林楷勝" userId="071ddd01-1d14-4bc6-a245-a259b80318ef" providerId="ADAL" clId="{924900A8-6C73-479D-8A98-EA5307B6B318}" dt="2023-06-03T02:47:58.346" v="400" actId="478"/>
+          <ac:cxnSpMkLst>
+            <pc:docMk/>
+            <pc:sldMk cId="2568704174" sldId="280"/>
+            <ac:cxnSpMk id="16" creationId="{FB38B66B-94A2-4ACA-8504-5FC3C6FB050C}"/>
+          </ac:cxnSpMkLst>
+        </pc:cxnChg>
+        <pc:cxnChg chg="mod">
+          <ac:chgData name="林楷勝" userId="071ddd01-1d14-4bc6-a245-a259b80318ef" providerId="ADAL" clId="{924900A8-6C73-479D-8A98-EA5307B6B318}" dt="2023-06-03T02:48:00.600" v="401" actId="1076"/>
+          <ac:cxnSpMkLst>
+            <pc:docMk/>
+            <pc:sldMk cId="2568704174" sldId="280"/>
+            <ac:cxnSpMk id="17" creationId="{953411DC-CBD7-4A73-897E-FCDD1EB47C5B}"/>
+          </ac:cxnSpMkLst>
+        </pc:cxnChg>
+        <pc:cxnChg chg="del mod">
+          <ac:chgData name="林楷勝" userId="071ddd01-1d14-4bc6-a245-a259b80318ef" providerId="ADAL" clId="{924900A8-6C73-479D-8A98-EA5307B6B318}" dt="2023-06-03T02:47:57.114" v="398" actId="478"/>
+          <ac:cxnSpMkLst>
+            <pc:docMk/>
+            <pc:sldMk cId="2568704174" sldId="280"/>
+            <ac:cxnSpMk id="22" creationId="{40F24FA2-B2E0-F632-A75C-29E4798B2B8C}"/>
+          </ac:cxnSpMkLst>
+        </pc:cxnChg>
+      </pc:sldChg>
+      <pc:sldChg chg="modSp add mod">
+        <pc:chgData name="林楷勝" userId="071ddd01-1d14-4bc6-a245-a259b80318ef" providerId="ADAL" clId="{924900A8-6C73-479D-8A98-EA5307B6B318}" dt="2023-06-03T03:01:43.256" v="457"/>
+        <pc:sldMkLst>
+          <pc:docMk/>
+          <pc:sldMk cId="3815421313" sldId="281"/>
+        </pc:sldMkLst>
+        <pc:spChg chg="mod">
+          <ac:chgData name="林楷勝" userId="071ddd01-1d14-4bc6-a245-a259b80318ef" providerId="ADAL" clId="{924900A8-6C73-479D-8A98-EA5307B6B318}" dt="2023-06-03T03:01:35.391" v="456"/>
+          <ac:spMkLst>
+            <pc:docMk/>
+            <pc:sldMk cId="3815421313" sldId="281"/>
+            <ac:spMk id="3" creationId="{101505C3-4B6E-4C2C-9385-6D1A467EC7C6}"/>
+          </ac:spMkLst>
+        </pc:spChg>
+        <pc:spChg chg="mod">
+          <ac:chgData name="林楷勝" userId="071ddd01-1d14-4bc6-a245-a259b80318ef" providerId="ADAL" clId="{924900A8-6C73-479D-8A98-EA5307B6B318}" dt="2023-06-03T03:01:43.256" v="457"/>
+          <ac:spMkLst>
+            <pc:docMk/>
+            <pc:sldMk cId="3815421313" sldId="281"/>
+            <ac:spMk id="7" creationId="{C7F1947A-7B85-4D8C-BF67-90F76EAFCE9A}"/>
+          </ac:spMkLst>
+        </pc:spChg>
+        <pc:spChg chg="mod">
+          <ac:chgData name="林楷勝" userId="071ddd01-1d14-4bc6-a245-a259b80318ef" providerId="ADAL" clId="{924900A8-6C73-479D-8A98-EA5307B6B318}" dt="2023-06-03T02:50:53.829" v="451" actId="20577"/>
+          <ac:spMkLst>
+            <pc:docMk/>
+            <pc:sldMk cId="3815421313" sldId="281"/>
+            <ac:spMk id="10" creationId="{7A5E92F5-01B1-4F5B-83A0-0438B28C8ACB}"/>
+          </ac:spMkLst>
+        </pc:spChg>
+      </pc:sldChg>
     </pc:docChg>
   </pc:docChgLst>
 </pc:chgInfo>
@@ -392,7 +1311,7 @@
           <a:p>
             <a:fld id="{B5F920FD-B546-4E00-8928-56BE159FFB99}" type="datetimeFigureOut">
               <a:rPr lang="zh-TW" altLang="en-US" smtClean="0"/>
-              <a:t>2023/5/31</a:t>
+              <a:t>2023/6/3</a:t>
             </a:fld>
             <a:endParaRPr lang="zh-TW" altLang="en-US"/>
           </a:p>
@@ -590,7 +1509,7 @@
           <a:p>
             <a:fld id="{B5F920FD-B546-4E00-8928-56BE159FFB99}" type="datetimeFigureOut">
               <a:rPr lang="zh-TW" altLang="en-US" smtClean="0"/>
-              <a:t>2023/5/31</a:t>
+              <a:t>2023/6/3</a:t>
             </a:fld>
             <a:endParaRPr lang="zh-TW" altLang="en-US"/>
           </a:p>
@@ -798,7 +1717,7 @@
           <a:p>
             <a:fld id="{B5F920FD-B546-4E00-8928-56BE159FFB99}" type="datetimeFigureOut">
               <a:rPr lang="zh-TW" altLang="en-US" smtClean="0"/>
-              <a:t>2023/5/31</a:t>
+              <a:t>2023/6/3</a:t>
             </a:fld>
             <a:endParaRPr lang="zh-TW" altLang="en-US"/>
           </a:p>
@@ -996,7 +1915,7 @@
           <a:p>
             <a:fld id="{B5F920FD-B546-4E00-8928-56BE159FFB99}" type="datetimeFigureOut">
               <a:rPr lang="zh-TW" altLang="en-US" smtClean="0"/>
-              <a:t>2023/5/31</a:t>
+              <a:t>2023/6/3</a:t>
             </a:fld>
             <a:endParaRPr lang="zh-TW" altLang="en-US"/>
           </a:p>
@@ -1271,7 +2190,7 @@
           <a:p>
             <a:fld id="{B5F920FD-B546-4E00-8928-56BE159FFB99}" type="datetimeFigureOut">
               <a:rPr lang="zh-TW" altLang="en-US" smtClean="0"/>
-              <a:t>2023/5/31</a:t>
+              <a:t>2023/6/3</a:t>
             </a:fld>
             <a:endParaRPr lang="zh-TW" altLang="en-US"/>
           </a:p>
@@ -1536,7 +2455,7 @@
           <a:p>
             <a:fld id="{B5F920FD-B546-4E00-8928-56BE159FFB99}" type="datetimeFigureOut">
               <a:rPr lang="zh-TW" altLang="en-US" smtClean="0"/>
-              <a:t>2023/5/31</a:t>
+              <a:t>2023/6/3</a:t>
             </a:fld>
             <a:endParaRPr lang="zh-TW" altLang="en-US"/>
           </a:p>
@@ -1948,7 +2867,7 @@
           <a:p>
             <a:fld id="{B5F920FD-B546-4E00-8928-56BE159FFB99}" type="datetimeFigureOut">
               <a:rPr lang="zh-TW" altLang="en-US" smtClean="0"/>
-              <a:t>2023/5/31</a:t>
+              <a:t>2023/6/3</a:t>
             </a:fld>
             <a:endParaRPr lang="zh-TW" altLang="en-US"/>
           </a:p>
@@ -2089,7 +3008,7 @@
           <a:p>
             <a:fld id="{B5F920FD-B546-4E00-8928-56BE159FFB99}" type="datetimeFigureOut">
               <a:rPr lang="zh-TW" altLang="en-US" smtClean="0"/>
-              <a:t>2023/5/31</a:t>
+              <a:t>2023/6/3</a:t>
             </a:fld>
             <a:endParaRPr lang="zh-TW" altLang="en-US"/>
           </a:p>
@@ -2202,7 +3121,7 @@
           <a:p>
             <a:fld id="{B5F920FD-B546-4E00-8928-56BE159FFB99}" type="datetimeFigureOut">
               <a:rPr lang="zh-TW" altLang="en-US" smtClean="0"/>
-              <a:t>2023/5/31</a:t>
+              <a:t>2023/6/3</a:t>
             </a:fld>
             <a:endParaRPr lang="zh-TW" altLang="en-US"/>
           </a:p>
@@ -2513,7 +3432,7 @@
           <a:p>
             <a:fld id="{B5F920FD-B546-4E00-8928-56BE159FFB99}" type="datetimeFigureOut">
               <a:rPr lang="zh-TW" altLang="en-US" smtClean="0"/>
-              <a:t>2023/5/31</a:t>
+              <a:t>2023/6/3</a:t>
             </a:fld>
             <a:endParaRPr lang="zh-TW" altLang="en-US"/>
           </a:p>
@@ -2801,7 +3720,7 @@
           <a:p>
             <a:fld id="{B5F920FD-B546-4E00-8928-56BE159FFB99}" type="datetimeFigureOut">
               <a:rPr lang="zh-TW" altLang="en-US" smtClean="0"/>
-              <a:t>2023/5/31</a:t>
+              <a:t>2023/6/3</a:t>
             </a:fld>
             <a:endParaRPr lang="zh-TW" altLang="en-US"/>
           </a:p>
@@ -3042,7 +3961,7 @@
           <a:p>
             <a:fld id="{B5F920FD-B546-4E00-8928-56BE159FFB99}" type="datetimeFigureOut">
               <a:rPr lang="zh-TW" altLang="en-US" smtClean="0"/>
-              <a:t>2023/5/31</a:t>
+              <a:t>2023/6/3</a:t>
             </a:fld>
             <a:endParaRPr lang="zh-TW" altLang="en-US"/>
           </a:p>
@@ -6345,12 +7264,8 @@
           <a:p>
             <a:pPr algn="ctr"/>
             <a:r>
-              <a:rPr lang="en-US" altLang="zh-TW" dirty="0" err="1"/>
-              <a:t>detail_template</a:t>
-            </a:r>
-            <a:r>
               <a:rPr lang="en-US" altLang="zh-TW" dirty="0"/>
-              <a:t> </a:t>
+              <a:t>detail_template </a:t>
             </a:r>
             <a:r>
               <a:rPr lang="en-US" altLang="zh-TW" sz="1200" dirty="0"/>
@@ -6642,6 +7557,45 @@
           </a:p>
         </p:txBody>
       </p:sp>
+      <p:cxnSp>
+        <p:nvCxnSpPr>
+          <p:cNvPr id="3" name="直線接點 2">
+            <a:extLst>
+              <a:ext uri="{FF2B5EF4-FFF2-40B4-BE49-F238E27FC236}">
+                <a16:creationId xmlns:a16="http://schemas.microsoft.com/office/drawing/2014/main" id="{292F8FE0-A33F-7CE7-7A94-C1872F3A04F0}"/>
+              </a:ext>
+            </a:extLst>
+          </p:cNvPr>
+          <p:cNvCxnSpPr>
+            <a:stCxn id="25" idx="2"/>
+            <a:endCxn id="4" idx="0"/>
+          </p:cNvCxnSpPr>
+          <p:nvPr/>
+        </p:nvCxnSpPr>
+        <p:spPr>
+          <a:xfrm flipH="1" flipV="1">
+            <a:off x="6096000" y="4235116"/>
+            <a:ext cx="4271211" cy="168570"/>
+          </a:xfrm>
+          <a:prstGeom prst="line">
+            <a:avLst/>
+          </a:prstGeom>
+        </p:spPr>
+        <p:style>
+          <a:lnRef idx="1">
+            <a:schemeClr val="accent1"/>
+          </a:lnRef>
+          <a:fillRef idx="0">
+            <a:schemeClr val="accent1"/>
+          </a:fillRef>
+          <a:effectRef idx="0">
+            <a:schemeClr val="accent1"/>
+          </a:effectRef>
+          <a:fontRef idx="minor">
+            <a:schemeClr val="tx1"/>
+          </a:fontRef>
+        </p:style>
+      </p:cxnSp>
     </p:spTree>
     <p:extLst>
       <p:ext uri="{BB962C8B-B14F-4D97-AF65-F5344CB8AC3E}">
@@ -6716,15 +7670,7 @@
             </a:r>
             <a:r>
               <a:rPr lang="en-US" altLang="zh-TW" sz="2400" dirty="0"/>
-              <a:t>", default='', null=False, </a:t>
-            </a:r>
-            <a:r>
-              <a:rPr lang="en-US" altLang="zh-TW" sz="2400" dirty="0" err="1"/>
-              <a:t>max_length</a:t>
-            </a:r>
-            <a:r>
-              <a:rPr lang="en-US" altLang="zh-TW" sz="2400" dirty="0"/>
-              <a:t>=100, blank= False)</a:t>
+              <a:t>", default='', null=False, max_length=100, blank= False)</a:t>
             </a:r>
             <a:endParaRPr lang="zh-TW" altLang="en-US" sz="1200" dirty="0"/>
           </a:p>
@@ -6766,7 +7712,7 @@
           <a:p>
             <a:r>
               <a:rPr lang="en-US" altLang="zh-TW" sz="2400" dirty="0"/>
-              <a:t>FileField(verbose_name = “logo</a:t>
+              <a:t>FileField(verbose_name = "logo</a:t>
             </a:r>
             <a:r>
               <a:rPr lang="zh-TW" altLang="en-US" sz="2400" dirty="0"/>
@@ -6774,7 +7720,7 @@
             </a:r>
             <a:r>
               <a:rPr lang="en-US" altLang="zh-TW" sz="2400" dirty="0"/>
-              <a:t>“, null=True, blank=True, </a:t>
+              <a:t>", null=True, blank=True, </a:t>
             </a:r>
             <a:r>
               <a:rPr lang="en-US" altLang="zh-TW" sz="2400" dirty="0" err="1"/>
@@ -6833,7 +7779,7 @@
           <a:p>
             <a:r>
               <a:rPr lang="en-US" altLang="zh-TW" sz="2400" dirty="0"/>
-              <a:t>FileField(Verbose_name = “icon</a:t>
+              <a:t>FileField(Verbose_name = "icon</a:t>
             </a:r>
             <a:r>
               <a:rPr lang="zh-TW" altLang="en-US" sz="2400" dirty="0"/>
@@ -6841,7 +7787,7 @@
             </a:r>
             <a:r>
               <a:rPr lang="en-US" altLang="zh-TW" sz="2400" dirty="0"/>
-              <a:t>“, null=True, blank=True, </a:t>
+              <a:t>", null=True, blank=True, </a:t>
             </a:r>
             <a:r>
               <a:rPr lang="en-US" altLang="zh-TW" sz="2400" dirty="0" err="1"/>
@@ -6908,7 +7854,7 @@
             </a:r>
             <a:r>
               <a:rPr lang="en-US" altLang="zh-TW" sz="2400" dirty="0"/>
-              <a:t>“, null=True, blank=True, </a:t>
+              <a:t>", null=True, blank=True, </a:t>
             </a:r>
             <a:r>
               <a:rPr lang="en-US" altLang="zh-TW" sz="2400" dirty="0" err="1"/>
@@ -7083,7 +8029,7 @@
           <a:p>
             <a:r>
               <a:rPr lang="en-US" altLang="zh-TW" sz="2400" dirty="0"/>
-              <a:t>CharField(Verbose_name = “</a:t>
+              <a:t>CharField(Verbose_name = "</a:t>
             </a:r>
             <a:r>
               <a:rPr lang="zh-TW" altLang="en-US" sz="2400" dirty="0"/>
@@ -7091,15 +8037,7 @@
             </a:r>
             <a:r>
               <a:rPr lang="en-US" altLang="zh-TW" sz="2400" dirty="0"/>
-              <a:t>“, </a:t>
-            </a:r>
-            <a:r>
-              <a:rPr lang="en-US" altLang="zh-TW" sz="2400" dirty="0" err="1"/>
-              <a:t>max_length</a:t>
-            </a:r>
-            <a:r>
-              <a:rPr lang="en-US" altLang="zh-TW" sz="2400" dirty="0"/>
-              <a:t>=100, </a:t>
+              <a:t>", max_length=100, </a:t>
             </a:r>
           </a:p>
           <a:p>
@@ -7791,6 +8729,1273 @@
 </p:sld>
 </file>
 
+<file path=ppt/slides/slide19.xml><?xml version="1.0" encoding="utf-8"?>
+<p:sld xmlns:a="http://schemas.openxmlformats.org/drawingml/2006/main" xmlns:r="http://schemas.openxmlformats.org/officeDocument/2006/relationships" xmlns:p="http://schemas.openxmlformats.org/presentationml/2006/main">
+  <p:cSld>
+    <p:spTree>
+      <p:nvGrpSpPr>
+        <p:cNvPr id="1" name=""/>
+        <p:cNvGrpSpPr/>
+        <p:nvPr/>
+      </p:nvGrpSpPr>
+      <p:grpSpPr>
+        <a:xfrm>
+          <a:off x="0" y="0"/>
+          <a:ext cx="0" cy="0"/>
+          <a:chOff x="0" y="0"/>
+          <a:chExt cx="0" cy="0"/>
+        </a:xfrm>
+      </p:grpSpPr>
+      <p:sp>
+        <p:nvSpPr>
+          <p:cNvPr id="4" name="矩形 3">
+            <a:extLst>
+              <a:ext uri="{FF2B5EF4-FFF2-40B4-BE49-F238E27FC236}">
+                <a16:creationId xmlns:a16="http://schemas.microsoft.com/office/drawing/2014/main" id="{D2877F51-5400-444B-A4A7-FD14DD270CE2}"/>
+              </a:ext>
+            </a:extLst>
+          </p:cNvPr>
+          <p:cNvSpPr/>
+          <p:nvPr/>
+        </p:nvSpPr>
+        <p:spPr>
+          <a:xfrm>
+            <a:off x="5450305" y="4235116"/>
+            <a:ext cx="1291389" cy="681790"/>
+          </a:xfrm>
+          <a:prstGeom prst="rect">
+            <a:avLst/>
+          </a:prstGeom>
+        </p:spPr>
+        <p:style>
+          <a:lnRef idx="2">
+            <a:schemeClr val="accent1">
+              <a:shade val="50000"/>
+            </a:schemeClr>
+          </a:lnRef>
+          <a:fillRef idx="1">
+            <a:schemeClr val="accent1"/>
+          </a:fillRef>
+          <a:effectRef idx="0">
+            <a:schemeClr val="accent1"/>
+          </a:effectRef>
+          <a:fontRef idx="minor">
+            <a:schemeClr val="lt1"/>
+          </a:fontRef>
+        </p:style>
+        <p:txBody>
+          <a:bodyPr rtlCol="0" anchor="ctr"/>
+          <a:lstStyle/>
+          <a:p>
+            <a:pPr algn="ctr"/>
+            <a:r>
+              <a:rPr lang="en-US" altLang="zh-TW" dirty="0"/>
+              <a:t>Order</a:t>
+            </a:r>
+            <a:endParaRPr lang="zh-TW" altLang="en-US" dirty="0"/>
+          </a:p>
+        </p:txBody>
+      </p:sp>
+      <p:sp>
+        <p:nvSpPr>
+          <p:cNvPr id="5" name="橢圓 4">
+            <a:extLst>
+              <a:ext uri="{FF2B5EF4-FFF2-40B4-BE49-F238E27FC236}">
+                <a16:creationId xmlns:a16="http://schemas.microsoft.com/office/drawing/2014/main" id="{5C327E68-6C17-4BD4-A7D3-D85BDA4DB2DC}"/>
+              </a:ext>
+            </a:extLst>
+          </p:cNvPr>
+          <p:cNvSpPr/>
+          <p:nvPr/>
+        </p:nvSpPr>
+        <p:spPr>
+          <a:xfrm>
+            <a:off x="360948" y="3327735"/>
+            <a:ext cx="1564105" cy="998621"/>
+          </a:xfrm>
+          <a:prstGeom prst="ellipse">
+            <a:avLst/>
+          </a:prstGeom>
+        </p:spPr>
+        <p:style>
+          <a:lnRef idx="2">
+            <a:schemeClr val="accent1">
+              <a:shade val="50000"/>
+            </a:schemeClr>
+          </a:lnRef>
+          <a:fillRef idx="1">
+            <a:schemeClr val="accent1"/>
+          </a:fillRef>
+          <a:effectRef idx="0">
+            <a:schemeClr val="accent1"/>
+          </a:effectRef>
+          <a:fontRef idx="minor">
+            <a:schemeClr val="lt1"/>
+          </a:fontRef>
+        </p:style>
+        <p:txBody>
+          <a:bodyPr rtlCol="0" anchor="ctr"/>
+          <a:lstStyle/>
+          <a:p>
+            <a:pPr algn="ctr"/>
+            <a:r>
+              <a:rPr lang="en-US" altLang="zh-TW" dirty="0"/>
+              <a:t>order_id  </a:t>
+            </a:r>
+            <a:r>
+              <a:rPr lang="en-US" altLang="zh-TW" sz="1200" dirty="0">
+                <a:solidFill>
+                  <a:schemeClr val="bg1"/>
+                </a:solidFill>
+              </a:rPr>
+              <a:t>CharField</a:t>
+            </a:r>
+            <a:endParaRPr lang="zh-TW" altLang="en-US" sz="1200" dirty="0">
+              <a:solidFill>
+                <a:schemeClr val="bg1"/>
+              </a:solidFill>
+            </a:endParaRPr>
+          </a:p>
+        </p:txBody>
+      </p:sp>
+      <p:cxnSp>
+        <p:nvCxnSpPr>
+          <p:cNvPr id="9" name="直線接點 8">
+            <a:extLst>
+              <a:ext uri="{FF2B5EF4-FFF2-40B4-BE49-F238E27FC236}">
+                <a16:creationId xmlns:a16="http://schemas.microsoft.com/office/drawing/2014/main" id="{FE848085-8511-4A02-9A62-62A179889102}"/>
+              </a:ext>
+            </a:extLst>
+          </p:cNvPr>
+          <p:cNvCxnSpPr>
+            <a:cxnSpLocks/>
+            <a:stCxn id="5" idx="6"/>
+            <a:endCxn id="4" idx="0"/>
+          </p:cNvCxnSpPr>
+          <p:nvPr/>
+        </p:nvCxnSpPr>
+        <p:spPr>
+          <a:xfrm>
+            <a:off x="1925053" y="3827046"/>
+            <a:ext cx="4170947" cy="408070"/>
+          </a:xfrm>
+          <a:prstGeom prst="line">
+            <a:avLst/>
+          </a:prstGeom>
+        </p:spPr>
+        <p:style>
+          <a:lnRef idx="1">
+            <a:schemeClr val="accent1"/>
+          </a:lnRef>
+          <a:fillRef idx="0">
+            <a:schemeClr val="accent1"/>
+          </a:fillRef>
+          <a:effectRef idx="0">
+            <a:schemeClr val="accent1"/>
+          </a:effectRef>
+          <a:fontRef idx="minor">
+            <a:schemeClr val="tx1"/>
+          </a:fontRef>
+        </p:style>
+      </p:cxnSp>
+      <p:sp>
+        <p:nvSpPr>
+          <p:cNvPr id="10" name="橢圓 9">
+            <a:extLst>
+              <a:ext uri="{FF2B5EF4-FFF2-40B4-BE49-F238E27FC236}">
+                <a16:creationId xmlns:a16="http://schemas.microsoft.com/office/drawing/2014/main" id="{0221EB73-717D-4BF4-A05C-AC3AC057B2A6}"/>
+              </a:ext>
+            </a:extLst>
+          </p:cNvPr>
+          <p:cNvSpPr/>
+          <p:nvPr/>
+        </p:nvSpPr>
+        <p:spPr>
+          <a:xfrm>
+            <a:off x="461210" y="2131596"/>
+            <a:ext cx="1363579" cy="838200"/>
+          </a:xfrm>
+          <a:prstGeom prst="ellipse">
+            <a:avLst/>
+          </a:prstGeom>
+        </p:spPr>
+        <p:style>
+          <a:lnRef idx="2">
+            <a:schemeClr val="accent1">
+              <a:shade val="50000"/>
+            </a:schemeClr>
+          </a:lnRef>
+          <a:fillRef idx="1">
+            <a:schemeClr val="accent1"/>
+          </a:fillRef>
+          <a:effectRef idx="0">
+            <a:schemeClr val="accent1"/>
+          </a:effectRef>
+          <a:fontRef idx="minor">
+            <a:schemeClr val="lt1"/>
+          </a:fontRef>
+        </p:style>
+        <p:txBody>
+          <a:bodyPr rtlCol="0" anchor="ctr"/>
+          <a:lstStyle/>
+          <a:p>
+            <a:pPr algn="ctr"/>
+            <a:r>
+              <a:rPr lang="en-US" altLang="zh-TW" dirty="0"/>
+              <a:t>email </a:t>
+            </a:r>
+          </a:p>
+          <a:p>
+            <a:pPr algn="ctr"/>
+            <a:r>
+              <a:rPr lang="en-US" altLang="zh-TW" sz="1200" dirty="0" err="1"/>
+              <a:t>EmailField</a:t>
+            </a:r>
+            <a:endParaRPr lang="zh-TW" altLang="en-US" sz="1200" dirty="0"/>
+          </a:p>
+        </p:txBody>
+      </p:sp>
+      <p:cxnSp>
+        <p:nvCxnSpPr>
+          <p:cNvPr id="12" name="直線接點 11">
+            <a:extLst>
+              <a:ext uri="{FF2B5EF4-FFF2-40B4-BE49-F238E27FC236}">
+                <a16:creationId xmlns:a16="http://schemas.microsoft.com/office/drawing/2014/main" id="{4C70372C-0E50-4426-BF5B-35115BD66EB4}"/>
+              </a:ext>
+            </a:extLst>
+          </p:cNvPr>
+          <p:cNvCxnSpPr>
+            <a:stCxn id="10" idx="6"/>
+            <a:endCxn id="4" idx="0"/>
+          </p:cNvCxnSpPr>
+          <p:nvPr/>
+        </p:nvCxnSpPr>
+        <p:spPr>
+          <a:xfrm>
+            <a:off x="1824789" y="2550696"/>
+            <a:ext cx="4271211" cy="1684420"/>
+          </a:xfrm>
+          <a:prstGeom prst="line">
+            <a:avLst/>
+          </a:prstGeom>
+        </p:spPr>
+        <p:style>
+          <a:lnRef idx="1">
+            <a:schemeClr val="accent1"/>
+          </a:lnRef>
+          <a:fillRef idx="0">
+            <a:schemeClr val="accent1"/>
+          </a:fillRef>
+          <a:effectRef idx="0">
+            <a:schemeClr val="accent1"/>
+          </a:effectRef>
+          <a:fontRef idx="minor">
+            <a:schemeClr val="tx1"/>
+          </a:fontRef>
+        </p:style>
+      </p:cxnSp>
+      <p:sp>
+        <p:nvSpPr>
+          <p:cNvPr id="15" name="橢圓 14">
+            <a:extLst>
+              <a:ext uri="{FF2B5EF4-FFF2-40B4-BE49-F238E27FC236}">
+                <a16:creationId xmlns:a16="http://schemas.microsoft.com/office/drawing/2014/main" id="{6DF5F8C4-745E-4446-9021-1C0CA4CF52F5}"/>
+              </a:ext>
+            </a:extLst>
+          </p:cNvPr>
+          <p:cNvSpPr/>
+          <p:nvPr/>
+        </p:nvSpPr>
+        <p:spPr>
+          <a:xfrm>
+            <a:off x="629966" y="1083846"/>
+            <a:ext cx="1896666" cy="838200"/>
+          </a:xfrm>
+          <a:prstGeom prst="ellipse">
+            <a:avLst/>
+          </a:prstGeom>
+        </p:spPr>
+        <p:style>
+          <a:lnRef idx="2">
+            <a:schemeClr val="accent1">
+              <a:shade val="50000"/>
+            </a:schemeClr>
+          </a:lnRef>
+          <a:fillRef idx="1">
+            <a:schemeClr val="accent1"/>
+          </a:fillRef>
+          <a:effectRef idx="0">
+            <a:schemeClr val="accent1"/>
+          </a:effectRef>
+          <a:fontRef idx="minor">
+            <a:schemeClr val="lt1"/>
+          </a:fontRef>
+        </p:style>
+        <p:txBody>
+          <a:bodyPr rtlCol="0" anchor="ctr"/>
+          <a:lstStyle/>
+          <a:p>
+            <a:pPr algn="ctr"/>
+            <a:r>
+              <a:rPr lang="en-US" altLang="zh-TW" dirty="0"/>
+              <a:t>product </a:t>
+            </a:r>
+          </a:p>
+          <a:p>
+            <a:pPr algn="ctr"/>
+            <a:r>
+              <a:rPr lang="en-US" altLang="zh-TW" sz="1200" dirty="0"/>
+              <a:t>ManyToManyField</a:t>
+            </a:r>
+            <a:endParaRPr lang="zh-TW" altLang="en-US" sz="1200" dirty="0"/>
+          </a:p>
+        </p:txBody>
+      </p:sp>
+      <p:cxnSp>
+        <p:nvCxnSpPr>
+          <p:cNvPr id="19" name="直線接點 18">
+            <a:extLst>
+              <a:ext uri="{FF2B5EF4-FFF2-40B4-BE49-F238E27FC236}">
+                <a16:creationId xmlns:a16="http://schemas.microsoft.com/office/drawing/2014/main" id="{7BA13637-4B72-493B-901F-91A9BC9B528E}"/>
+              </a:ext>
+            </a:extLst>
+          </p:cNvPr>
+          <p:cNvCxnSpPr>
+            <a:cxnSpLocks/>
+            <a:stCxn id="15" idx="6"/>
+            <a:endCxn id="4" idx="0"/>
+          </p:cNvCxnSpPr>
+          <p:nvPr/>
+        </p:nvCxnSpPr>
+        <p:spPr>
+          <a:xfrm>
+            <a:off x="2526632" y="1502946"/>
+            <a:ext cx="3569368" cy="2732170"/>
+          </a:xfrm>
+          <a:prstGeom prst="line">
+            <a:avLst/>
+          </a:prstGeom>
+        </p:spPr>
+        <p:style>
+          <a:lnRef idx="1">
+            <a:schemeClr val="accent1"/>
+          </a:lnRef>
+          <a:fillRef idx="0">
+            <a:schemeClr val="accent1"/>
+          </a:fillRef>
+          <a:effectRef idx="0">
+            <a:schemeClr val="accent1"/>
+          </a:effectRef>
+          <a:fontRef idx="minor">
+            <a:schemeClr val="tx1"/>
+          </a:fontRef>
+        </p:style>
+      </p:cxnSp>
+      <p:sp>
+        <p:nvSpPr>
+          <p:cNvPr id="21" name="橢圓 20">
+            <a:extLst>
+              <a:ext uri="{FF2B5EF4-FFF2-40B4-BE49-F238E27FC236}">
+                <a16:creationId xmlns:a16="http://schemas.microsoft.com/office/drawing/2014/main" id="{BBAB8BCE-53F0-4225-B111-0FFC4DEAB231}"/>
+              </a:ext>
+            </a:extLst>
+          </p:cNvPr>
+          <p:cNvSpPr/>
+          <p:nvPr/>
+        </p:nvSpPr>
+        <p:spPr>
+          <a:xfrm>
+            <a:off x="2093496" y="339394"/>
+            <a:ext cx="1507957" cy="744452"/>
+          </a:xfrm>
+          <a:prstGeom prst="ellipse">
+            <a:avLst/>
+          </a:prstGeom>
+        </p:spPr>
+        <p:style>
+          <a:lnRef idx="2">
+            <a:schemeClr val="accent1">
+              <a:shade val="50000"/>
+            </a:schemeClr>
+          </a:lnRef>
+          <a:fillRef idx="1">
+            <a:schemeClr val="accent1"/>
+          </a:fillRef>
+          <a:effectRef idx="0">
+            <a:schemeClr val="accent1"/>
+          </a:effectRef>
+          <a:fontRef idx="minor">
+            <a:schemeClr val="lt1"/>
+          </a:fontRef>
+        </p:style>
+        <p:txBody>
+          <a:bodyPr rtlCol="0" anchor="ctr"/>
+          <a:lstStyle/>
+          <a:p>
+            <a:pPr algn="ctr"/>
+            <a:r>
+              <a:rPr lang="en-US" altLang="zh-TW" dirty="0"/>
+              <a:t>name </a:t>
+            </a:r>
+          </a:p>
+          <a:p>
+            <a:pPr algn="ctr"/>
+            <a:r>
+              <a:rPr lang="en-US" altLang="zh-TW" sz="1200" dirty="0"/>
+              <a:t>CharField </a:t>
+            </a:r>
+            <a:endParaRPr lang="zh-TW" altLang="en-US" sz="1200" dirty="0"/>
+          </a:p>
+        </p:txBody>
+      </p:sp>
+      <p:cxnSp>
+        <p:nvCxnSpPr>
+          <p:cNvPr id="23" name="直線接點 22">
+            <a:extLst>
+              <a:ext uri="{FF2B5EF4-FFF2-40B4-BE49-F238E27FC236}">
+                <a16:creationId xmlns:a16="http://schemas.microsoft.com/office/drawing/2014/main" id="{D60FDDEC-6835-4FDF-8340-1E1C27432A76}"/>
+              </a:ext>
+            </a:extLst>
+          </p:cNvPr>
+          <p:cNvCxnSpPr>
+            <a:cxnSpLocks/>
+            <a:stCxn id="21" idx="4"/>
+            <a:endCxn id="4" idx="0"/>
+          </p:cNvCxnSpPr>
+          <p:nvPr/>
+        </p:nvCxnSpPr>
+        <p:spPr>
+          <a:xfrm>
+            <a:off x="2847475" y="1083846"/>
+            <a:ext cx="3248525" cy="3151270"/>
+          </a:xfrm>
+          <a:prstGeom prst="line">
+            <a:avLst/>
+          </a:prstGeom>
+        </p:spPr>
+        <p:style>
+          <a:lnRef idx="1">
+            <a:schemeClr val="accent1"/>
+          </a:lnRef>
+          <a:fillRef idx="0">
+            <a:schemeClr val="accent1"/>
+          </a:fillRef>
+          <a:effectRef idx="0">
+            <a:schemeClr val="accent1"/>
+          </a:effectRef>
+          <a:fontRef idx="minor">
+            <a:schemeClr val="tx1"/>
+          </a:fontRef>
+        </p:style>
+      </p:cxnSp>
+      <p:sp>
+        <p:nvSpPr>
+          <p:cNvPr id="28" name="橢圓 27">
+            <a:extLst>
+              <a:ext uri="{FF2B5EF4-FFF2-40B4-BE49-F238E27FC236}">
+                <a16:creationId xmlns:a16="http://schemas.microsoft.com/office/drawing/2014/main" id="{7D6C734E-7696-44AB-9D58-57992405BE30}"/>
+              </a:ext>
+            </a:extLst>
+          </p:cNvPr>
+          <p:cNvSpPr/>
+          <p:nvPr/>
+        </p:nvSpPr>
+        <p:spPr>
+          <a:xfrm>
+            <a:off x="3717758" y="176718"/>
+            <a:ext cx="1507957" cy="744452"/>
+          </a:xfrm>
+          <a:prstGeom prst="ellipse">
+            <a:avLst/>
+          </a:prstGeom>
+        </p:spPr>
+        <p:style>
+          <a:lnRef idx="2">
+            <a:schemeClr val="accent1">
+              <a:shade val="50000"/>
+            </a:schemeClr>
+          </a:lnRef>
+          <a:fillRef idx="1">
+            <a:schemeClr val="accent1"/>
+          </a:fillRef>
+          <a:effectRef idx="0">
+            <a:schemeClr val="accent1"/>
+          </a:effectRef>
+          <a:fontRef idx="minor">
+            <a:schemeClr val="lt1"/>
+          </a:fontRef>
+        </p:style>
+        <p:txBody>
+          <a:bodyPr rtlCol="0" anchor="ctr"/>
+          <a:lstStyle/>
+          <a:p>
+            <a:pPr algn="ctr"/>
+            <a:r>
+              <a:rPr lang="en-US" altLang="zh-TW" dirty="0"/>
+              <a:t>phone </a:t>
+            </a:r>
+            <a:r>
+              <a:rPr lang="en-US" altLang="zh-TW" sz="1200" dirty="0"/>
+              <a:t>CharField</a:t>
+            </a:r>
+            <a:endParaRPr lang="zh-TW" altLang="en-US" sz="1200" dirty="0"/>
+          </a:p>
+        </p:txBody>
+      </p:sp>
+      <p:cxnSp>
+        <p:nvCxnSpPr>
+          <p:cNvPr id="30" name="直線接點 29">
+            <a:extLst>
+              <a:ext uri="{FF2B5EF4-FFF2-40B4-BE49-F238E27FC236}">
+                <a16:creationId xmlns:a16="http://schemas.microsoft.com/office/drawing/2014/main" id="{57A562DA-9779-42C0-9E74-E11D8859818D}"/>
+              </a:ext>
+            </a:extLst>
+          </p:cNvPr>
+          <p:cNvCxnSpPr>
+            <a:cxnSpLocks/>
+            <a:stCxn id="28" idx="4"/>
+            <a:endCxn id="4" idx="0"/>
+          </p:cNvCxnSpPr>
+          <p:nvPr/>
+        </p:nvCxnSpPr>
+        <p:spPr>
+          <a:xfrm>
+            <a:off x="4471737" y="921170"/>
+            <a:ext cx="1624263" cy="3313946"/>
+          </a:xfrm>
+          <a:prstGeom prst="line">
+            <a:avLst/>
+          </a:prstGeom>
+        </p:spPr>
+        <p:style>
+          <a:lnRef idx="1">
+            <a:schemeClr val="accent1"/>
+          </a:lnRef>
+          <a:fillRef idx="0">
+            <a:schemeClr val="accent1"/>
+          </a:fillRef>
+          <a:effectRef idx="0">
+            <a:schemeClr val="accent1"/>
+          </a:effectRef>
+          <a:fontRef idx="minor">
+            <a:schemeClr val="tx1"/>
+          </a:fontRef>
+        </p:style>
+      </p:cxnSp>
+      <p:sp>
+        <p:nvSpPr>
+          <p:cNvPr id="32" name="橢圓 31">
+            <a:extLst>
+              <a:ext uri="{FF2B5EF4-FFF2-40B4-BE49-F238E27FC236}">
+                <a16:creationId xmlns:a16="http://schemas.microsoft.com/office/drawing/2014/main" id="{C6DC0708-852C-4C25-AF5C-F2D9DE231D36}"/>
+              </a:ext>
+            </a:extLst>
+          </p:cNvPr>
+          <p:cNvSpPr/>
+          <p:nvPr/>
+        </p:nvSpPr>
+        <p:spPr>
+          <a:xfrm>
+            <a:off x="5342020" y="37103"/>
+            <a:ext cx="1524000" cy="856620"/>
+          </a:xfrm>
+          <a:prstGeom prst="ellipse">
+            <a:avLst/>
+          </a:prstGeom>
+        </p:spPr>
+        <p:style>
+          <a:lnRef idx="2">
+            <a:schemeClr val="accent1">
+              <a:shade val="50000"/>
+            </a:schemeClr>
+          </a:lnRef>
+          <a:fillRef idx="1">
+            <a:schemeClr val="accent1"/>
+          </a:fillRef>
+          <a:effectRef idx="0">
+            <a:schemeClr val="accent1"/>
+          </a:effectRef>
+          <a:fontRef idx="minor">
+            <a:schemeClr val="lt1"/>
+          </a:fontRef>
+        </p:style>
+        <p:txBody>
+          <a:bodyPr rtlCol="0" anchor="ctr"/>
+          <a:lstStyle/>
+          <a:p>
+            <a:pPr algn="ctr"/>
+            <a:r>
+              <a:rPr lang="en-US" altLang="zh-TW" dirty="0"/>
+              <a:t>district </a:t>
+            </a:r>
+            <a:r>
+              <a:rPr lang="en-US" altLang="zh-TW" sz="1200" dirty="0"/>
+              <a:t>CharField</a:t>
+            </a:r>
+            <a:endParaRPr lang="zh-TW" altLang="en-US" sz="1200" dirty="0"/>
+          </a:p>
+        </p:txBody>
+      </p:sp>
+      <p:cxnSp>
+        <p:nvCxnSpPr>
+          <p:cNvPr id="34" name="直線接點 33">
+            <a:extLst>
+              <a:ext uri="{FF2B5EF4-FFF2-40B4-BE49-F238E27FC236}">
+                <a16:creationId xmlns:a16="http://schemas.microsoft.com/office/drawing/2014/main" id="{619647EE-62A3-4121-8D22-2374850E352B}"/>
+              </a:ext>
+            </a:extLst>
+          </p:cNvPr>
+          <p:cNvCxnSpPr>
+            <a:stCxn id="32" idx="4"/>
+            <a:endCxn id="4" idx="0"/>
+          </p:cNvCxnSpPr>
+          <p:nvPr/>
+        </p:nvCxnSpPr>
+        <p:spPr>
+          <a:xfrm flipH="1">
+            <a:off x="6096000" y="893723"/>
+            <a:ext cx="8020" cy="3341393"/>
+          </a:xfrm>
+          <a:prstGeom prst="line">
+            <a:avLst/>
+          </a:prstGeom>
+        </p:spPr>
+        <p:style>
+          <a:lnRef idx="1">
+            <a:schemeClr val="accent1"/>
+          </a:lnRef>
+          <a:fillRef idx="0">
+            <a:schemeClr val="accent1"/>
+          </a:fillRef>
+          <a:effectRef idx="0">
+            <a:schemeClr val="accent1"/>
+          </a:effectRef>
+          <a:fontRef idx="minor">
+            <a:schemeClr val="tx1"/>
+          </a:fontRef>
+        </p:style>
+      </p:cxnSp>
+      <p:sp>
+        <p:nvSpPr>
+          <p:cNvPr id="37" name="橢圓 36">
+            <a:extLst>
+              <a:ext uri="{FF2B5EF4-FFF2-40B4-BE49-F238E27FC236}">
+                <a16:creationId xmlns:a16="http://schemas.microsoft.com/office/drawing/2014/main" id="{55AA9198-C0D1-47DD-8A67-5DA77E8381AB}"/>
+              </a:ext>
+            </a:extLst>
+          </p:cNvPr>
+          <p:cNvSpPr/>
+          <p:nvPr/>
+        </p:nvSpPr>
+        <p:spPr>
+          <a:xfrm>
+            <a:off x="7074569" y="37103"/>
+            <a:ext cx="1604212" cy="1026440"/>
+          </a:xfrm>
+          <a:prstGeom prst="ellipse">
+            <a:avLst/>
+          </a:prstGeom>
+        </p:spPr>
+        <p:style>
+          <a:lnRef idx="2">
+            <a:schemeClr val="accent1">
+              <a:shade val="50000"/>
+            </a:schemeClr>
+          </a:lnRef>
+          <a:fillRef idx="1">
+            <a:schemeClr val="accent1"/>
+          </a:fillRef>
+          <a:effectRef idx="0">
+            <a:schemeClr val="accent1"/>
+          </a:effectRef>
+          <a:fontRef idx="minor">
+            <a:schemeClr val="lt1"/>
+          </a:fontRef>
+        </p:style>
+        <p:txBody>
+          <a:bodyPr rtlCol="0" anchor="ctr"/>
+          <a:lstStyle/>
+          <a:p>
+            <a:pPr algn="ctr"/>
+            <a:r>
+              <a:rPr lang="en-US" altLang="zh-TW" dirty="0" err="1"/>
+              <a:t>zipcode</a:t>
+            </a:r>
+            <a:r>
+              <a:rPr lang="en-US" altLang="zh-TW" dirty="0"/>
+              <a:t> </a:t>
+            </a:r>
+            <a:r>
+              <a:rPr lang="en-US" altLang="zh-TW" sz="1200" dirty="0"/>
+              <a:t>CharField</a:t>
+            </a:r>
+            <a:endParaRPr lang="zh-TW" altLang="en-US" sz="1200" dirty="0"/>
+          </a:p>
+        </p:txBody>
+      </p:sp>
+      <p:cxnSp>
+        <p:nvCxnSpPr>
+          <p:cNvPr id="39" name="直線接點 38">
+            <a:extLst>
+              <a:ext uri="{FF2B5EF4-FFF2-40B4-BE49-F238E27FC236}">
+                <a16:creationId xmlns:a16="http://schemas.microsoft.com/office/drawing/2014/main" id="{2ACA0C31-91EF-4A21-8B80-D1A449B84CB6}"/>
+              </a:ext>
+            </a:extLst>
+          </p:cNvPr>
+          <p:cNvCxnSpPr>
+            <a:stCxn id="37" idx="4"/>
+            <a:endCxn id="4" idx="0"/>
+          </p:cNvCxnSpPr>
+          <p:nvPr/>
+        </p:nvCxnSpPr>
+        <p:spPr>
+          <a:xfrm flipH="1">
+            <a:off x="6096000" y="1063543"/>
+            <a:ext cx="1780675" cy="3171573"/>
+          </a:xfrm>
+          <a:prstGeom prst="line">
+            <a:avLst/>
+          </a:prstGeom>
+        </p:spPr>
+        <p:style>
+          <a:lnRef idx="1">
+            <a:schemeClr val="accent1"/>
+          </a:lnRef>
+          <a:fillRef idx="0">
+            <a:schemeClr val="accent1"/>
+          </a:fillRef>
+          <a:effectRef idx="0">
+            <a:schemeClr val="accent1"/>
+          </a:effectRef>
+          <a:fontRef idx="minor">
+            <a:schemeClr val="tx1"/>
+          </a:fontRef>
+        </p:style>
+      </p:cxnSp>
+      <p:sp>
+        <p:nvSpPr>
+          <p:cNvPr id="41" name="橢圓 40">
+            <a:extLst>
+              <a:ext uri="{FF2B5EF4-FFF2-40B4-BE49-F238E27FC236}">
+                <a16:creationId xmlns:a16="http://schemas.microsoft.com/office/drawing/2014/main" id="{467A1B13-B003-4AC0-B6E1-5E4A86223B7D}"/>
+              </a:ext>
+            </a:extLst>
+          </p:cNvPr>
+          <p:cNvSpPr/>
+          <p:nvPr/>
+        </p:nvSpPr>
+        <p:spPr>
+          <a:xfrm>
+            <a:off x="9095877" y="279613"/>
+            <a:ext cx="1668378" cy="1026441"/>
+          </a:xfrm>
+          <a:prstGeom prst="ellipse">
+            <a:avLst/>
+          </a:prstGeom>
+        </p:spPr>
+        <p:style>
+          <a:lnRef idx="2">
+            <a:schemeClr val="accent1">
+              <a:shade val="50000"/>
+            </a:schemeClr>
+          </a:lnRef>
+          <a:fillRef idx="1">
+            <a:schemeClr val="accent1"/>
+          </a:fillRef>
+          <a:effectRef idx="0">
+            <a:schemeClr val="accent1"/>
+          </a:effectRef>
+          <a:fontRef idx="minor">
+            <a:schemeClr val="lt1"/>
+          </a:fontRef>
+        </p:style>
+        <p:txBody>
+          <a:bodyPr rtlCol="0" anchor="ctr"/>
+          <a:lstStyle/>
+          <a:p>
+            <a:pPr algn="ctr"/>
+            <a:r>
+              <a:rPr lang="en-US" altLang="zh-TW" dirty="0"/>
+              <a:t>address </a:t>
+            </a:r>
+            <a:r>
+              <a:rPr lang="en-US" altLang="zh-TW" sz="1200" dirty="0"/>
+              <a:t>CharField</a:t>
+            </a:r>
+            <a:endParaRPr lang="zh-TW" altLang="en-US" sz="1200" dirty="0"/>
+          </a:p>
+        </p:txBody>
+      </p:sp>
+      <p:cxnSp>
+        <p:nvCxnSpPr>
+          <p:cNvPr id="43" name="直線接點 42">
+            <a:extLst>
+              <a:ext uri="{FF2B5EF4-FFF2-40B4-BE49-F238E27FC236}">
+                <a16:creationId xmlns:a16="http://schemas.microsoft.com/office/drawing/2014/main" id="{B92700B2-8819-40D9-9F02-3B39DDB0AF19}"/>
+              </a:ext>
+            </a:extLst>
+          </p:cNvPr>
+          <p:cNvCxnSpPr>
+            <a:cxnSpLocks/>
+            <a:stCxn id="41" idx="3"/>
+            <a:endCxn id="4" idx="0"/>
+          </p:cNvCxnSpPr>
+          <p:nvPr/>
+        </p:nvCxnSpPr>
+        <p:spPr>
+          <a:xfrm flipH="1">
+            <a:off x="6096000" y="1155735"/>
+            <a:ext cx="3244205" cy="3079381"/>
+          </a:xfrm>
+          <a:prstGeom prst="line">
+            <a:avLst/>
+          </a:prstGeom>
+        </p:spPr>
+        <p:style>
+          <a:lnRef idx="1">
+            <a:schemeClr val="accent1"/>
+          </a:lnRef>
+          <a:fillRef idx="0">
+            <a:schemeClr val="accent1"/>
+          </a:fillRef>
+          <a:effectRef idx="0">
+            <a:schemeClr val="accent1"/>
+          </a:effectRef>
+          <a:fontRef idx="minor">
+            <a:schemeClr val="tx1"/>
+          </a:fontRef>
+        </p:style>
+      </p:cxnSp>
+      <p:sp>
+        <p:nvSpPr>
+          <p:cNvPr id="45" name="橢圓 44">
+            <a:extLst>
+              <a:ext uri="{FF2B5EF4-FFF2-40B4-BE49-F238E27FC236}">
+                <a16:creationId xmlns:a16="http://schemas.microsoft.com/office/drawing/2014/main" id="{77D32630-229F-4BB4-8081-7525B8D8ECB5}"/>
+              </a:ext>
+            </a:extLst>
+          </p:cNvPr>
+          <p:cNvSpPr/>
+          <p:nvPr/>
+        </p:nvSpPr>
+        <p:spPr>
+          <a:xfrm>
+            <a:off x="10414337" y="1300478"/>
+            <a:ext cx="1621252" cy="1026441"/>
+          </a:xfrm>
+          <a:prstGeom prst="ellipse">
+            <a:avLst/>
+          </a:prstGeom>
+        </p:spPr>
+        <p:style>
+          <a:lnRef idx="2">
+            <a:schemeClr val="accent1">
+              <a:shade val="50000"/>
+            </a:schemeClr>
+          </a:lnRef>
+          <a:fillRef idx="1">
+            <a:schemeClr val="accent1"/>
+          </a:fillRef>
+          <a:effectRef idx="0">
+            <a:schemeClr val="accent1"/>
+          </a:effectRef>
+          <a:fontRef idx="minor">
+            <a:schemeClr val="lt1"/>
+          </a:fontRef>
+        </p:style>
+        <p:txBody>
+          <a:bodyPr rtlCol="0" anchor="ctr"/>
+          <a:lstStyle/>
+          <a:p>
+            <a:pPr algn="ctr"/>
+            <a:r>
+              <a:rPr lang="en-US" altLang="zh-TW" dirty="0"/>
+              <a:t>total  </a:t>
+            </a:r>
+            <a:r>
+              <a:rPr lang="en-US" altLang="zh-TW" sz="1200" dirty="0"/>
+              <a:t>PositiveIntegerField</a:t>
+            </a:r>
+            <a:endParaRPr lang="zh-TW" altLang="en-US" sz="1200" dirty="0"/>
+          </a:p>
+        </p:txBody>
+      </p:sp>
+      <p:cxnSp>
+        <p:nvCxnSpPr>
+          <p:cNvPr id="47" name="直線接點 46">
+            <a:extLst>
+              <a:ext uri="{FF2B5EF4-FFF2-40B4-BE49-F238E27FC236}">
+                <a16:creationId xmlns:a16="http://schemas.microsoft.com/office/drawing/2014/main" id="{0177404D-965D-4034-9682-2B9E340A52CA}"/>
+              </a:ext>
+            </a:extLst>
+          </p:cNvPr>
+          <p:cNvCxnSpPr>
+            <a:cxnSpLocks/>
+            <a:stCxn id="45" idx="2"/>
+            <a:endCxn id="4" idx="0"/>
+          </p:cNvCxnSpPr>
+          <p:nvPr/>
+        </p:nvCxnSpPr>
+        <p:spPr>
+          <a:xfrm flipH="1">
+            <a:off x="6096000" y="1813699"/>
+            <a:ext cx="4318337" cy="2421417"/>
+          </a:xfrm>
+          <a:prstGeom prst="line">
+            <a:avLst/>
+          </a:prstGeom>
+        </p:spPr>
+        <p:style>
+          <a:lnRef idx="1">
+            <a:schemeClr val="accent1"/>
+          </a:lnRef>
+          <a:fillRef idx="0">
+            <a:schemeClr val="accent1"/>
+          </a:fillRef>
+          <a:effectRef idx="0">
+            <a:schemeClr val="accent1"/>
+          </a:effectRef>
+          <a:fontRef idx="minor">
+            <a:schemeClr val="tx1"/>
+          </a:fontRef>
+        </p:style>
+      </p:cxnSp>
+      <p:cxnSp>
+        <p:nvCxnSpPr>
+          <p:cNvPr id="52" name="直線接點 51">
+            <a:extLst>
+              <a:ext uri="{FF2B5EF4-FFF2-40B4-BE49-F238E27FC236}">
+                <a16:creationId xmlns:a16="http://schemas.microsoft.com/office/drawing/2014/main" id="{81BFF3F1-04C6-4FAA-AA9F-ACB8D1F33F3C}"/>
+              </a:ext>
+            </a:extLst>
+          </p:cNvPr>
+          <p:cNvCxnSpPr>
+            <a:cxnSpLocks/>
+            <a:stCxn id="24" idx="2"/>
+            <a:endCxn id="4" idx="0"/>
+          </p:cNvCxnSpPr>
+          <p:nvPr/>
+        </p:nvCxnSpPr>
+        <p:spPr>
+          <a:xfrm flipH="1">
+            <a:off x="6096000" y="3126580"/>
+            <a:ext cx="4365461" cy="1108536"/>
+          </a:xfrm>
+          <a:prstGeom prst="line">
+            <a:avLst/>
+          </a:prstGeom>
+        </p:spPr>
+        <p:style>
+          <a:lnRef idx="1">
+            <a:schemeClr val="accent1"/>
+          </a:lnRef>
+          <a:fillRef idx="0">
+            <a:schemeClr val="accent1"/>
+          </a:fillRef>
+          <a:effectRef idx="0">
+            <a:schemeClr val="accent1"/>
+          </a:effectRef>
+          <a:fontRef idx="minor">
+            <a:schemeClr val="tx1"/>
+          </a:fontRef>
+        </p:style>
+      </p:cxnSp>
+      <p:sp>
+        <p:nvSpPr>
+          <p:cNvPr id="24" name="橢圓 23">
+            <a:extLst>
+              <a:ext uri="{FF2B5EF4-FFF2-40B4-BE49-F238E27FC236}">
+                <a16:creationId xmlns:a16="http://schemas.microsoft.com/office/drawing/2014/main" id="{4AC3D863-9C13-4DC5-B2E5-BDE35B1D29B8}"/>
+              </a:ext>
+            </a:extLst>
+          </p:cNvPr>
+          <p:cNvSpPr/>
+          <p:nvPr/>
+        </p:nvSpPr>
+        <p:spPr>
+          <a:xfrm>
+            <a:off x="10461461" y="2613359"/>
+            <a:ext cx="1668378" cy="1026441"/>
+          </a:xfrm>
+          <a:prstGeom prst="ellipse">
+            <a:avLst/>
+          </a:prstGeom>
+        </p:spPr>
+        <p:style>
+          <a:lnRef idx="2">
+            <a:schemeClr val="accent1">
+              <a:shade val="50000"/>
+            </a:schemeClr>
+          </a:lnRef>
+          <a:fillRef idx="1">
+            <a:schemeClr val="accent1"/>
+          </a:fillRef>
+          <a:effectRef idx="0">
+            <a:schemeClr val="accent1"/>
+          </a:effectRef>
+          <a:fontRef idx="minor">
+            <a:schemeClr val="lt1"/>
+          </a:fontRef>
+        </p:style>
+        <p:txBody>
+          <a:bodyPr rtlCol="0" anchor="ctr"/>
+          <a:lstStyle/>
+          <a:p>
+            <a:pPr algn="ctr"/>
+            <a:r>
+              <a:rPr lang="en-US" altLang="zh-TW" dirty="0"/>
+              <a:t>created   </a:t>
+            </a:r>
+            <a:r>
+              <a:rPr lang="en-US" altLang="zh-TW" sz="1200" dirty="0" err="1"/>
+              <a:t>DateTimeField</a:t>
+            </a:r>
+            <a:endParaRPr lang="zh-TW" altLang="en-US" sz="1200" dirty="0"/>
+          </a:p>
+        </p:txBody>
+      </p:sp>
+      <p:sp>
+        <p:nvSpPr>
+          <p:cNvPr id="25" name="橢圓 24">
+            <a:extLst>
+              <a:ext uri="{FF2B5EF4-FFF2-40B4-BE49-F238E27FC236}">
+                <a16:creationId xmlns:a16="http://schemas.microsoft.com/office/drawing/2014/main" id="{8777BEB8-2E32-48EF-B01B-522FDF350711}"/>
+              </a:ext>
+            </a:extLst>
+          </p:cNvPr>
+          <p:cNvSpPr/>
+          <p:nvPr/>
+        </p:nvSpPr>
+        <p:spPr>
+          <a:xfrm>
+            <a:off x="10367211" y="3890465"/>
+            <a:ext cx="1668378" cy="1026441"/>
+          </a:xfrm>
+          <a:prstGeom prst="ellipse">
+            <a:avLst/>
+          </a:prstGeom>
+        </p:spPr>
+        <p:style>
+          <a:lnRef idx="2">
+            <a:schemeClr val="accent1">
+              <a:shade val="50000"/>
+            </a:schemeClr>
+          </a:lnRef>
+          <a:fillRef idx="1">
+            <a:schemeClr val="accent1"/>
+          </a:fillRef>
+          <a:effectRef idx="0">
+            <a:schemeClr val="accent1"/>
+          </a:effectRef>
+          <a:fontRef idx="minor">
+            <a:schemeClr val="lt1"/>
+          </a:fontRef>
+        </p:style>
+        <p:txBody>
+          <a:bodyPr rtlCol="0" anchor="ctr"/>
+          <a:lstStyle/>
+          <a:p>
+            <a:pPr algn="ctr"/>
+            <a:r>
+              <a:rPr lang="en-US" altLang="zh-TW" dirty="0"/>
+              <a:t>modified    </a:t>
+            </a:r>
+            <a:r>
+              <a:rPr lang="en-US" altLang="zh-TW" sz="1200" dirty="0"/>
+              <a:t>CharField</a:t>
+            </a:r>
+            <a:endParaRPr lang="zh-TW" altLang="en-US" sz="1200" dirty="0"/>
+          </a:p>
+        </p:txBody>
+      </p:sp>
+      <p:sp>
+        <p:nvSpPr>
+          <p:cNvPr id="6" name="橢圓 5">
+            <a:extLst>
+              <a:ext uri="{FF2B5EF4-FFF2-40B4-BE49-F238E27FC236}">
+                <a16:creationId xmlns:a16="http://schemas.microsoft.com/office/drawing/2014/main" id="{970A68AE-E6F9-E6F3-C9FC-95B704FF8E8B}"/>
+              </a:ext>
+            </a:extLst>
+          </p:cNvPr>
+          <p:cNvSpPr/>
+          <p:nvPr/>
+        </p:nvSpPr>
+        <p:spPr>
+          <a:xfrm>
+            <a:off x="10095985" y="5044301"/>
+            <a:ext cx="1668378" cy="1026441"/>
+          </a:xfrm>
+          <a:prstGeom prst="ellipse">
+            <a:avLst/>
+          </a:prstGeom>
+        </p:spPr>
+        <p:style>
+          <a:lnRef idx="2">
+            <a:schemeClr val="accent1">
+              <a:shade val="50000"/>
+            </a:schemeClr>
+          </a:lnRef>
+          <a:fillRef idx="1">
+            <a:schemeClr val="accent1"/>
+          </a:fillRef>
+          <a:effectRef idx="0">
+            <a:schemeClr val="accent1"/>
+          </a:effectRef>
+          <a:fontRef idx="minor">
+            <a:schemeClr val="lt1"/>
+          </a:fontRef>
+        </p:style>
+        <p:txBody>
+          <a:bodyPr rtlCol="0" anchor="ctr"/>
+          <a:lstStyle/>
+          <a:p>
+            <a:pPr algn="ctr"/>
+            <a:r>
+              <a:rPr lang="en-US" altLang="zh-TW" dirty="0"/>
+              <a:t>status     </a:t>
+            </a:r>
+            <a:r>
+              <a:rPr lang="en-US" altLang="zh-TW" sz="1200" dirty="0"/>
+              <a:t>CharField</a:t>
+            </a:r>
+            <a:endParaRPr lang="zh-TW" altLang="en-US" sz="1200" dirty="0"/>
+          </a:p>
+        </p:txBody>
+      </p:sp>
+      <p:cxnSp>
+        <p:nvCxnSpPr>
+          <p:cNvPr id="8" name="直線接點 7">
+            <a:extLst>
+              <a:ext uri="{FF2B5EF4-FFF2-40B4-BE49-F238E27FC236}">
+                <a16:creationId xmlns:a16="http://schemas.microsoft.com/office/drawing/2014/main" id="{C5FE073F-1952-E79D-3BF1-57C3E25A556D}"/>
+              </a:ext>
+            </a:extLst>
+          </p:cNvPr>
+          <p:cNvCxnSpPr>
+            <a:stCxn id="4" idx="0"/>
+            <a:endCxn id="25" idx="2"/>
+          </p:cNvCxnSpPr>
+          <p:nvPr/>
+        </p:nvCxnSpPr>
+        <p:spPr>
+          <a:xfrm>
+            <a:off x="6096000" y="4235116"/>
+            <a:ext cx="4271211" cy="168570"/>
+          </a:xfrm>
+          <a:prstGeom prst="line">
+            <a:avLst/>
+          </a:prstGeom>
+        </p:spPr>
+        <p:style>
+          <a:lnRef idx="1">
+            <a:schemeClr val="accent1"/>
+          </a:lnRef>
+          <a:fillRef idx="0">
+            <a:schemeClr val="accent1"/>
+          </a:fillRef>
+          <a:effectRef idx="0">
+            <a:schemeClr val="accent1"/>
+          </a:effectRef>
+          <a:fontRef idx="minor">
+            <a:schemeClr val="tx1"/>
+          </a:fontRef>
+        </p:style>
+      </p:cxnSp>
+      <p:cxnSp>
+        <p:nvCxnSpPr>
+          <p:cNvPr id="13" name="直線接點 12">
+            <a:extLst>
+              <a:ext uri="{FF2B5EF4-FFF2-40B4-BE49-F238E27FC236}">
+                <a16:creationId xmlns:a16="http://schemas.microsoft.com/office/drawing/2014/main" id="{036D2B7F-B2D1-9356-394F-618EACE34BDA}"/>
+              </a:ext>
+            </a:extLst>
+          </p:cNvPr>
+          <p:cNvCxnSpPr>
+            <a:cxnSpLocks/>
+            <a:stCxn id="6" idx="1"/>
+            <a:endCxn id="4" idx="0"/>
+          </p:cNvCxnSpPr>
+          <p:nvPr/>
+        </p:nvCxnSpPr>
+        <p:spPr>
+          <a:xfrm flipH="1" flipV="1">
+            <a:off x="6096000" y="4235116"/>
+            <a:ext cx="4244313" cy="959504"/>
+          </a:xfrm>
+          <a:prstGeom prst="line">
+            <a:avLst/>
+          </a:prstGeom>
+        </p:spPr>
+        <p:style>
+          <a:lnRef idx="1">
+            <a:schemeClr val="accent1"/>
+          </a:lnRef>
+          <a:fillRef idx="0">
+            <a:schemeClr val="accent1"/>
+          </a:fillRef>
+          <a:effectRef idx="0">
+            <a:schemeClr val="accent1"/>
+          </a:effectRef>
+          <a:fontRef idx="minor">
+            <a:schemeClr val="tx1"/>
+          </a:fontRef>
+        </p:style>
+      </p:cxnSp>
+      <p:cxnSp>
+        <p:nvCxnSpPr>
+          <p:cNvPr id="20" name="直線單箭頭接點 19">
+            <a:extLst>
+              <a:ext uri="{FF2B5EF4-FFF2-40B4-BE49-F238E27FC236}">
+                <a16:creationId xmlns:a16="http://schemas.microsoft.com/office/drawing/2014/main" id="{5EF93652-6A0E-0F01-FC9A-6834EEFF9664}"/>
+              </a:ext>
+            </a:extLst>
+          </p:cNvPr>
+          <p:cNvCxnSpPr>
+            <a:cxnSpLocks/>
+            <a:stCxn id="6" idx="4"/>
+          </p:cNvCxnSpPr>
+          <p:nvPr/>
+        </p:nvCxnSpPr>
+        <p:spPr>
+          <a:xfrm flipH="1">
+            <a:off x="10367211" y="6070742"/>
+            <a:ext cx="562963" cy="750155"/>
+          </a:xfrm>
+          <a:prstGeom prst="straightConnector1">
+            <a:avLst/>
+          </a:prstGeom>
+          <a:ln w="76200">
+            <a:tailEnd type="triangle"/>
+          </a:ln>
+        </p:spPr>
+        <p:style>
+          <a:lnRef idx="1">
+            <a:schemeClr val="accent1"/>
+          </a:lnRef>
+          <a:fillRef idx="0">
+            <a:schemeClr val="accent1"/>
+          </a:fillRef>
+          <a:effectRef idx="0">
+            <a:schemeClr val="accent1"/>
+          </a:effectRef>
+          <a:fontRef idx="minor">
+            <a:schemeClr val="tx1"/>
+          </a:fontRef>
+        </p:style>
+      </p:cxnSp>
+    </p:spTree>
+    <p:extLst>
+      <p:ext uri="{BB962C8B-B14F-4D97-AF65-F5344CB8AC3E}">
+        <p14:creationId xmlns:p14="http://schemas.microsoft.com/office/powerpoint/2010/main" val="3727670066"/>
+      </p:ext>
+    </p:extLst>
+  </p:cSld>
+  <p:clrMapOvr>
+    <a:masterClrMapping/>
+  </p:clrMapOvr>
+</p:sld>
+</file>
+
 <file path=ppt/slides/slide2.xml><?xml version="1.0" encoding="utf-8"?>
 <p:sld xmlns:a="http://schemas.openxmlformats.org/drawingml/2006/main" xmlns:r="http://schemas.openxmlformats.org/officeDocument/2006/relationships" xmlns:p="http://schemas.openxmlformats.org/presentationml/2006/main">
   <p:cSld>
@@ -8098,6 +10303,2269 @@
     <p:extLst>
       <p:ext uri="{BB962C8B-B14F-4D97-AF65-F5344CB8AC3E}">
         <p14:creationId xmlns:p14="http://schemas.microsoft.com/office/powerpoint/2010/main" val="915278205"/>
+      </p:ext>
+    </p:extLst>
+  </p:cSld>
+  <p:clrMapOvr>
+    <a:masterClrMapping/>
+  </p:clrMapOvr>
+</p:sld>
+</file>
+
+<file path=ppt/slides/slide20.xml><?xml version="1.0" encoding="utf-8"?>
+<p:sld xmlns:a="http://schemas.openxmlformats.org/drawingml/2006/main" xmlns:r="http://schemas.openxmlformats.org/officeDocument/2006/relationships" xmlns:p="http://schemas.openxmlformats.org/presentationml/2006/main">
+  <p:cSld>
+    <p:spTree>
+      <p:nvGrpSpPr>
+        <p:cNvPr id="1" name=""/>
+        <p:cNvGrpSpPr/>
+        <p:nvPr/>
+      </p:nvGrpSpPr>
+      <p:grpSpPr>
+        <a:xfrm>
+          <a:off x="0" y="0"/>
+          <a:ext cx="0" cy="0"/>
+          <a:chOff x="0" y="0"/>
+          <a:chExt cx="0" cy="0"/>
+        </a:xfrm>
+      </p:grpSpPr>
+      <p:sp>
+        <p:nvSpPr>
+          <p:cNvPr id="2" name="矩形 1">
+            <a:extLst>
+              <a:ext uri="{FF2B5EF4-FFF2-40B4-BE49-F238E27FC236}">
+                <a16:creationId xmlns:a16="http://schemas.microsoft.com/office/drawing/2014/main" id="{F2D6D40B-1220-434E-8FE3-4AA15AD6E402}"/>
+              </a:ext>
+            </a:extLst>
+          </p:cNvPr>
+          <p:cNvSpPr/>
+          <p:nvPr/>
+        </p:nvSpPr>
+        <p:spPr>
+          <a:xfrm>
+            <a:off x="5123447" y="4491790"/>
+            <a:ext cx="1945106" cy="689811"/>
+          </a:xfrm>
+          <a:prstGeom prst="rect">
+            <a:avLst/>
+          </a:prstGeom>
+        </p:spPr>
+        <p:style>
+          <a:lnRef idx="2">
+            <a:schemeClr val="accent1">
+              <a:shade val="50000"/>
+            </a:schemeClr>
+          </a:lnRef>
+          <a:fillRef idx="1">
+            <a:schemeClr val="accent1"/>
+          </a:fillRef>
+          <a:effectRef idx="0">
+            <a:schemeClr val="accent1"/>
+          </a:effectRef>
+          <a:fontRef idx="minor">
+            <a:schemeClr val="lt1"/>
+          </a:fontRef>
+        </p:style>
+        <p:txBody>
+          <a:bodyPr rtlCol="0" anchor="ctr"/>
+          <a:lstStyle/>
+          <a:p>
+            <a:pPr algn="ctr"/>
+            <a:r>
+              <a:rPr lang="en-US" altLang="zh-TW" dirty="0"/>
+              <a:t>status</a:t>
+            </a:r>
+            <a:endParaRPr lang="zh-TW" altLang="en-US" dirty="0"/>
+          </a:p>
+        </p:txBody>
+      </p:sp>
+      <p:sp>
+        <p:nvSpPr>
+          <p:cNvPr id="3" name="橢圓 2">
+            <a:extLst>
+              <a:ext uri="{FF2B5EF4-FFF2-40B4-BE49-F238E27FC236}">
+                <a16:creationId xmlns:a16="http://schemas.microsoft.com/office/drawing/2014/main" id="{52ACEB4F-725D-4207-A024-9544614AA802}"/>
+              </a:ext>
+            </a:extLst>
+          </p:cNvPr>
+          <p:cNvSpPr/>
+          <p:nvPr/>
+        </p:nvSpPr>
+        <p:spPr>
+          <a:xfrm>
+            <a:off x="168442" y="2131596"/>
+            <a:ext cx="1840831" cy="838200"/>
+          </a:xfrm>
+          <a:prstGeom prst="ellipse">
+            <a:avLst/>
+          </a:prstGeom>
+        </p:spPr>
+        <p:style>
+          <a:lnRef idx="2">
+            <a:schemeClr val="accent1">
+              <a:shade val="50000"/>
+            </a:schemeClr>
+          </a:lnRef>
+          <a:fillRef idx="1">
+            <a:schemeClr val="accent1"/>
+          </a:fillRef>
+          <a:effectRef idx="0">
+            <a:schemeClr val="accent1"/>
+          </a:effectRef>
+          <a:fontRef idx="minor">
+            <a:schemeClr val="lt1"/>
+          </a:fontRef>
+        </p:style>
+        <p:txBody>
+          <a:bodyPr rtlCol="0" anchor="ctr"/>
+          <a:lstStyle/>
+          <a:p>
+            <a:pPr algn="ctr"/>
+            <a:r>
+              <a:rPr lang="en-US" altLang="zh-TW" dirty="0"/>
+              <a:t>unpaid</a:t>
+            </a:r>
+            <a:endParaRPr lang="zh-TW" altLang="en-US" sz="1200" dirty="0"/>
+          </a:p>
+        </p:txBody>
+      </p:sp>
+      <p:sp>
+        <p:nvSpPr>
+          <p:cNvPr id="5" name="橢圓 4">
+            <a:extLst>
+              <a:ext uri="{FF2B5EF4-FFF2-40B4-BE49-F238E27FC236}">
+                <a16:creationId xmlns:a16="http://schemas.microsoft.com/office/drawing/2014/main" id="{208105CF-3EB5-4CA0-9E05-33612C9BD3F7}"/>
+              </a:ext>
+            </a:extLst>
+          </p:cNvPr>
+          <p:cNvSpPr/>
+          <p:nvPr/>
+        </p:nvSpPr>
+        <p:spPr>
+          <a:xfrm>
+            <a:off x="1838132" y="463480"/>
+            <a:ext cx="2005950" cy="900361"/>
+          </a:xfrm>
+          <a:prstGeom prst="ellipse">
+            <a:avLst/>
+          </a:prstGeom>
+        </p:spPr>
+        <p:style>
+          <a:lnRef idx="2">
+            <a:schemeClr val="accent1">
+              <a:shade val="50000"/>
+            </a:schemeClr>
+          </a:lnRef>
+          <a:fillRef idx="1">
+            <a:schemeClr val="accent1"/>
+          </a:fillRef>
+          <a:effectRef idx="0">
+            <a:schemeClr val="accent1"/>
+          </a:effectRef>
+          <a:fontRef idx="minor">
+            <a:schemeClr val="lt1"/>
+          </a:fontRef>
+        </p:style>
+        <p:txBody>
+          <a:bodyPr rtlCol="0" anchor="ctr"/>
+          <a:lstStyle/>
+          <a:p>
+            <a:pPr algn="ctr"/>
+            <a:r>
+              <a:rPr lang="en-US" altLang="zh-TW" dirty="0" err="1"/>
+              <a:t>payment_fail</a:t>
+            </a:r>
+            <a:endParaRPr lang="zh-TW" altLang="en-US" sz="1200" dirty="0"/>
+          </a:p>
+        </p:txBody>
+      </p:sp>
+      <p:sp>
+        <p:nvSpPr>
+          <p:cNvPr id="7" name="橢圓 6">
+            <a:extLst>
+              <a:ext uri="{FF2B5EF4-FFF2-40B4-BE49-F238E27FC236}">
+                <a16:creationId xmlns:a16="http://schemas.microsoft.com/office/drawing/2014/main" id="{48AB7FCE-9F46-4D7C-89F6-44FE5B33CC1E}"/>
+              </a:ext>
+            </a:extLst>
+          </p:cNvPr>
+          <p:cNvSpPr/>
+          <p:nvPr/>
+        </p:nvSpPr>
+        <p:spPr>
+          <a:xfrm>
+            <a:off x="4581331" y="229609"/>
+            <a:ext cx="2287697" cy="900360"/>
+          </a:xfrm>
+          <a:prstGeom prst="ellipse">
+            <a:avLst/>
+          </a:prstGeom>
+        </p:spPr>
+        <p:style>
+          <a:lnRef idx="2">
+            <a:schemeClr val="accent1">
+              <a:shade val="50000"/>
+            </a:schemeClr>
+          </a:lnRef>
+          <a:fillRef idx="1">
+            <a:schemeClr val="accent1"/>
+          </a:fillRef>
+          <a:effectRef idx="0">
+            <a:schemeClr val="accent1"/>
+          </a:effectRef>
+          <a:fontRef idx="minor">
+            <a:schemeClr val="lt1"/>
+          </a:fontRef>
+        </p:style>
+        <p:txBody>
+          <a:bodyPr rtlCol="0" anchor="ctr"/>
+          <a:lstStyle/>
+          <a:p>
+            <a:pPr algn="ctr"/>
+            <a:r>
+              <a:rPr lang="en-US" altLang="zh-TW" b="0" dirty="0" err="1">
+                <a:solidFill>
+                  <a:srgbClr val="EFEFEF"/>
+                </a:solidFill>
+                <a:effectLst/>
+                <a:latin typeface="Consolas" panose="020B0609020204030204" pitchFamily="49" charset="0"/>
+              </a:rPr>
+              <a:t>waiting_for_shipment</a:t>
+            </a:r>
+            <a:endParaRPr lang="en-US" altLang="zh-TW" dirty="0"/>
+          </a:p>
+        </p:txBody>
+      </p:sp>
+      <p:cxnSp>
+        <p:nvCxnSpPr>
+          <p:cNvPr id="9" name="直線接點 8">
+            <a:extLst>
+              <a:ext uri="{FF2B5EF4-FFF2-40B4-BE49-F238E27FC236}">
+                <a16:creationId xmlns:a16="http://schemas.microsoft.com/office/drawing/2014/main" id="{12A0D24B-3445-4CEB-BD64-E1CBC1E77CC8}"/>
+              </a:ext>
+            </a:extLst>
+          </p:cNvPr>
+          <p:cNvCxnSpPr>
+            <a:cxnSpLocks/>
+            <a:stCxn id="3" idx="5"/>
+            <a:endCxn id="2" idx="0"/>
+          </p:cNvCxnSpPr>
+          <p:nvPr/>
+        </p:nvCxnSpPr>
+        <p:spPr>
+          <a:xfrm>
+            <a:off x="1739690" y="2847044"/>
+            <a:ext cx="4356310" cy="1644746"/>
+          </a:xfrm>
+          <a:prstGeom prst="line">
+            <a:avLst/>
+          </a:prstGeom>
+        </p:spPr>
+        <p:style>
+          <a:lnRef idx="1">
+            <a:schemeClr val="accent1"/>
+          </a:lnRef>
+          <a:fillRef idx="0">
+            <a:schemeClr val="accent1"/>
+          </a:fillRef>
+          <a:effectRef idx="0">
+            <a:schemeClr val="accent1"/>
+          </a:effectRef>
+          <a:fontRef idx="minor">
+            <a:schemeClr val="tx1"/>
+          </a:fontRef>
+        </p:style>
+      </p:cxnSp>
+      <p:cxnSp>
+        <p:nvCxnSpPr>
+          <p:cNvPr id="13" name="直線接點 12">
+            <a:extLst>
+              <a:ext uri="{FF2B5EF4-FFF2-40B4-BE49-F238E27FC236}">
+                <a16:creationId xmlns:a16="http://schemas.microsoft.com/office/drawing/2014/main" id="{CDB50DE0-6F33-4C25-9198-49F8E907590D}"/>
+              </a:ext>
+            </a:extLst>
+          </p:cNvPr>
+          <p:cNvCxnSpPr>
+            <a:cxnSpLocks/>
+            <a:stCxn id="5" idx="5"/>
+            <a:endCxn id="2" idx="0"/>
+          </p:cNvCxnSpPr>
+          <p:nvPr/>
+        </p:nvCxnSpPr>
+        <p:spPr>
+          <a:xfrm>
+            <a:off x="3550317" y="1231986"/>
+            <a:ext cx="2545683" cy="3259804"/>
+          </a:xfrm>
+          <a:prstGeom prst="line">
+            <a:avLst/>
+          </a:prstGeom>
+        </p:spPr>
+        <p:style>
+          <a:lnRef idx="1">
+            <a:schemeClr val="accent1"/>
+          </a:lnRef>
+          <a:fillRef idx="0">
+            <a:schemeClr val="accent1"/>
+          </a:fillRef>
+          <a:effectRef idx="0">
+            <a:schemeClr val="accent1"/>
+          </a:effectRef>
+          <a:fontRef idx="minor">
+            <a:schemeClr val="tx1"/>
+          </a:fontRef>
+        </p:style>
+      </p:cxnSp>
+      <p:cxnSp>
+        <p:nvCxnSpPr>
+          <p:cNvPr id="17" name="直線接點 16">
+            <a:extLst>
+              <a:ext uri="{FF2B5EF4-FFF2-40B4-BE49-F238E27FC236}">
+                <a16:creationId xmlns:a16="http://schemas.microsoft.com/office/drawing/2014/main" id="{953411DC-CBD7-4A73-897E-FCDD1EB47C5B}"/>
+              </a:ext>
+            </a:extLst>
+          </p:cNvPr>
+          <p:cNvCxnSpPr>
+            <a:cxnSpLocks/>
+            <a:stCxn id="7" idx="4"/>
+            <a:endCxn id="2" idx="0"/>
+          </p:cNvCxnSpPr>
+          <p:nvPr/>
+        </p:nvCxnSpPr>
+        <p:spPr>
+          <a:xfrm>
+            <a:off x="5725180" y="1129969"/>
+            <a:ext cx="370820" cy="3361821"/>
+          </a:xfrm>
+          <a:prstGeom prst="line">
+            <a:avLst/>
+          </a:prstGeom>
+        </p:spPr>
+        <p:style>
+          <a:lnRef idx="1">
+            <a:schemeClr val="accent1"/>
+          </a:lnRef>
+          <a:fillRef idx="0">
+            <a:schemeClr val="accent1"/>
+          </a:fillRef>
+          <a:effectRef idx="0">
+            <a:schemeClr val="accent1"/>
+          </a:effectRef>
+          <a:fontRef idx="minor">
+            <a:schemeClr val="tx1"/>
+          </a:fontRef>
+        </p:style>
+      </p:cxnSp>
+      <p:sp>
+        <p:nvSpPr>
+          <p:cNvPr id="12" name="橢圓 11">
+            <a:extLst>
+              <a:ext uri="{FF2B5EF4-FFF2-40B4-BE49-F238E27FC236}">
+                <a16:creationId xmlns:a16="http://schemas.microsoft.com/office/drawing/2014/main" id="{CC42B511-0288-4533-9804-F0DE22DB7474}"/>
+              </a:ext>
+            </a:extLst>
+          </p:cNvPr>
+          <p:cNvSpPr/>
+          <p:nvPr/>
+        </p:nvSpPr>
+        <p:spPr>
+          <a:xfrm>
+            <a:off x="7902752" y="650714"/>
+            <a:ext cx="2451116" cy="900360"/>
+          </a:xfrm>
+          <a:prstGeom prst="ellipse">
+            <a:avLst/>
+          </a:prstGeom>
+        </p:spPr>
+        <p:style>
+          <a:lnRef idx="2">
+            <a:schemeClr val="accent1">
+              <a:shade val="50000"/>
+            </a:schemeClr>
+          </a:lnRef>
+          <a:fillRef idx="1">
+            <a:schemeClr val="accent1"/>
+          </a:fillRef>
+          <a:effectRef idx="0">
+            <a:schemeClr val="accent1"/>
+          </a:effectRef>
+          <a:fontRef idx="minor">
+            <a:schemeClr val="lt1"/>
+          </a:fontRef>
+        </p:style>
+        <p:txBody>
+          <a:bodyPr rtlCol="0" anchor="ctr"/>
+          <a:lstStyle/>
+          <a:p>
+            <a:pPr algn="ctr"/>
+            <a:r>
+              <a:rPr lang="en-US" altLang="zh-TW" b="0" dirty="0">
+                <a:solidFill>
+                  <a:srgbClr val="EFEFEF"/>
+                </a:solidFill>
+                <a:effectLst/>
+                <a:latin typeface="Consolas" panose="020B0609020204030204" pitchFamily="49" charset="0"/>
+              </a:rPr>
+              <a:t>Transporting</a:t>
+            </a:r>
+            <a:endParaRPr lang="en-US" altLang="zh-TW" dirty="0"/>
+          </a:p>
+        </p:txBody>
+      </p:sp>
+      <p:sp>
+        <p:nvSpPr>
+          <p:cNvPr id="14" name="橢圓 13">
+            <a:extLst>
+              <a:ext uri="{FF2B5EF4-FFF2-40B4-BE49-F238E27FC236}">
+                <a16:creationId xmlns:a16="http://schemas.microsoft.com/office/drawing/2014/main" id="{704B4263-A1A4-4604-AD21-54233E755580}"/>
+              </a:ext>
+            </a:extLst>
+          </p:cNvPr>
+          <p:cNvSpPr/>
+          <p:nvPr/>
+        </p:nvSpPr>
+        <p:spPr>
+          <a:xfrm>
+            <a:off x="9859878" y="1777173"/>
+            <a:ext cx="1867901" cy="778038"/>
+          </a:xfrm>
+          <a:prstGeom prst="ellipse">
+            <a:avLst/>
+          </a:prstGeom>
+        </p:spPr>
+        <p:style>
+          <a:lnRef idx="2">
+            <a:schemeClr val="accent1">
+              <a:shade val="50000"/>
+            </a:schemeClr>
+          </a:lnRef>
+          <a:fillRef idx="1">
+            <a:schemeClr val="accent1"/>
+          </a:fillRef>
+          <a:effectRef idx="0">
+            <a:schemeClr val="accent1"/>
+          </a:effectRef>
+          <a:fontRef idx="minor">
+            <a:schemeClr val="lt1"/>
+          </a:fontRef>
+        </p:style>
+        <p:txBody>
+          <a:bodyPr rtlCol="0" anchor="ctr"/>
+          <a:lstStyle/>
+          <a:p>
+            <a:pPr algn="ctr"/>
+            <a:r>
+              <a:rPr lang="en-US" altLang="zh-TW" b="0" dirty="0">
+                <a:solidFill>
+                  <a:srgbClr val="EFEFEF"/>
+                </a:solidFill>
+                <a:effectLst/>
+                <a:latin typeface="Consolas" panose="020B0609020204030204" pitchFamily="49" charset="0"/>
+              </a:rPr>
+              <a:t>completed</a:t>
+            </a:r>
+            <a:endParaRPr lang="en-US" altLang="zh-TW" dirty="0"/>
+          </a:p>
+        </p:txBody>
+      </p:sp>
+      <p:cxnSp>
+        <p:nvCxnSpPr>
+          <p:cNvPr id="15" name="直線接點 14">
+            <a:extLst>
+              <a:ext uri="{FF2B5EF4-FFF2-40B4-BE49-F238E27FC236}">
+                <a16:creationId xmlns:a16="http://schemas.microsoft.com/office/drawing/2014/main" id="{69A6663A-667D-4DD9-B263-D1953BC2DD68}"/>
+              </a:ext>
+            </a:extLst>
+          </p:cNvPr>
+          <p:cNvCxnSpPr>
+            <a:cxnSpLocks/>
+            <a:stCxn id="14" idx="3"/>
+            <a:endCxn id="2" idx="0"/>
+          </p:cNvCxnSpPr>
+          <p:nvPr/>
+        </p:nvCxnSpPr>
+        <p:spPr>
+          <a:xfrm flipH="1">
+            <a:off x="6096000" y="2441270"/>
+            <a:ext cx="4037426" cy="2050520"/>
+          </a:xfrm>
+          <a:prstGeom prst="line">
+            <a:avLst/>
+          </a:prstGeom>
+        </p:spPr>
+        <p:style>
+          <a:lnRef idx="1">
+            <a:schemeClr val="accent1"/>
+          </a:lnRef>
+          <a:fillRef idx="0">
+            <a:schemeClr val="accent1"/>
+          </a:fillRef>
+          <a:effectRef idx="0">
+            <a:schemeClr val="accent1"/>
+          </a:effectRef>
+          <a:fontRef idx="minor">
+            <a:schemeClr val="tx1"/>
+          </a:fontRef>
+        </p:style>
+      </p:cxnSp>
+      <p:cxnSp>
+        <p:nvCxnSpPr>
+          <p:cNvPr id="16" name="直線接點 15">
+            <a:extLst>
+              <a:ext uri="{FF2B5EF4-FFF2-40B4-BE49-F238E27FC236}">
+                <a16:creationId xmlns:a16="http://schemas.microsoft.com/office/drawing/2014/main" id="{FB38B66B-94A2-4ACA-8504-5FC3C6FB050C}"/>
+              </a:ext>
+            </a:extLst>
+          </p:cNvPr>
+          <p:cNvCxnSpPr>
+            <a:cxnSpLocks/>
+            <a:stCxn id="12" idx="3"/>
+            <a:endCxn id="2" idx="0"/>
+          </p:cNvCxnSpPr>
+          <p:nvPr/>
+        </p:nvCxnSpPr>
+        <p:spPr>
+          <a:xfrm flipH="1">
+            <a:off x="6096000" y="1419219"/>
+            <a:ext cx="2165710" cy="3072571"/>
+          </a:xfrm>
+          <a:prstGeom prst="line">
+            <a:avLst/>
+          </a:prstGeom>
+        </p:spPr>
+        <p:style>
+          <a:lnRef idx="1">
+            <a:schemeClr val="accent1"/>
+          </a:lnRef>
+          <a:fillRef idx="0">
+            <a:schemeClr val="accent1"/>
+          </a:fillRef>
+          <a:effectRef idx="0">
+            <a:schemeClr val="accent1"/>
+          </a:effectRef>
+          <a:fontRef idx="minor">
+            <a:schemeClr val="tx1"/>
+          </a:fontRef>
+        </p:style>
+      </p:cxnSp>
+      <p:sp>
+        <p:nvSpPr>
+          <p:cNvPr id="20" name="橢圓 19">
+            <a:extLst>
+              <a:ext uri="{FF2B5EF4-FFF2-40B4-BE49-F238E27FC236}">
+                <a16:creationId xmlns:a16="http://schemas.microsoft.com/office/drawing/2014/main" id="{783627EA-7B2E-1E52-84C9-B9F6CC8B1340}"/>
+              </a:ext>
+            </a:extLst>
+          </p:cNvPr>
+          <p:cNvSpPr/>
+          <p:nvPr/>
+        </p:nvSpPr>
+        <p:spPr>
+          <a:xfrm>
+            <a:off x="10245554" y="3161096"/>
+            <a:ext cx="1867901" cy="778038"/>
+          </a:xfrm>
+          <a:prstGeom prst="ellipse">
+            <a:avLst/>
+          </a:prstGeom>
+        </p:spPr>
+        <p:style>
+          <a:lnRef idx="2">
+            <a:schemeClr val="accent1">
+              <a:shade val="50000"/>
+            </a:schemeClr>
+          </a:lnRef>
+          <a:fillRef idx="1">
+            <a:schemeClr val="accent1"/>
+          </a:fillRef>
+          <a:effectRef idx="0">
+            <a:schemeClr val="accent1"/>
+          </a:effectRef>
+          <a:fontRef idx="minor">
+            <a:schemeClr val="lt1"/>
+          </a:fontRef>
+        </p:style>
+        <p:txBody>
+          <a:bodyPr rtlCol="0" anchor="ctr"/>
+          <a:lstStyle/>
+          <a:p>
+            <a:pPr algn="ctr"/>
+            <a:r>
+              <a:rPr lang="en-US" altLang="zh-TW" b="0" dirty="0">
+                <a:solidFill>
+                  <a:srgbClr val="EFEFEF"/>
+                </a:solidFill>
+                <a:effectLst/>
+                <a:latin typeface="Consolas" panose="020B0609020204030204" pitchFamily="49" charset="0"/>
+              </a:rPr>
+              <a:t>cancelled</a:t>
+            </a:r>
+            <a:endParaRPr lang="en-US" altLang="zh-TW" dirty="0"/>
+          </a:p>
+        </p:txBody>
+      </p:sp>
+      <p:cxnSp>
+        <p:nvCxnSpPr>
+          <p:cNvPr id="22" name="直線接點 21">
+            <a:extLst>
+              <a:ext uri="{FF2B5EF4-FFF2-40B4-BE49-F238E27FC236}">
+                <a16:creationId xmlns:a16="http://schemas.microsoft.com/office/drawing/2014/main" id="{40F24FA2-B2E0-F632-A75C-29E4798B2B8C}"/>
+              </a:ext>
+            </a:extLst>
+          </p:cNvPr>
+          <p:cNvCxnSpPr>
+            <a:stCxn id="20" idx="2"/>
+            <a:endCxn id="2" idx="0"/>
+          </p:cNvCxnSpPr>
+          <p:nvPr/>
+        </p:nvCxnSpPr>
+        <p:spPr>
+          <a:xfrm flipH="1">
+            <a:off x="6096000" y="3550115"/>
+            <a:ext cx="4149554" cy="941675"/>
+          </a:xfrm>
+          <a:prstGeom prst="line">
+            <a:avLst/>
+          </a:prstGeom>
+        </p:spPr>
+        <p:style>
+          <a:lnRef idx="1">
+            <a:schemeClr val="accent1"/>
+          </a:lnRef>
+          <a:fillRef idx="0">
+            <a:schemeClr val="accent1"/>
+          </a:fillRef>
+          <a:effectRef idx="0">
+            <a:schemeClr val="accent1"/>
+          </a:effectRef>
+          <a:fontRef idx="minor">
+            <a:schemeClr val="tx1"/>
+          </a:fontRef>
+        </p:style>
+      </p:cxnSp>
+    </p:spTree>
+    <p:extLst>
+      <p:ext uri="{BB962C8B-B14F-4D97-AF65-F5344CB8AC3E}">
+        <p14:creationId xmlns:p14="http://schemas.microsoft.com/office/powerpoint/2010/main" val="915062913"/>
+      </p:ext>
+    </p:extLst>
+  </p:cSld>
+  <p:clrMapOvr>
+    <a:masterClrMapping/>
+  </p:clrMapOvr>
+</p:sld>
+</file>
+
+<file path=ppt/slides/slide21.xml><?xml version="1.0" encoding="utf-8"?>
+<p:sld xmlns:a="http://schemas.openxmlformats.org/drawingml/2006/main" xmlns:r="http://schemas.openxmlformats.org/officeDocument/2006/relationships" xmlns:p="http://schemas.openxmlformats.org/presentationml/2006/main">
+  <p:cSld>
+    <p:spTree>
+      <p:nvGrpSpPr>
+        <p:cNvPr id="1" name=""/>
+        <p:cNvGrpSpPr/>
+        <p:nvPr/>
+      </p:nvGrpSpPr>
+      <p:grpSpPr>
+        <a:xfrm>
+          <a:off x="0" y="0"/>
+          <a:ext cx="0" cy="0"/>
+          <a:chOff x="0" y="0"/>
+          <a:chExt cx="0" cy="0"/>
+        </a:xfrm>
+      </p:grpSpPr>
+      <p:sp>
+        <p:nvSpPr>
+          <p:cNvPr id="3" name="文字方塊 2">
+            <a:extLst>
+              <a:ext uri="{FF2B5EF4-FFF2-40B4-BE49-F238E27FC236}">
+                <a16:creationId xmlns:a16="http://schemas.microsoft.com/office/drawing/2014/main" id="{101505C3-4B6E-4C2C-9385-6D1A467EC7C6}"/>
+              </a:ext>
+            </a:extLst>
+          </p:cNvPr>
+          <p:cNvSpPr txBox="1"/>
+          <p:nvPr/>
+        </p:nvSpPr>
+        <p:spPr>
+          <a:xfrm>
+            <a:off x="469231" y="139169"/>
+            <a:ext cx="11253538" cy="954107"/>
+          </a:xfrm>
+          <a:prstGeom prst="rect">
+            <a:avLst/>
+          </a:prstGeom>
+          <a:noFill/>
+        </p:spPr>
+        <p:txBody>
+          <a:bodyPr wrap="square">
+            <a:spAutoFit/>
+          </a:bodyPr>
+          <a:lstStyle/>
+          <a:p>
+            <a:r>
+              <a:rPr lang="en-US" altLang="zh-TW" sz="3200" dirty="0"/>
+              <a:t>order_id  </a:t>
+            </a:r>
+          </a:p>
+          <a:p>
+            <a:r>
+              <a:rPr lang="en-US" altLang="zh-TW" sz="2400" dirty="0"/>
+              <a:t>CharField(verbose_name = "</a:t>
+            </a:r>
+            <a:r>
+              <a:rPr lang="zh-TW" altLang="en-US" sz="2400" dirty="0"/>
+              <a:t>商品編號</a:t>
+            </a:r>
+            <a:r>
+              <a:rPr lang="en-US" altLang="zh-TW" sz="2400" dirty="0"/>
+              <a:t>", db_index = True, max_length=20)</a:t>
+            </a:r>
+            <a:endParaRPr lang="zh-TW" altLang="en-US" sz="1200" dirty="0"/>
+          </a:p>
+        </p:txBody>
+      </p:sp>
+      <p:sp>
+        <p:nvSpPr>
+          <p:cNvPr id="4" name="文字方塊 3">
+            <a:extLst>
+              <a:ext uri="{FF2B5EF4-FFF2-40B4-BE49-F238E27FC236}">
+                <a16:creationId xmlns:a16="http://schemas.microsoft.com/office/drawing/2014/main" id="{00DA346E-4BBF-4269-B59B-B7FB1F533DFB}"/>
+              </a:ext>
+            </a:extLst>
+          </p:cNvPr>
+          <p:cNvSpPr txBox="1"/>
+          <p:nvPr/>
+        </p:nvSpPr>
+        <p:spPr>
+          <a:xfrm>
+            <a:off x="469231" y="1185609"/>
+            <a:ext cx="11253538" cy="954107"/>
+          </a:xfrm>
+          <a:prstGeom prst="rect">
+            <a:avLst/>
+          </a:prstGeom>
+          <a:noFill/>
+        </p:spPr>
+        <p:txBody>
+          <a:bodyPr wrap="square">
+            <a:spAutoFit/>
+          </a:bodyPr>
+          <a:lstStyle/>
+          <a:p>
+            <a:r>
+              <a:rPr lang="en-US" altLang="zh-TW" sz="3200" dirty="0"/>
+              <a:t>email</a:t>
+            </a:r>
+          </a:p>
+          <a:p>
+            <a:r>
+              <a:rPr lang="en-US" altLang="zh-TW" sz="2400" dirty="0"/>
+              <a:t>CharField(verbose_name = "</a:t>
+            </a:r>
+            <a:r>
+              <a:rPr lang="zh-TW" altLang="en-US" sz="2400" dirty="0"/>
+              <a:t>電子信箱</a:t>
+            </a:r>
+            <a:r>
+              <a:rPr lang="en-US" altLang="zh-TW" sz="2400" dirty="0"/>
+              <a:t>",</a:t>
+            </a:r>
+            <a:r>
+              <a:rPr lang="zh-TW" altLang="en-US" sz="2400" dirty="0"/>
+              <a:t> </a:t>
+            </a:r>
+            <a:r>
+              <a:rPr lang="en-US" altLang="zh-TW" sz="2400" dirty="0" err="1"/>
+              <a:t>max_length</a:t>
+            </a:r>
+            <a:r>
+              <a:rPr lang="en-US" altLang="zh-TW" sz="2400" dirty="0"/>
+              <a:t>=255)</a:t>
+            </a:r>
+            <a:endParaRPr lang="en-US" altLang="zh-TW" sz="3200" u="sng" dirty="0"/>
+          </a:p>
+        </p:txBody>
+      </p:sp>
+      <p:sp>
+        <p:nvSpPr>
+          <p:cNvPr id="6" name="文字方塊 5">
+            <a:extLst>
+              <a:ext uri="{FF2B5EF4-FFF2-40B4-BE49-F238E27FC236}">
+                <a16:creationId xmlns:a16="http://schemas.microsoft.com/office/drawing/2014/main" id="{CB3DE963-62C8-425D-94E0-815588270CBE}"/>
+              </a:ext>
+            </a:extLst>
+          </p:cNvPr>
+          <p:cNvSpPr txBox="1"/>
+          <p:nvPr/>
+        </p:nvSpPr>
+        <p:spPr>
+          <a:xfrm>
+            <a:off x="469231" y="2232049"/>
+            <a:ext cx="11492614" cy="1323439"/>
+          </a:xfrm>
+          <a:prstGeom prst="rect">
+            <a:avLst/>
+          </a:prstGeom>
+          <a:noFill/>
+        </p:spPr>
+        <p:txBody>
+          <a:bodyPr wrap="square">
+            <a:spAutoFit/>
+          </a:bodyPr>
+          <a:lstStyle/>
+          <a:p>
+            <a:r>
+              <a:rPr lang="en-US" altLang="zh-TW" sz="3200" dirty="0"/>
+              <a:t>product</a:t>
+            </a:r>
+            <a:endParaRPr lang="en-US" altLang="zh-TW" dirty="0"/>
+          </a:p>
+          <a:p>
+            <a:r>
+              <a:rPr lang="en-US" altLang="zh-TW" sz="2400" dirty="0"/>
+              <a:t>ManyToManyField('</a:t>
+            </a:r>
+            <a:r>
+              <a:rPr lang="en-US" altLang="zh-TW" sz="2400" dirty="0" err="1"/>
+              <a:t>products.Product</a:t>
+            </a:r>
+            <a:r>
+              <a:rPr lang="en-US" altLang="zh-TW" sz="2400" dirty="0"/>
+              <a:t>', Verbose_name = "</a:t>
+            </a:r>
+            <a:r>
+              <a:rPr lang="zh-TW" altLang="en-US" sz="2400" dirty="0"/>
+              <a:t>商品介紹</a:t>
+            </a:r>
+            <a:r>
+              <a:rPr lang="en-US" altLang="zh-TW" sz="2400" dirty="0"/>
+              <a:t>",</a:t>
+            </a:r>
+            <a:r>
+              <a:rPr lang="zh-TW" altLang="en-US" sz="2400" dirty="0"/>
+              <a:t> </a:t>
+            </a:r>
+            <a:r>
+              <a:rPr lang="en-US" altLang="zh-TW" sz="2400" dirty="0" err="1"/>
+              <a:t>related_name</a:t>
+            </a:r>
+            <a:r>
+              <a:rPr lang="en-US" altLang="zh-TW" sz="2400" dirty="0"/>
+              <a:t>='</a:t>
+            </a:r>
+            <a:r>
+              <a:rPr lang="en-US" altLang="zh-TW" sz="2400" dirty="0" err="1"/>
+              <a:t>order_set</a:t>
+            </a:r>
+            <a:r>
+              <a:rPr lang="en-US" altLang="zh-TW" sz="2400" dirty="0"/>
+              <a:t>', through='</a:t>
+            </a:r>
+            <a:r>
+              <a:rPr lang="en-US" altLang="zh-TW" sz="2400" dirty="0" err="1"/>
+              <a:t>products.RelationalProduct</a:t>
+            </a:r>
+            <a:r>
+              <a:rPr lang="en-US" altLang="zh-TW" sz="2400" dirty="0"/>
+              <a:t>')</a:t>
+            </a:r>
+            <a:endParaRPr lang="zh-TW" altLang="en-US" sz="1200" dirty="0"/>
+          </a:p>
+        </p:txBody>
+      </p:sp>
+      <p:sp>
+        <p:nvSpPr>
+          <p:cNvPr id="7" name="文字方塊 6">
+            <a:extLst>
+              <a:ext uri="{FF2B5EF4-FFF2-40B4-BE49-F238E27FC236}">
+                <a16:creationId xmlns:a16="http://schemas.microsoft.com/office/drawing/2014/main" id="{9AC365DB-E8CE-4722-847E-55DF0832657C}"/>
+              </a:ext>
+            </a:extLst>
+          </p:cNvPr>
+          <p:cNvSpPr txBox="1"/>
+          <p:nvPr/>
+        </p:nvSpPr>
+        <p:spPr>
+          <a:xfrm>
+            <a:off x="469231" y="3647821"/>
+            <a:ext cx="11253538" cy="954107"/>
+          </a:xfrm>
+          <a:prstGeom prst="rect">
+            <a:avLst/>
+          </a:prstGeom>
+          <a:noFill/>
+        </p:spPr>
+        <p:txBody>
+          <a:bodyPr wrap="square">
+            <a:spAutoFit/>
+          </a:bodyPr>
+          <a:lstStyle/>
+          <a:p>
+            <a:r>
+              <a:rPr lang="en-US" altLang="zh-TW" sz="3200" dirty="0"/>
+              <a:t>name</a:t>
+            </a:r>
+            <a:endParaRPr lang="en-US" altLang="zh-TW" dirty="0"/>
+          </a:p>
+          <a:p>
+            <a:r>
+              <a:rPr lang="en-US" altLang="zh-TW" sz="2400" dirty="0"/>
+              <a:t>CharField(verbose_name = "</a:t>
+            </a:r>
+            <a:r>
+              <a:rPr lang="zh-TW" altLang="en-US" sz="2400" dirty="0"/>
+              <a:t>名稱</a:t>
+            </a:r>
+            <a:r>
+              <a:rPr lang="en-US" altLang="zh-TW" sz="2400" dirty="0"/>
+              <a:t>", max_length=50)</a:t>
+            </a:r>
+            <a:endParaRPr lang="zh-TW" altLang="en-US" sz="1200" dirty="0"/>
+          </a:p>
+        </p:txBody>
+      </p:sp>
+      <p:sp>
+        <p:nvSpPr>
+          <p:cNvPr id="8" name="文字方塊 7">
+            <a:extLst>
+              <a:ext uri="{FF2B5EF4-FFF2-40B4-BE49-F238E27FC236}">
+                <a16:creationId xmlns:a16="http://schemas.microsoft.com/office/drawing/2014/main" id="{DA20CF74-33BF-4ADB-8006-45A551E9830C}"/>
+              </a:ext>
+            </a:extLst>
+          </p:cNvPr>
+          <p:cNvSpPr txBox="1"/>
+          <p:nvPr/>
+        </p:nvSpPr>
+        <p:spPr>
+          <a:xfrm>
+            <a:off x="469231" y="4694261"/>
+            <a:ext cx="11253538" cy="1138773"/>
+          </a:xfrm>
+          <a:prstGeom prst="rect">
+            <a:avLst/>
+          </a:prstGeom>
+          <a:noFill/>
+        </p:spPr>
+        <p:txBody>
+          <a:bodyPr wrap="square">
+            <a:spAutoFit/>
+          </a:bodyPr>
+          <a:lstStyle/>
+          <a:p>
+            <a:r>
+              <a:rPr lang="en-US" altLang="zh-TW" sz="3200" dirty="0"/>
+              <a:t>phone </a:t>
+            </a:r>
+            <a:endParaRPr lang="en-US" altLang="zh-TW" dirty="0"/>
+          </a:p>
+          <a:p>
+            <a:r>
+              <a:rPr lang="en-US" altLang="zh-TW" sz="2400" dirty="0"/>
+              <a:t>CharField(verbose_name = "</a:t>
+            </a:r>
+            <a:r>
+              <a:rPr lang="zh-TW" altLang="en-US" sz="2400" dirty="0"/>
+              <a:t>電話</a:t>
+            </a:r>
+            <a:r>
+              <a:rPr lang="en-US" altLang="zh-TW" sz="2400" dirty="0"/>
+              <a:t>", max_length=50 )</a:t>
+            </a:r>
+          </a:p>
+          <a:p>
+            <a:endParaRPr lang="zh-TW" altLang="en-US" sz="1200" dirty="0"/>
+          </a:p>
+        </p:txBody>
+      </p:sp>
+    </p:spTree>
+    <p:extLst>
+      <p:ext uri="{BB962C8B-B14F-4D97-AF65-F5344CB8AC3E}">
+        <p14:creationId xmlns:p14="http://schemas.microsoft.com/office/powerpoint/2010/main" val="3052498576"/>
+      </p:ext>
+    </p:extLst>
+  </p:cSld>
+  <p:clrMapOvr>
+    <a:masterClrMapping/>
+  </p:clrMapOvr>
+</p:sld>
+</file>
+
+<file path=ppt/slides/slide22.xml><?xml version="1.0" encoding="utf-8"?>
+<p:sld xmlns:a="http://schemas.openxmlformats.org/drawingml/2006/main" xmlns:r="http://schemas.openxmlformats.org/officeDocument/2006/relationships" xmlns:p="http://schemas.openxmlformats.org/presentationml/2006/main">
+  <p:cSld>
+    <p:spTree>
+      <p:nvGrpSpPr>
+        <p:cNvPr id="1" name=""/>
+        <p:cNvGrpSpPr/>
+        <p:nvPr/>
+      </p:nvGrpSpPr>
+      <p:grpSpPr>
+        <a:xfrm>
+          <a:off x="0" y="0"/>
+          <a:ext cx="0" cy="0"/>
+          <a:chOff x="0" y="0"/>
+          <a:chExt cx="0" cy="0"/>
+        </a:xfrm>
+      </p:grpSpPr>
+      <p:sp>
+        <p:nvSpPr>
+          <p:cNvPr id="3" name="文字方塊 2">
+            <a:extLst>
+              <a:ext uri="{FF2B5EF4-FFF2-40B4-BE49-F238E27FC236}">
+                <a16:creationId xmlns:a16="http://schemas.microsoft.com/office/drawing/2014/main" id="{101505C3-4B6E-4C2C-9385-6D1A467EC7C6}"/>
+              </a:ext>
+            </a:extLst>
+          </p:cNvPr>
+          <p:cNvSpPr txBox="1"/>
+          <p:nvPr/>
+        </p:nvSpPr>
+        <p:spPr>
+          <a:xfrm>
+            <a:off x="469231" y="139169"/>
+            <a:ext cx="11253538" cy="954107"/>
+          </a:xfrm>
+          <a:prstGeom prst="rect">
+            <a:avLst/>
+          </a:prstGeom>
+          <a:noFill/>
+        </p:spPr>
+        <p:txBody>
+          <a:bodyPr wrap="square">
+            <a:spAutoFit/>
+          </a:bodyPr>
+          <a:lstStyle/>
+          <a:p>
+            <a:r>
+              <a:rPr lang="en-US" altLang="zh-TW" sz="3200" dirty="0"/>
+              <a:t>district </a:t>
+            </a:r>
+          </a:p>
+          <a:p>
+            <a:r>
+              <a:rPr lang="en-US" altLang="zh-TW" sz="2400" dirty="0"/>
+              <a:t>CharField(verbose_name = "</a:t>
+            </a:r>
+            <a:r>
+              <a:rPr lang="zh-TW" altLang="en-US" sz="2400" dirty="0"/>
+              <a:t>區</a:t>
+            </a:r>
+            <a:r>
+              <a:rPr lang="en-US" altLang="zh-TW" sz="2400" dirty="0"/>
+              <a:t>", max_length=50)</a:t>
+            </a:r>
+            <a:endParaRPr lang="zh-TW" altLang="en-US" sz="1200" dirty="0"/>
+          </a:p>
+        </p:txBody>
+      </p:sp>
+      <p:sp>
+        <p:nvSpPr>
+          <p:cNvPr id="4" name="文字方塊 3">
+            <a:extLst>
+              <a:ext uri="{FF2B5EF4-FFF2-40B4-BE49-F238E27FC236}">
+                <a16:creationId xmlns:a16="http://schemas.microsoft.com/office/drawing/2014/main" id="{00DA346E-4BBF-4269-B59B-B7FB1F533DFB}"/>
+              </a:ext>
+            </a:extLst>
+          </p:cNvPr>
+          <p:cNvSpPr txBox="1"/>
+          <p:nvPr/>
+        </p:nvSpPr>
+        <p:spPr>
+          <a:xfrm>
+            <a:off x="469231" y="1185609"/>
+            <a:ext cx="11253538" cy="954107"/>
+          </a:xfrm>
+          <a:prstGeom prst="rect">
+            <a:avLst/>
+          </a:prstGeom>
+          <a:noFill/>
+        </p:spPr>
+        <p:txBody>
+          <a:bodyPr wrap="square">
+            <a:spAutoFit/>
+          </a:bodyPr>
+          <a:lstStyle/>
+          <a:p>
+            <a:r>
+              <a:rPr lang="en-US" altLang="zh-TW" sz="3200" dirty="0" err="1"/>
+              <a:t>zipcode</a:t>
+            </a:r>
+            <a:r>
+              <a:rPr lang="en-US" altLang="zh-TW" sz="3200" dirty="0"/>
+              <a:t> </a:t>
+            </a:r>
+          </a:p>
+          <a:p>
+            <a:r>
+              <a:rPr lang="en-US" altLang="zh-TW" sz="2400" dirty="0"/>
+              <a:t>CharField(verbose_name = "</a:t>
+            </a:r>
+            <a:r>
+              <a:rPr lang="zh-TW" altLang="en-US" sz="2400" dirty="0"/>
+              <a:t>郵政編碼</a:t>
+            </a:r>
+            <a:r>
+              <a:rPr lang="en-US" altLang="zh-TW" sz="2400" dirty="0"/>
+              <a:t>", max_length=50)</a:t>
+            </a:r>
+            <a:endParaRPr lang="en-US" altLang="zh-TW" sz="3200" u="sng" dirty="0"/>
+          </a:p>
+        </p:txBody>
+      </p:sp>
+      <p:sp>
+        <p:nvSpPr>
+          <p:cNvPr id="6" name="文字方塊 5">
+            <a:extLst>
+              <a:ext uri="{FF2B5EF4-FFF2-40B4-BE49-F238E27FC236}">
+                <a16:creationId xmlns:a16="http://schemas.microsoft.com/office/drawing/2014/main" id="{CB3DE963-62C8-425D-94E0-815588270CBE}"/>
+              </a:ext>
+            </a:extLst>
+          </p:cNvPr>
+          <p:cNvSpPr txBox="1"/>
+          <p:nvPr/>
+        </p:nvSpPr>
+        <p:spPr>
+          <a:xfrm>
+            <a:off x="469231" y="2232049"/>
+            <a:ext cx="11253538" cy="954107"/>
+          </a:xfrm>
+          <a:prstGeom prst="rect">
+            <a:avLst/>
+          </a:prstGeom>
+          <a:noFill/>
+        </p:spPr>
+        <p:txBody>
+          <a:bodyPr wrap="square">
+            <a:spAutoFit/>
+          </a:bodyPr>
+          <a:lstStyle/>
+          <a:p>
+            <a:r>
+              <a:rPr lang="en-US" altLang="zh-TW" sz="3200" dirty="0"/>
+              <a:t>address </a:t>
+            </a:r>
+            <a:endParaRPr lang="en-US" altLang="zh-TW" dirty="0"/>
+          </a:p>
+          <a:p>
+            <a:r>
+              <a:rPr lang="en-US" altLang="zh-TW" sz="2400" dirty="0"/>
+              <a:t>CharField(Verbose_name = "</a:t>
+            </a:r>
+            <a:r>
+              <a:rPr lang="zh-TW" altLang="en-US" sz="2400" dirty="0"/>
+              <a:t>地址</a:t>
+            </a:r>
+            <a:r>
+              <a:rPr lang="en-US" altLang="zh-TW" sz="2400" dirty="0"/>
+              <a:t>", max_length=255)</a:t>
+            </a:r>
+            <a:endParaRPr lang="zh-TW" altLang="en-US" sz="1200" dirty="0"/>
+          </a:p>
+        </p:txBody>
+      </p:sp>
+      <p:sp>
+        <p:nvSpPr>
+          <p:cNvPr id="7" name="文字方塊 6">
+            <a:extLst>
+              <a:ext uri="{FF2B5EF4-FFF2-40B4-BE49-F238E27FC236}">
+                <a16:creationId xmlns:a16="http://schemas.microsoft.com/office/drawing/2014/main" id="{9AC365DB-E8CE-4722-847E-55DF0832657C}"/>
+              </a:ext>
+            </a:extLst>
+          </p:cNvPr>
+          <p:cNvSpPr txBox="1"/>
+          <p:nvPr/>
+        </p:nvSpPr>
+        <p:spPr>
+          <a:xfrm>
+            <a:off x="469231" y="3278489"/>
+            <a:ext cx="11253538" cy="954107"/>
+          </a:xfrm>
+          <a:prstGeom prst="rect">
+            <a:avLst/>
+          </a:prstGeom>
+          <a:noFill/>
+        </p:spPr>
+        <p:txBody>
+          <a:bodyPr wrap="square">
+            <a:spAutoFit/>
+          </a:bodyPr>
+          <a:lstStyle/>
+          <a:p>
+            <a:r>
+              <a:rPr lang="en-US" altLang="zh-TW" sz="3200" dirty="0"/>
+              <a:t>total </a:t>
+            </a:r>
+            <a:endParaRPr lang="en-US" altLang="zh-TW" dirty="0"/>
+          </a:p>
+          <a:p>
+            <a:r>
+              <a:rPr lang="en-US" altLang="zh-TW" sz="2400" dirty="0"/>
+              <a:t>PositiveIntegerField(verbose_name = "</a:t>
+            </a:r>
+            <a:r>
+              <a:rPr lang="zh-TW" altLang="en-US" sz="2400" dirty="0"/>
+              <a:t>總金額</a:t>
+            </a:r>
+            <a:r>
+              <a:rPr lang="en-US" altLang="zh-TW" sz="2400" dirty="0"/>
+              <a:t>", default=0)</a:t>
+            </a:r>
+            <a:endParaRPr lang="zh-TW" altLang="en-US" sz="1200" dirty="0"/>
+          </a:p>
+        </p:txBody>
+      </p:sp>
+      <p:sp>
+        <p:nvSpPr>
+          <p:cNvPr id="8" name="文字方塊 7">
+            <a:extLst>
+              <a:ext uri="{FF2B5EF4-FFF2-40B4-BE49-F238E27FC236}">
+                <a16:creationId xmlns:a16="http://schemas.microsoft.com/office/drawing/2014/main" id="{DA20CF74-33BF-4ADB-8006-45A551E9830C}"/>
+              </a:ext>
+            </a:extLst>
+          </p:cNvPr>
+          <p:cNvSpPr txBox="1"/>
+          <p:nvPr/>
+        </p:nvSpPr>
+        <p:spPr>
+          <a:xfrm>
+            <a:off x="469231" y="4324929"/>
+            <a:ext cx="11253538" cy="1138773"/>
+          </a:xfrm>
+          <a:prstGeom prst="rect">
+            <a:avLst/>
+          </a:prstGeom>
+          <a:noFill/>
+        </p:spPr>
+        <p:txBody>
+          <a:bodyPr wrap="square">
+            <a:spAutoFit/>
+          </a:bodyPr>
+          <a:lstStyle/>
+          <a:p>
+            <a:r>
+              <a:rPr lang="en-US" altLang="zh-TW" sz="3200" dirty="0"/>
+              <a:t>created  </a:t>
+            </a:r>
+            <a:endParaRPr lang="en-US" altLang="zh-TW" dirty="0"/>
+          </a:p>
+          <a:p>
+            <a:r>
+              <a:rPr lang="en-US" altLang="zh-TW" sz="2400" dirty="0" err="1"/>
+              <a:t>DateTimeField</a:t>
+            </a:r>
+            <a:r>
+              <a:rPr lang="en-US" altLang="zh-TW" sz="2400" dirty="0"/>
+              <a:t>(verbose_name = "</a:t>
+            </a:r>
+            <a:r>
+              <a:rPr lang="zh-TW" altLang="en-US" sz="2400" dirty="0"/>
+              <a:t>創建時間</a:t>
+            </a:r>
+            <a:r>
+              <a:rPr lang="en-US" altLang="zh-TW" sz="2400" dirty="0"/>
+              <a:t>", </a:t>
+            </a:r>
+            <a:r>
+              <a:rPr lang="en-US" altLang="zh-TW" sz="2400" dirty="0" err="1"/>
+              <a:t>auto_now_add</a:t>
+            </a:r>
+            <a:r>
+              <a:rPr lang="en-US" altLang="zh-TW" sz="2400" dirty="0"/>
+              <a:t>=True)</a:t>
+            </a:r>
+          </a:p>
+          <a:p>
+            <a:endParaRPr lang="zh-TW" altLang="en-US" sz="1200" dirty="0"/>
+          </a:p>
+        </p:txBody>
+      </p:sp>
+      <p:sp>
+        <p:nvSpPr>
+          <p:cNvPr id="2" name="文字方塊 1">
+            <a:extLst>
+              <a:ext uri="{FF2B5EF4-FFF2-40B4-BE49-F238E27FC236}">
+                <a16:creationId xmlns:a16="http://schemas.microsoft.com/office/drawing/2014/main" id="{33DF81BF-31A8-BBA7-0B57-F5CCEB435E8A}"/>
+              </a:ext>
+            </a:extLst>
+          </p:cNvPr>
+          <p:cNvSpPr txBox="1"/>
+          <p:nvPr/>
+        </p:nvSpPr>
+        <p:spPr>
+          <a:xfrm>
+            <a:off x="469231" y="5556035"/>
+            <a:ext cx="11253538" cy="1138773"/>
+          </a:xfrm>
+          <a:prstGeom prst="rect">
+            <a:avLst/>
+          </a:prstGeom>
+          <a:noFill/>
+        </p:spPr>
+        <p:txBody>
+          <a:bodyPr wrap="square">
+            <a:spAutoFit/>
+          </a:bodyPr>
+          <a:lstStyle/>
+          <a:p>
+            <a:r>
+              <a:rPr lang="en-US" altLang="zh-TW" sz="3200" dirty="0"/>
+              <a:t>modified   </a:t>
+            </a:r>
+            <a:endParaRPr lang="en-US" altLang="zh-TW" dirty="0"/>
+          </a:p>
+          <a:p>
+            <a:r>
+              <a:rPr lang="en-US" altLang="zh-TW" sz="2400" dirty="0" err="1"/>
+              <a:t>DateTimeField</a:t>
+            </a:r>
+            <a:r>
+              <a:rPr lang="en-US" altLang="zh-TW" sz="2400" dirty="0"/>
+              <a:t>(verbose_name = "</a:t>
+            </a:r>
+            <a:r>
+              <a:rPr lang="zh-TW" altLang="en-US" sz="2400" dirty="0"/>
+              <a:t>最後修改時間</a:t>
+            </a:r>
+            <a:r>
+              <a:rPr lang="en-US" altLang="zh-TW" sz="2400" dirty="0"/>
+              <a:t>", </a:t>
+            </a:r>
+            <a:r>
+              <a:rPr lang="en-US" altLang="zh-TW" sz="2400" dirty="0" err="1"/>
+              <a:t>auto_now_add</a:t>
+            </a:r>
+            <a:r>
+              <a:rPr lang="en-US" altLang="zh-TW" sz="2400" dirty="0"/>
+              <a:t>=True)</a:t>
+            </a:r>
+          </a:p>
+          <a:p>
+            <a:endParaRPr lang="zh-TW" altLang="en-US" sz="1200" dirty="0"/>
+          </a:p>
+        </p:txBody>
+      </p:sp>
+    </p:spTree>
+    <p:extLst>
+      <p:ext uri="{BB962C8B-B14F-4D97-AF65-F5344CB8AC3E}">
+        <p14:creationId xmlns:p14="http://schemas.microsoft.com/office/powerpoint/2010/main" val="1711656283"/>
+      </p:ext>
+    </p:extLst>
+  </p:cSld>
+  <p:clrMapOvr>
+    <a:masterClrMapping/>
+  </p:clrMapOvr>
+</p:sld>
+</file>
+
+<file path=ppt/slides/slide23.xml><?xml version="1.0" encoding="utf-8"?>
+<p:sld xmlns:a="http://schemas.openxmlformats.org/drawingml/2006/main" xmlns:r="http://schemas.openxmlformats.org/officeDocument/2006/relationships" xmlns:p="http://schemas.openxmlformats.org/presentationml/2006/main">
+  <p:cSld>
+    <p:spTree>
+      <p:nvGrpSpPr>
+        <p:cNvPr id="1" name=""/>
+        <p:cNvGrpSpPr/>
+        <p:nvPr/>
+      </p:nvGrpSpPr>
+      <p:grpSpPr>
+        <a:xfrm>
+          <a:off x="0" y="0"/>
+          <a:ext cx="0" cy="0"/>
+          <a:chOff x="0" y="0"/>
+          <a:chExt cx="0" cy="0"/>
+        </a:xfrm>
+      </p:grpSpPr>
+      <p:sp>
+        <p:nvSpPr>
+          <p:cNvPr id="3" name="文字方塊 2">
+            <a:extLst>
+              <a:ext uri="{FF2B5EF4-FFF2-40B4-BE49-F238E27FC236}">
+                <a16:creationId xmlns:a16="http://schemas.microsoft.com/office/drawing/2014/main" id="{101505C3-4B6E-4C2C-9385-6D1A467EC7C6}"/>
+              </a:ext>
+            </a:extLst>
+          </p:cNvPr>
+          <p:cNvSpPr txBox="1"/>
+          <p:nvPr/>
+        </p:nvSpPr>
+        <p:spPr>
+          <a:xfrm>
+            <a:off x="469231" y="139169"/>
+            <a:ext cx="11253538" cy="954107"/>
+          </a:xfrm>
+          <a:prstGeom prst="rect">
+            <a:avLst/>
+          </a:prstGeom>
+          <a:noFill/>
+        </p:spPr>
+        <p:txBody>
+          <a:bodyPr wrap="square">
+            <a:spAutoFit/>
+          </a:bodyPr>
+          <a:lstStyle/>
+          <a:p>
+            <a:r>
+              <a:rPr lang="en-US" altLang="zh-TW" sz="3200" dirty="0"/>
+              <a:t>Unpaid</a:t>
+            </a:r>
+          </a:p>
+          <a:p>
+            <a:r>
+              <a:rPr lang="en-US" altLang="zh-TW" sz="2400" dirty="0"/>
+              <a:t>verbose_name = "</a:t>
+            </a:r>
+            <a:r>
+              <a:rPr lang="zh-TW" altLang="en-US" sz="2400" dirty="0"/>
+              <a:t>未付款</a:t>
+            </a:r>
+            <a:r>
+              <a:rPr lang="en-US" altLang="zh-TW" sz="2400" dirty="0"/>
+              <a:t>"</a:t>
+            </a:r>
+            <a:endParaRPr lang="zh-TW" altLang="en-US" sz="1200" dirty="0"/>
+          </a:p>
+        </p:txBody>
+      </p:sp>
+      <p:sp>
+        <p:nvSpPr>
+          <p:cNvPr id="2" name="文字方塊 1">
+            <a:extLst>
+              <a:ext uri="{FF2B5EF4-FFF2-40B4-BE49-F238E27FC236}">
+                <a16:creationId xmlns:a16="http://schemas.microsoft.com/office/drawing/2014/main" id="{BA8E6752-239B-F47E-5C17-412F53F6C94B}"/>
+              </a:ext>
+            </a:extLst>
+          </p:cNvPr>
+          <p:cNvSpPr txBox="1"/>
+          <p:nvPr/>
+        </p:nvSpPr>
+        <p:spPr>
+          <a:xfrm>
+            <a:off x="469231" y="1087700"/>
+            <a:ext cx="11253538" cy="954107"/>
+          </a:xfrm>
+          <a:prstGeom prst="rect">
+            <a:avLst/>
+          </a:prstGeom>
+          <a:noFill/>
+        </p:spPr>
+        <p:txBody>
+          <a:bodyPr wrap="square">
+            <a:spAutoFit/>
+          </a:bodyPr>
+          <a:lstStyle/>
+          <a:p>
+            <a:r>
+              <a:rPr lang="en-US" altLang="zh-TW" sz="3200" dirty="0" err="1"/>
+              <a:t>payment_fail</a:t>
+            </a:r>
+            <a:endParaRPr lang="en-US" altLang="zh-TW" sz="3200" dirty="0"/>
+          </a:p>
+          <a:p>
+            <a:r>
+              <a:rPr lang="en-US" altLang="zh-TW" sz="2400" dirty="0"/>
+              <a:t>verbose_name = "</a:t>
+            </a:r>
+            <a:r>
+              <a:rPr lang="zh-TW" altLang="en-US" sz="2400" dirty="0"/>
+              <a:t>付款失敗</a:t>
+            </a:r>
+            <a:r>
+              <a:rPr lang="en-US" altLang="zh-TW" sz="2400" dirty="0"/>
+              <a:t>"</a:t>
+            </a:r>
+            <a:endParaRPr lang="zh-TW" altLang="en-US" sz="1200" dirty="0"/>
+          </a:p>
+        </p:txBody>
+      </p:sp>
+      <p:sp>
+        <p:nvSpPr>
+          <p:cNvPr id="5" name="文字方塊 4">
+            <a:extLst>
+              <a:ext uri="{FF2B5EF4-FFF2-40B4-BE49-F238E27FC236}">
+                <a16:creationId xmlns:a16="http://schemas.microsoft.com/office/drawing/2014/main" id="{733CA91C-D117-0398-6D5B-2EEC10DB4B94}"/>
+              </a:ext>
+            </a:extLst>
+          </p:cNvPr>
+          <p:cNvSpPr txBox="1"/>
+          <p:nvPr/>
+        </p:nvSpPr>
+        <p:spPr>
+          <a:xfrm>
+            <a:off x="469231" y="2047084"/>
+            <a:ext cx="11253538" cy="954107"/>
+          </a:xfrm>
+          <a:prstGeom prst="rect">
+            <a:avLst/>
+          </a:prstGeom>
+          <a:noFill/>
+        </p:spPr>
+        <p:txBody>
+          <a:bodyPr wrap="square">
+            <a:spAutoFit/>
+          </a:bodyPr>
+          <a:lstStyle/>
+          <a:p>
+            <a:r>
+              <a:rPr lang="en-US" altLang="zh-TW" sz="3200" dirty="0"/>
+              <a:t>waiting_for_shipment</a:t>
+            </a:r>
+          </a:p>
+          <a:p>
+            <a:r>
+              <a:rPr lang="en-US" altLang="zh-TW" sz="2400" dirty="0"/>
+              <a:t>verbose_name = "</a:t>
+            </a:r>
+            <a:r>
+              <a:rPr lang="zh-TW" altLang="en-US" sz="2400" dirty="0"/>
+              <a:t>等待裝運</a:t>
+            </a:r>
+            <a:r>
+              <a:rPr lang="en-US" altLang="zh-TW" sz="2400" dirty="0"/>
+              <a:t>"</a:t>
+            </a:r>
+            <a:endParaRPr lang="zh-TW" altLang="en-US" sz="1200" dirty="0"/>
+          </a:p>
+        </p:txBody>
+      </p:sp>
+      <p:sp>
+        <p:nvSpPr>
+          <p:cNvPr id="9" name="文字方塊 8">
+            <a:extLst>
+              <a:ext uri="{FF2B5EF4-FFF2-40B4-BE49-F238E27FC236}">
+                <a16:creationId xmlns:a16="http://schemas.microsoft.com/office/drawing/2014/main" id="{8FD508D1-AD98-7407-09A3-07E50CD1D839}"/>
+              </a:ext>
+            </a:extLst>
+          </p:cNvPr>
+          <p:cNvSpPr txBox="1"/>
+          <p:nvPr/>
+        </p:nvSpPr>
+        <p:spPr>
+          <a:xfrm>
+            <a:off x="469231" y="3001191"/>
+            <a:ext cx="11253538" cy="954107"/>
+          </a:xfrm>
+          <a:prstGeom prst="rect">
+            <a:avLst/>
+          </a:prstGeom>
+          <a:noFill/>
+        </p:spPr>
+        <p:txBody>
+          <a:bodyPr wrap="square">
+            <a:spAutoFit/>
+          </a:bodyPr>
+          <a:lstStyle/>
+          <a:p>
+            <a:r>
+              <a:rPr lang="en-US" altLang="zh-TW" sz="3200" dirty="0"/>
+              <a:t>transporting</a:t>
+            </a:r>
+          </a:p>
+          <a:p>
+            <a:r>
+              <a:rPr lang="en-US" altLang="zh-TW" sz="2400" dirty="0"/>
+              <a:t>verbose_name = "</a:t>
+            </a:r>
+            <a:r>
+              <a:rPr lang="zh-TW" altLang="en-US" sz="2400" dirty="0"/>
+              <a:t>運輸</a:t>
+            </a:r>
+            <a:r>
+              <a:rPr lang="en-US" altLang="zh-TW" sz="2400" dirty="0"/>
+              <a:t>"</a:t>
+            </a:r>
+            <a:endParaRPr lang="zh-TW" altLang="en-US" sz="1200" dirty="0"/>
+          </a:p>
+        </p:txBody>
+      </p:sp>
+      <p:sp>
+        <p:nvSpPr>
+          <p:cNvPr id="10" name="文字方塊 9">
+            <a:extLst>
+              <a:ext uri="{FF2B5EF4-FFF2-40B4-BE49-F238E27FC236}">
+                <a16:creationId xmlns:a16="http://schemas.microsoft.com/office/drawing/2014/main" id="{7BC89823-D8B5-2C02-9031-160FA99928D5}"/>
+              </a:ext>
+            </a:extLst>
+          </p:cNvPr>
+          <p:cNvSpPr txBox="1"/>
+          <p:nvPr/>
+        </p:nvSpPr>
+        <p:spPr>
+          <a:xfrm>
+            <a:off x="469231" y="3955298"/>
+            <a:ext cx="11253538" cy="954107"/>
+          </a:xfrm>
+          <a:prstGeom prst="rect">
+            <a:avLst/>
+          </a:prstGeom>
+          <a:noFill/>
+        </p:spPr>
+        <p:txBody>
+          <a:bodyPr wrap="square">
+            <a:spAutoFit/>
+          </a:bodyPr>
+          <a:lstStyle/>
+          <a:p>
+            <a:r>
+              <a:rPr lang="en-US" altLang="zh-TW" sz="3200" dirty="0"/>
+              <a:t>completed</a:t>
+            </a:r>
+          </a:p>
+          <a:p>
+            <a:r>
+              <a:rPr lang="en-US" altLang="zh-TW" sz="2400" dirty="0"/>
+              <a:t>verbose_name = "</a:t>
+            </a:r>
+            <a:r>
+              <a:rPr lang="zh-TW" altLang="en-US" sz="2400" dirty="0"/>
+              <a:t>完全的</a:t>
+            </a:r>
+            <a:r>
+              <a:rPr lang="en-US" altLang="zh-TW" sz="2400" dirty="0"/>
+              <a:t>"</a:t>
+            </a:r>
+            <a:endParaRPr lang="zh-TW" altLang="en-US" sz="1200" dirty="0"/>
+          </a:p>
+        </p:txBody>
+      </p:sp>
+      <p:sp>
+        <p:nvSpPr>
+          <p:cNvPr id="11" name="文字方塊 10">
+            <a:extLst>
+              <a:ext uri="{FF2B5EF4-FFF2-40B4-BE49-F238E27FC236}">
+                <a16:creationId xmlns:a16="http://schemas.microsoft.com/office/drawing/2014/main" id="{54FA0197-EFD6-8929-E116-33B74301732D}"/>
+              </a:ext>
+            </a:extLst>
+          </p:cNvPr>
+          <p:cNvSpPr txBox="1"/>
+          <p:nvPr/>
+        </p:nvSpPr>
+        <p:spPr>
+          <a:xfrm>
+            <a:off x="469231" y="4909405"/>
+            <a:ext cx="11253538" cy="954107"/>
+          </a:xfrm>
+          <a:prstGeom prst="rect">
+            <a:avLst/>
+          </a:prstGeom>
+          <a:noFill/>
+        </p:spPr>
+        <p:txBody>
+          <a:bodyPr wrap="square">
+            <a:spAutoFit/>
+          </a:bodyPr>
+          <a:lstStyle/>
+          <a:p>
+            <a:r>
+              <a:rPr lang="en-US" altLang="zh-TW" sz="3200" dirty="0"/>
+              <a:t>cancelled</a:t>
+            </a:r>
+          </a:p>
+          <a:p>
+            <a:r>
+              <a:rPr lang="en-US" altLang="zh-TW" sz="2400" dirty="0"/>
+              <a:t>verbose_name = "</a:t>
+            </a:r>
+            <a:r>
+              <a:rPr lang="zh-TW" altLang="en-US" sz="2400" dirty="0"/>
+              <a:t>取消</a:t>
+            </a:r>
+            <a:r>
+              <a:rPr lang="en-US" altLang="zh-TW" sz="2400" dirty="0"/>
+              <a:t>"</a:t>
+            </a:r>
+            <a:endParaRPr lang="zh-TW" altLang="en-US" sz="1200" dirty="0"/>
+          </a:p>
+        </p:txBody>
+      </p:sp>
+    </p:spTree>
+    <p:extLst>
+      <p:ext uri="{BB962C8B-B14F-4D97-AF65-F5344CB8AC3E}">
+        <p14:creationId xmlns:p14="http://schemas.microsoft.com/office/powerpoint/2010/main" val="1569315436"/>
+      </p:ext>
+    </p:extLst>
+  </p:cSld>
+  <p:clrMapOvr>
+    <a:masterClrMapping/>
+  </p:clrMapOvr>
+</p:sld>
+</file>
+
+<file path=ppt/slides/slide24.xml><?xml version="1.0" encoding="utf-8"?>
+<p:sld xmlns:a="http://schemas.openxmlformats.org/drawingml/2006/main" xmlns:r="http://schemas.openxmlformats.org/officeDocument/2006/relationships" xmlns:p="http://schemas.openxmlformats.org/presentationml/2006/main">
+  <p:cSld>
+    <p:spTree>
+      <p:nvGrpSpPr>
+        <p:cNvPr id="1" name=""/>
+        <p:cNvGrpSpPr/>
+        <p:nvPr/>
+      </p:nvGrpSpPr>
+      <p:grpSpPr>
+        <a:xfrm>
+          <a:off x="0" y="0"/>
+          <a:ext cx="0" cy="0"/>
+          <a:chOff x="0" y="0"/>
+          <a:chExt cx="0" cy="0"/>
+        </a:xfrm>
+      </p:grpSpPr>
+      <p:sp>
+        <p:nvSpPr>
+          <p:cNvPr id="2" name="矩形 1">
+            <a:extLst>
+              <a:ext uri="{FF2B5EF4-FFF2-40B4-BE49-F238E27FC236}">
+                <a16:creationId xmlns:a16="http://schemas.microsoft.com/office/drawing/2014/main" id="{F2D6D40B-1220-434E-8FE3-4AA15AD6E402}"/>
+              </a:ext>
+            </a:extLst>
+          </p:cNvPr>
+          <p:cNvSpPr/>
+          <p:nvPr/>
+        </p:nvSpPr>
+        <p:spPr>
+          <a:xfrm>
+            <a:off x="5123447" y="4491790"/>
+            <a:ext cx="1945106" cy="689811"/>
+          </a:xfrm>
+          <a:prstGeom prst="rect">
+            <a:avLst/>
+          </a:prstGeom>
+        </p:spPr>
+        <p:style>
+          <a:lnRef idx="2">
+            <a:schemeClr val="accent1">
+              <a:shade val="50000"/>
+            </a:schemeClr>
+          </a:lnRef>
+          <a:fillRef idx="1">
+            <a:schemeClr val="accent1"/>
+          </a:fillRef>
+          <a:effectRef idx="0">
+            <a:schemeClr val="accent1"/>
+          </a:effectRef>
+          <a:fontRef idx="minor">
+            <a:schemeClr val="lt1"/>
+          </a:fontRef>
+        </p:style>
+        <p:txBody>
+          <a:bodyPr rtlCol="0" anchor="ctr"/>
+          <a:lstStyle/>
+          <a:p>
+            <a:pPr algn="ctr"/>
+            <a:r>
+              <a:rPr lang="en-US" altLang="zh-TW" dirty="0" err="1"/>
+              <a:t>RelationalProduct</a:t>
+            </a:r>
+            <a:endParaRPr lang="zh-TW" altLang="en-US" dirty="0"/>
+          </a:p>
+        </p:txBody>
+      </p:sp>
+      <p:sp>
+        <p:nvSpPr>
+          <p:cNvPr id="3" name="橢圓 2">
+            <a:extLst>
+              <a:ext uri="{FF2B5EF4-FFF2-40B4-BE49-F238E27FC236}">
+                <a16:creationId xmlns:a16="http://schemas.microsoft.com/office/drawing/2014/main" id="{52ACEB4F-725D-4207-A024-9544614AA802}"/>
+              </a:ext>
+            </a:extLst>
+          </p:cNvPr>
+          <p:cNvSpPr/>
+          <p:nvPr/>
+        </p:nvSpPr>
+        <p:spPr>
+          <a:xfrm>
+            <a:off x="625642" y="1014173"/>
+            <a:ext cx="1840831" cy="838200"/>
+          </a:xfrm>
+          <a:prstGeom prst="ellipse">
+            <a:avLst/>
+          </a:prstGeom>
+        </p:spPr>
+        <p:style>
+          <a:lnRef idx="2">
+            <a:schemeClr val="accent1">
+              <a:shade val="50000"/>
+            </a:schemeClr>
+          </a:lnRef>
+          <a:fillRef idx="1">
+            <a:schemeClr val="accent1"/>
+          </a:fillRef>
+          <a:effectRef idx="0">
+            <a:schemeClr val="accent1"/>
+          </a:effectRef>
+          <a:fontRef idx="minor">
+            <a:schemeClr val="lt1"/>
+          </a:fontRef>
+        </p:style>
+        <p:txBody>
+          <a:bodyPr rtlCol="0" anchor="ctr"/>
+          <a:lstStyle/>
+          <a:p>
+            <a:pPr algn="ctr"/>
+            <a:r>
+              <a:rPr lang="en-US" altLang="zh-TW" dirty="0"/>
+              <a:t>product </a:t>
+            </a:r>
+            <a:endParaRPr lang="zh-TW" altLang="en-US" sz="1200" dirty="0"/>
+          </a:p>
+        </p:txBody>
+      </p:sp>
+      <p:sp>
+        <p:nvSpPr>
+          <p:cNvPr id="5" name="橢圓 4">
+            <a:extLst>
+              <a:ext uri="{FF2B5EF4-FFF2-40B4-BE49-F238E27FC236}">
+                <a16:creationId xmlns:a16="http://schemas.microsoft.com/office/drawing/2014/main" id="{208105CF-3EB5-4CA0-9E05-33612C9BD3F7}"/>
+              </a:ext>
+            </a:extLst>
+          </p:cNvPr>
+          <p:cNvSpPr/>
+          <p:nvPr/>
+        </p:nvSpPr>
+        <p:spPr>
+          <a:xfrm>
+            <a:off x="4851920" y="52263"/>
+            <a:ext cx="2005950" cy="900361"/>
+          </a:xfrm>
+          <a:prstGeom prst="ellipse">
+            <a:avLst/>
+          </a:prstGeom>
+        </p:spPr>
+        <p:style>
+          <a:lnRef idx="2">
+            <a:schemeClr val="accent1">
+              <a:shade val="50000"/>
+            </a:schemeClr>
+          </a:lnRef>
+          <a:fillRef idx="1">
+            <a:schemeClr val="accent1"/>
+          </a:fillRef>
+          <a:effectRef idx="0">
+            <a:schemeClr val="accent1"/>
+          </a:effectRef>
+          <a:fontRef idx="minor">
+            <a:schemeClr val="lt1"/>
+          </a:fontRef>
+        </p:style>
+        <p:txBody>
+          <a:bodyPr rtlCol="0" anchor="ctr"/>
+          <a:lstStyle/>
+          <a:p>
+            <a:pPr algn="ctr"/>
+            <a:r>
+              <a:rPr lang="en-US" altLang="zh-TW" dirty="0"/>
+              <a:t>order</a:t>
+            </a:r>
+            <a:r>
+              <a:rPr lang="en-US" altLang="zh-TW" sz="1200" dirty="0"/>
+              <a:t> </a:t>
+            </a:r>
+            <a:endParaRPr lang="zh-TW" altLang="en-US" sz="1200" dirty="0"/>
+          </a:p>
+        </p:txBody>
+      </p:sp>
+      <p:sp>
+        <p:nvSpPr>
+          <p:cNvPr id="7" name="橢圓 6">
+            <a:extLst>
+              <a:ext uri="{FF2B5EF4-FFF2-40B4-BE49-F238E27FC236}">
+                <a16:creationId xmlns:a16="http://schemas.microsoft.com/office/drawing/2014/main" id="{48AB7FCE-9F46-4D7C-89F6-44FE5B33CC1E}"/>
+              </a:ext>
+            </a:extLst>
+          </p:cNvPr>
+          <p:cNvSpPr/>
+          <p:nvPr/>
+        </p:nvSpPr>
+        <p:spPr>
+          <a:xfrm>
+            <a:off x="9563878" y="1231986"/>
+            <a:ext cx="2287697" cy="900360"/>
+          </a:xfrm>
+          <a:prstGeom prst="ellipse">
+            <a:avLst/>
+          </a:prstGeom>
+        </p:spPr>
+        <p:style>
+          <a:lnRef idx="2">
+            <a:schemeClr val="accent1">
+              <a:shade val="50000"/>
+            </a:schemeClr>
+          </a:lnRef>
+          <a:fillRef idx="1">
+            <a:schemeClr val="accent1"/>
+          </a:fillRef>
+          <a:effectRef idx="0">
+            <a:schemeClr val="accent1"/>
+          </a:effectRef>
+          <a:fontRef idx="minor">
+            <a:schemeClr val="lt1"/>
+          </a:fontRef>
+        </p:style>
+        <p:txBody>
+          <a:bodyPr rtlCol="0" anchor="ctr"/>
+          <a:lstStyle/>
+          <a:p>
+            <a:pPr algn="ctr"/>
+            <a:r>
+              <a:rPr lang="en-US" altLang="zh-TW"/>
+              <a:t>number </a:t>
+            </a:r>
+            <a:endParaRPr lang="en-US" altLang="zh-TW" dirty="0"/>
+          </a:p>
+        </p:txBody>
+      </p:sp>
+      <p:cxnSp>
+        <p:nvCxnSpPr>
+          <p:cNvPr id="9" name="直線接點 8">
+            <a:extLst>
+              <a:ext uri="{FF2B5EF4-FFF2-40B4-BE49-F238E27FC236}">
+                <a16:creationId xmlns:a16="http://schemas.microsoft.com/office/drawing/2014/main" id="{12A0D24B-3445-4CEB-BD64-E1CBC1E77CC8}"/>
+              </a:ext>
+            </a:extLst>
+          </p:cNvPr>
+          <p:cNvCxnSpPr>
+            <a:cxnSpLocks/>
+            <a:stCxn id="3" idx="5"/>
+            <a:endCxn id="2" idx="0"/>
+          </p:cNvCxnSpPr>
+          <p:nvPr/>
+        </p:nvCxnSpPr>
+        <p:spPr>
+          <a:xfrm>
+            <a:off x="2196890" y="1729621"/>
+            <a:ext cx="3899110" cy="2762169"/>
+          </a:xfrm>
+          <a:prstGeom prst="line">
+            <a:avLst/>
+          </a:prstGeom>
+        </p:spPr>
+        <p:style>
+          <a:lnRef idx="1">
+            <a:schemeClr val="accent1"/>
+          </a:lnRef>
+          <a:fillRef idx="0">
+            <a:schemeClr val="accent1"/>
+          </a:fillRef>
+          <a:effectRef idx="0">
+            <a:schemeClr val="accent1"/>
+          </a:effectRef>
+          <a:fontRef idx="minor">
+            <a:schemeClr val="tx1"/>
+          </a:fontRef>
+        </p:style>
+      </p:cxnSp>
+      <p:cxnSp>
+        <p:nvCxnSpPr>
+          <p:cNvPr id="13" name="直線接點 12">
+            <a:extLst>
+              <a:ext uri="{FF2B5EF4-FFF2-40B4-BE49-F238E27FC236}">
+                <a16:creationId xmlns:a16="http://schemas.microsoft.com/office/drawing/2014/main" id="{CDB50DE0-6F33-4C25-9198-49F8E907590D}"/>
+              </a:ext>
+            </a:extLst>
+          </p:cNvPr>
+          <p:cNvCxnSpPr>
+            <a:cxnSpLocks/>
+            <a:stCxn id="5" idx="4"/>
+            <a:endCxn id="2" idx="0"/>
+          </p:cNvCxnSpPr>
+          <p:nvPr/>
+        </p:nvCxnSpPr>
+        <p:spPr>
+          <a:xfrm>
+            <a:off x="5854895" y="952624"/>
+            <a:ext cx="241105" cy="3539166"/>
+          </a:xfrm>
+          <a:prstGeom prst="line">
+            <a:avLst/>
+          </a:prstGeom>
+        </p:spPr>
+        <p:style>
+          <a:lnRef idx="1">
+            <a:schemeClr val="accent1"/>
+          </a:lnRef>
+          <a:fillRef idx="0">
+            <a:schemeClr val="accent1"/>
+          </a:fillRef>
+          <a:effectRef idx="0">
+            <a:schemeClr val="accent1"/>
+          </a:effectRef>
+          <a:fontRef idx="minor">
+            <a:schemeClr val="tx1"/>
+          </a:fontRef>
+        </p:style>
+      </p:cxnSp>
+      <p:cxnSp>
+        <p:nvCxnSpPr>
+          <p:cNvPr id="17" name="直線接點 16">
+            <a:extLst>
+              <a:ext uri="{FF2B5EF4-FFF2-40B4-BE49-F238E27FC236}">
+                <a16:creationId xmlns:a16="http://schemas.microsoft.com/office/drawing/2014/main" id="{953411DC-CBD7-4A73-897E-FCDD1EB47C5B}"/>
+              </a:ext>
+            </a:extLst>
+          </p:cNvPr>
+          <p:cNvCxnSpPr>
+            <a:cxnSpLocks/>
+            <a:stCxn id="7" idx="4"/>
+            <a:endCxn id="2" idx="0"/>
+          </p:cNvCxnSpPr>
+          <p:nvPr/>
+        </p:nvCxnSpPr>
+        <p:spPr>
+          <a:xfrm flipH="1">
+            <a:off x="6096000" y="2132346"/>
+            <a:ext cx="4611727" cy="2359444"/>
+          </a:xfrm>
+          <a:prstGeom prst="line">
+            <a:avLst/>
+          </a:prstGeom>
+        </p:spPr>
+        <p:style>
+          <a:lnRef idx="1">
+            <a:schemeClr val="accent1"/>
+          </a:lnRef>
+          <a:fillRef idx="0">
+            <a:schemeClr val="accent1"/>
+          </a:fillRef>
+          <a:effectRef idx="0">
+            <a:schemeClr val="accent1"/>
+          </a:effectRef>
+          <a:fontRef idx="minor">
+            <a:schemeClr val="tx1"/>
+          </a:fontRef>
+        </p:style>
+      </p:cxnSp>
+    </p:spTree>
+    <p:extLst>
+      <p:ext uri="{BB962C8B-B14F-4D97-AF65-F5344CB8AC3E}">
+        <p14:creationId xmlns:p14="http://schemas.microsoft.com/office/powerpoint/2010/main" val="2568704174"/>
+      </p:ext>
+    </p:extLst>
+  </p:cSld>
+  <p:clrMapOvr>
+    <a:masterClrMapping/>
+  </p:clrMapOvr>
+</p:sld>
+</file>
+
+<file path=ppt/slides/slide25.xml><?xml version="1.0" encoding="utf-8"?>
+<p:sld xmlns:a="http://schemas.openxmlformats.org/drawingml/2006/main" xmlns:r="http://schemas.openxmlformats.org/officeDocument/2006/relationships" xmlns:p="http://schemas.openxmlformats.org/presentationml/2006/main">
+  <p:cSld>
+    <p:spTree>
+      <p:nvGrpSpPr>
+        <p:cNvPr id="1" name=""/>
+        <p:cNvGrpSpPr/>
+        <p:nvPr/>
+      </p:nvGrpSpPr>
+      <p:grpSpPr>
+        <a:xfrm>
+          <a:off x="0" y="0"/>
+          <a:ext cx="0" cy="0"/>
+          <a:chOff x="0" y="0"/>
+          <a:chExt cx="0" cy="0"/>
+        </a:xfrm>
+      </p:grpSpPr>
+      <p:sp>
+        <p:nvSpPr>
+          <p:cNvPr id="3" name="文字方塊 2">
+            <a:extLst>
+              <a:ext uri="{FF2B5EF4-FFF2-40B4-BE49-F238E27FC236}">
+                <a16:creationId xmlns:a16="http://schemas.microsoft.com/office/drawing/2014/main" id="{101505C3-4B6E-4C2C-9385-6D1A467EC7C6}"/>
+              </a:ext>
+            </a:extLst>
+          </p:cNvPr>
+          <p:cNvSpPr txBox="1"/>
+          <p:nvPr/>
+        </p:nvSpPr>
+        <p:spPr>
+          <a:xfrm>
+            <a:off x="469231" y="139169"/>
+            <a:ext cx="11253538" cy="954107"/>
+          </a:xfrm>
+          <a:prstGeom prst="rect">
+            <a:avLst/>
+          </a:prstGeom>
+          <a:noFill/>
+        </p:spPr>
+        <p:txBody>
+          <a:bodyPr wrap="square">
+            <a:spAutoFit/>
+          </a:bodyPr>
+          <a:lstStyle/>
+          <a:p>
+            <a:r>
+              <a:rPr lang="en-US" altLang="zh-TW" sz="3200" dirty="0"/>
+              <a:t>product  </a:t>
+            </a:r>
+          </a:p>
+          <a:p>
+            <a:r>
+              <a:rPr lang="en-US" altLang="zh-TW" sz="2400" dirty="0"/>
+              <a:t>ForeignKey('</a:t>
+            </a:r>
+            <a:r>
+              <a:rPr lang="en-US" altLang="zh-TW" sz="2400" dirty="0" err="1"/>
+              <a:t>products.Product</a:t>
+            </a:r>
+            <a:r>
+              <a:rPr lang="en-US" altLang="zh-TW" sz="2400" dirty="0"/>
+              <a:t>', verbose_name="</a:t>
+            </a:r>
+            <a:r>
+              <a:rPr lang="zh-TW" altLang="en-US" sz="2400" dirty="0"/>
+              <a:t>商品名稱</a:t>
+            </a:r>
+            <a:r>
+              <a:rPr lang="en-US" altLang="zh-TW" sz="2400" dirty="0"/>
+              <a:t>", </a:t>
+            </a:r>
+            <a:r>
+              <a:rPr lang="en-US" altLang="zh-TW" sz="2400" dirty="0" err="1"/>
+              <a:t>on_delete</a:t>
+            </a:r>
+            <a:r>
+              <a:rPr lang="en-US" altLang="zh-TW" sz="2400" dirty="0"/>
+              <a:t>=</a:t>
+            </a:r>
+            <a:r>
+              <a:rPr lang="en-US" altLang="zh-TW" sz="2400" dirty="0" err="1"/>
+              <a:t>models.CASCADE</a:t>
+            </a:r>
+            <a:r>
+              <a:rPr lang="en-US" altLang="zh-TW" sz="2400" dirty="0"/>
+              <a:t>)</a:t>
+            </a:r>
+            <a:endParaRPr lang="zh-TW" altLang="en-US" sz="1200" dirty="0"/>
+          </a:p>
+        </p:txBody>
+      </p:sp>
+      <p:sp>
+        <p:nvSpPr>
+          <p:cNvPr id="7" name="文字方塊 6">
+            <a:extLst>
+              <a:ext uri="{FF2B5EF4-FFF2-40B4-BE49-F238E27FC236}">
+                <a16:creationId xmlns:a16="http://schemas.microsoft.com/office/drawing/2014/main" id="{C7F1947A-7B85-4D8C-BF67-90F76EAFCE9A}"/>
+              </a:ext>
+            </a:extLst>
+          </p:cNvPr>
+          <p:cNvSpPr txBox="1"/>
+          <p:nvPr/>
+        </p:nvSpPr>
+        <p:spPr>
+          <a:xfrm>
+            <a:off x="469231" y="1393167"/>
+            <a:ext cx="11253538" cy="954107"/>
+          </a:xfrm>
+          <a:prstGeom prst="rect">
+            <a:avLst/>
+          </a:prstGeom>
+          <a:noFill/>
+        </p:spPr>
+        <p:txBody>
+          <a:bodyPr wrap="square">
+            <a:spAutoFit/>
+          </a:bodyPr>
+          <a:lstStyle/>
+          <a:p>
+            <a:r>
+              <a:rPr lang="en-US" altLang="zh-TW" sz="3200" dirty="0"/>
+              <a:t>order </a:t>
+            </a:r>
+          </a:p>
+          <a:p>
+            <a:r>
+              <a:rPr lang="en-US" altLang="zh-TW" sz="2400" dirty="0"/>
+              <a:t>ForeignKey('</a:t>
+            </a:r>
+            <a:r>
+              <a:rPr lang="en-US" altLang="zh-TW" sz="2400" dirty="0" err="1"/>
+              <a:t>orders.Order</a:t>
+            </a:r>
+            <a:r>
+              <a:rPr lang="en-US" altLang="zh-TW" sz="2400"/>
+              <a:t>', verbose</a:t>
+            </a:r>
+            <a:r>
+              <a:rPr lang="en-US" altLang="zh-TW" sz="2400" dirty="0"/>
+              <a:t>_name="</a:t>
+            </a:r>
+            <a:r>
+              <a:rPr lang="zh-TW" altLang="en-US" sz="2400" dirty="0"/>
+              <a:t>訂單</a:t>
+            </a:r>
+            <a:r>
+              <a:rPr lang="en-US" altLang="zh-TW" sz="2400" dirty="0"/>
+              <a:t>", </a:t>
+            </a:r>
+            <a:r>
+              <a:rPr lang="en-US" altLang="zh-TW" sz="2400" dirty="0" err="1"/>
+              <a:t>on_delete</a:t>
+            </a:r>
+            <a:r>
+              <a:rPr lang="en-US" altLang="zh-TW" sz="2400" dirty="0"/>
+              <a:t>=</a:t>
+            </a:r>
+            <a:r>
+              <a:rPr lang="en-US" altLang="zh-TW" sz="2400" dirty="0" err="1"/>
+              <a:t>models.CASCADE</a:t>
+            </a:r>
+            <a:r>
+              <a:rPr lang="en-US" altLang="zh-TW" sz="2400" dirty="0"/>
+              <a:t>)</a:t>
+            </a:r>
+            <a:endParaRPr lang="zh-TW" altLang="en-US" sz="1200" dirty="0"/>
+          </a:p>
+        </p:txBody>
+      </p:sp>
+      <p:sp>
+        <p:nvSpPr>
+          <p:cNvPr id="10" name="文字方塊 9">
+            <a:extLst>
+              <a:ext uri="{FF2B5EF4-FFF2-40B4-BE49-F238E27FC236}">
+                <a16:creationId xmlns:a16="http://schemas.microsoft.com/office/drawing/2014/main" id="{7A5E92F5-01B1-4F5B-83A0-0438B28C8ACB}"/>
+              </a:ext>
+            </a:extLst>
+          </p:cNvPr>
+          <p:cNvSpPr txBox="1"/>
+          <p:nvPr/>
+        </p:nvSpPr>
+        <p:spPr>
+          <a:xfrm>
+            <a:off x="469231" y="2713871"/>
+            <a:ext cx="11253538" cy="954107"/>
+          </a:xfrm>
+          <a:prstGeom prst="rect">
+            <a:avLst/>
+          </a:prstGeom>
+          <a:noFill/>
+        </p:spPr>
+        <p:txBody>
+          <a:bodyPr wrap="square">
+            <a:spAutoFit/>
+          </a:bodyPr>
+          <a:lstStyle/>
+          <a:p>
+            <a:r>
+              <a:rPr lang="en-US" altLang="zh-TW" sz="3200" dirty="0"/>
+              <a:t>number </a:t>
+            </a:r>
+          </a:p>
+          <a:p>
+            <a:r>
+              <a:rPr lang="en-US" altLang="zh-TW" sz="2400" dirty="0" err="1"/>
+              <a:t>IntegerField</a:t>
+            </a:r>
+            <a:r>
+              <a:rPr lang="en-US" altLang="zh-TW" sz="2400" dirty="0"/>
+              <a:t>(verbose_name='</a:t>
+            </a:r>
+            <a:r>
+              <a:rPr lang="zh-TW" altLang="en-US" sz="2400" dirty="0"/>
+              <a:t>數量</a:t>
+            </a:r>
+            <a:r>
+              <a:rPr lang="en-US" altLang="zh-TW" sz="2400" dirty="0"/>
+              <a:t>', default=1)</a:t>
+            </a:r>
+            <a:endParaRPr lang="zh-TW" altLang="en-US" sz="1200" dirty="0"/>
+          </a:p>
+        </p:txBody>
+      </p:sp>
+    </p:spTree>
+    <p:extLst>
+      <p:ext uri="{BB962C8B-B14F-4D97-AF65-F5344CB8AC3E}">
+        <p14:creationId xmlns:p14="http://schemas.microsoft.com/office/powerpoint/2010/main" val="3815421313"/>
       </p:ext>
     </p:extLst>
   </p:cSld>
